--- a/ChatGPT/ChatGPT.pptx
+++ b/ChatGPT/ChatGPT.pptx
@@ -214,7 +214,7 @@
           <a:p>
             <a:fld id="{A14D665C-BF84-4DAB-A61A-567F5BF6AE0A}" type="datetimeFigureOut">
               <a:rPr lang="en-US" smtClean="0"/>
-              <a:t>5/31/2023</a:t>
+              <a:t>9/25/2023</a:t>
             </a:fld>
             <a:endParaRPr lang="en-US"/>
           </a:p>
@@ -949,7 +949,7 @@
           <a:p>
             <a:fld id="{A61FA159-F07B-4D87-BED2-6DD15824673A}" type="datetimeFigureOut">
               <a:rPr lang="en-US" smtClean="0"/>
-              <a:t>5/31/2023</a:t>
+              <a:t>9/25/2023</a:t>
             </a:fld>
             <a:endParaRPr lang="en-US"/>
           </a:p>
@@ -1147,7 +1147,7 @@
           <a:p>
             <a:fld id="{A61FA159-F07B-4D87-BED2-6DD15824673A}" type="datetimeFigureOut">
               <a:rPr lang="en-US" smtClean="0"/>
-              <a:t>5/31/2023</a:t>
+              <a:t>9/25/2023</a:t>
             </a:fld>
             <a:endParaRPr lang="en-US"/>
           </a:p>
@@ -1355,7 +1355,7 @@
           <a:p>
             <a:fld id="{A61FA159-F07B-4D87-BED2-6DD15824673A}" type="datetimeFigureOut">
               <a:rPr lang="en-US" smtClean="0"/>
-              <a:t>5/31/2023</a:t>
+              <a:t>9/25/2023</a:t>
             </a:fld>
             <a:endParaRPr lang="en-US"/>
           </a:p>
@@ -1553,7 +1553,7 @@
           <a:p>
             <a:fld id="{A61FA159-F07B-4D87-BED2-6DD15824673A}" type="datetimeFigureOut">
               <a:rPr lang="en-US" smtClean="0"/>
-              <a:t>5/31/2023</a:t>
+              <a:t>9/25/2023</a:t>
             </a:fld>
             <a:endParaRPr lang="en-US"/>
           </a:p>
@@ -1828,7 +1828,7 @@
           <a:p>
             <a:fld id="{A61FA159-F07B-4D87-BED2-6DD15824673A}" type="datetimeFigureOut">
               <a:rPr lang="en-US" smtClean="0"/>
-              <a:t>5/31/2023</a:t>
+              <a:t>9/25/2023</a:t>
             </a:fld>
             <a:endParaRPr lang="en-US"/>
           </a:p>
@@ -2093,7 +2093,7 @@
           <a:p>
             <a:fld id="{A61FA159-F07B-4D87-BED2-6DD15824673A}" type="datetimeFigureOut">
               <a:rPr lang="en-US" smtClean="0"/>
-              <a:t>5/31/2023</a:t>
+              <a:t>9/25/2023</a:t>
             </a:fld>
             <a:endParaRPr lang="en-US"/>
           </a:p>
@@ -2505,7 +2505,7 @@
           <a:p>
             <a:fld id="{A61FA159-F07B-4D87-BED2-6DD15824673A}" type="datetimeFigureOut">
               <a:rPr lang="en-US" smtClean="0"/>
-              <a:t>5/31/2023</a:t>
+              <a:t>9/25/2023</a:t>
             </a:fld>
             <a:endParaRPr lang="en-US"/>
           </a:p>
@@ -2646,7 +2646,7 @@
           <a:p>
             <a:fld id="{A61FA159-F07B-4D87-BED2-6DD15824673A}" type="datetimeFigureOut">
               <a:rPr lang="en-US" smtClean="0"/>
-              <a:t>5/31/2023</a:t>
+              <a:t>9/25/2023</a:t>
             </a:fld>
             <a:endParaRPr lang="en-US"/>
           </a:p>
@@ -2759,7 +2759,7 @@
           <a:p>
             <a:fld id="{A61FA159-F07B-4D87-BED2-6DD15824673A}" type="datetimeFigureOut">
               <a:rPr lang="en-US" smtClean="0"/>
-              <a:t>5/31/2023</a:t>
+              <a:t>9/25/2023</a:t>
             </a:fld>
             <a:endParaRPr lang="en-US"/>
           </a:p>
@@ -3070,7 +3070,7 @@
           <a:p>
             <a:fld id="{A61FA159-F07B-4D87-BED2-6DD15824673A}" type="datetimeFigureOut">
               <a:rPr lang="en-US" smtClean="0"/>
-              <a:t>5/31/2023</a:t>
+              <a:t>9/25/2023</a:t>
             </a:fld>
             <a:endParaRPr lang="en-US"/>
           </a:p>
@@ -3358,7 +3358,7 @@
           <a:p>
             <a:fld id="{A61FA159-F07B-4D87-BED2-6DD15824673A}" type="datetimeFigureOut">
               <a:rPr lang="en-US" smtClean="0"/>
-              <a:t>5/31/2023</a:t>
+              <a:t>9/25/2023</a:t>
             </a:fld>
             <a:endParaRPr lang="en-US"/>
           </a:p>
@@ -3599,7 +3599,7 @@
           <a:p>
             <a:fld id="{A61FA159-F07B-4D87-BED2-6DD15824673A}" type="datetimeFigureOut">
               <a:rPr lang="en-US" smtClean="0"/>
-              <a:t>5/31/2023</a:t>
+              <a:t>9/25/2023</a:t>
             </a:fld>
             <a:endParaRPr lang="en-US"/>
           </a:p>
@@ -4717,22 +4717,87 @@
             </a:r>
           </a:p>
           <a:p>
+            <a:pPr lvl="1"/>
             <a:r>
               <a:rPr lang="en-US" dirty="0"/>
               <a:t>Mostly Harmless</a:t>
             </a:r>
           </a:p>
           <a:p>
+            <a:pPr lvl="1"/>
             <a:r>
               <a:rPr lang="en-US" dirty="0"/>
               <a:t>Mostly Stolen</a:t>
             </a:r>
           </a:p>
           <a:p>
+            <a:pPr marL="0" indent="0">
+              <a:buNone/>
+            </a:pPr>
             <a:endParaRPr lang="en-US" dirty="0"/>
           </a:p>
         </p:txBody>
       </p:sp>
+      <p:pic>
+        <p:nvPicPr>
+          <p:cNvPr id="5" name="Picture 4">
+            <a:extLst>
+              <a:ext uri="{FF2B5EF4-FFF2-40B4-BE49-F238E27FC236}">
+                <a16:creationId xmlns:a16="http://schemas.microsoft.com/office/drawing/2014/main" id="{0526D91F-94D6-3A0C-860C-9765E01FE707}"/>
+              </a:ext>
+            </a:extLst>
+          </p:cNvPr>
+          <p:cNvPicPr>
+            <a:picLocks noChangeAspect="1"/>
+          </p:cNvPicPr>
+          <p:nvPr/>
+        </p:nvPicPr>
+        <p:blipFill>
+          <a:blip r:embed="rId2"/>
+          <a:stretch>
+            <a:fillRect/>
+          </a:stretch>
+        </p:blipFill>
+        <p:spPr>
+          <a:xfrm>
+            <a:off x="5293772" y="228972"/>
+            <a:ext cx="6858000" cy="6858000"/>
+          </a:xfrm>
+          <a:prstGeom prst="rect">
+            <a:avLst/>
+          </a:prstGeom>
+        </p:spPr>
+      </p:pic>
+      <p:pic>
+        <p:nvPicPr>
+          <p:cNvPr id="7" name="Picture 6">
+            <a:extLst>
+              <a:ext uri="{FF2B5EF4-FFF2-40B4-BE49-F238E27FC236}">
+                <a16:creationId xmlns:a16="http://schemas.microsoft.com/office/drawing/2014/main" id="{652DD845-10CC-3780-E749-1E719548E446}"/>
+              </a:ext>
+            </a:extLst>
+          </p:cNvPr>
+          <p:cNvPicPr>
+            <a:picLocks noChangeAspect="1"/>
+          </p:cNvPicPr>
+          <p:nvPr/>
+        </p:nvPicPr>
+        <p:blipFill>
+          <a:blip r:embed="rId3"/>
+          <a:stretch>
+            <a:fillRect/>
+          </a:stretch>
+        </p:blipFill>
+        <p:spPr>
+          <a:xfrm>
+            <a:off x="3079775" y="170536"/>
+            <a:ext cx="3277057" cy="1714739"/>
+          </a:xfrm>
+          <a:prstGeom prst="rect">
+            <a:avLst/>
+          </a:prstGeom>
+        </p:spPr>
+      </p:pic>
     </p:spTree>
     <p:extLst>
       <p:ext uri="{BB962C8B-B14F-4D97-AF65-F5344CB8AC3E}">
@@ -4806,33 +4871,15 @@
                                   </p:childTnLst>
                                 </p:cTn>
                               </p:par>
-                            </p:childTnLst>
-                          </p:cTn>
-                        </p:par>
-                      </p:childTnLst>
-                    </p:cTn>
-                  </p:par>
-                  <p:par>
-                    <p:cTn id="8" fill="hold">
-                      <p:stCondLst>
-                        <p:cond delay="indefinite"/>
-                      </p:stCondLst>
-                      <p:childTnLst>
-                        <p:par>
-                          <p:cTn id="9" fill="hold">
-                            <p:stCondLst>
-                              <p:cond delay="0"/>
-                            </p:stCondLst>
-                            <p:childTnLst>
                               <p:par>
-                                <p:cTn id="10" presetID="10" presetClass="entr" presetSubtype="0" fill="hold" grpId="0" nodeType="clickEffect">
+                                <p:cTn id="8" presetID="10" presetClass="entr" presetSubtype="0" fill="hold" grpId="0" nodeType="withEffect">
                                   <p:stCondLst>
                                     <p:cond delay="0"/>
                                   </p:stCondLst>
                                   <p:childTnLst>
                                     <p:set>
                                       <p:cBhvr>
-                                        <p:cTn id="11" dur="1" fill="hold">
+                                        <p:cTn id="9" dur="1" fill="hold">
                                           <p:stCondLst>
                                             <p:cond delay="0"/>
                                           </p:stCondLst>
@@ -4854,7 +4901,7 @@
                                     </p:set>
                                     <p:animEffect transition="in" filter="fade">
                                       <p:cBhvr>
-                                        <p:cTn id="12" dur="500"/>
+                                        <p:cTn id="10" dur="500"/>
                                         <p:tgtEl>
                                           <p:spTgt spid="3">
                                             <p:txEl>
@@ -4867,33 +4914,15 @@
                                   </p:childTnLst>
                                 </p:cTn>
                               </p:par>
-                            </p:childTnLst>
-                          </p:cTn>
-                        </p:par>
-                      </p:childTnLst>
-                    </p:cTn>
-                  </p:par>
-                  <p:par>
-                    <p:cTn id="13" fill="hold">
-                      <p:stCondLst>
-                        <p:cond delay="indefinite"/>
-                      </p:stCondLst>
-                      <p:childTnLst>
-                        <p:par>
-                          <p:cTn id="14" fill="hold">
-                            <p:stCondLst>
-                              <p:cond delay="0"/>
-                            </p:stCondLst>
-                            <p:childTnLst>
                               <p:par>
-                                <p:cTn id="15" presetID="10" presetClass="entr" presetSubtype="0" fill="hold" grpId="0" nodeType="clickEffect">
+                                <p:cTn id="11" presetID="10" presetClass="entr" presetSubtype="0" fill="hold" grpId="0" nodeType="withEffect">
                                   <p:stCondLst>
                                     <p:cond delay="0"/>
                                   </p:stCondLst>
                                   <p:childTnLst>
                                     <p:set>
                                       <p:cBhvr>
-                                        <p:cTn id="16" dur="1" fill="hold">
+                                        <p:cTn id="12" dur="1" fill="hold">
                                           <p:stCondLst>
                                             <p:cond delay="0"/>
                                           </p:stCondLst>
@@ -4915,7 +4944,7 @@
                                     </p:set>
                                     <p:animEffect transition="in" filter="fade">
                                       <p:cBhvr>
-                                        <p:cTn id="17" dur="500"/>
+                                        <p:cTn id="13" dur="500"/>
                                         <p:tgtEl>
                                           <p:spTgt spid="3">
                                             <p:txEl>

--- a/ChatGPT/ChatGPT.pptx
+++ b/ChatGPT/ChatGPT.pptx
@@ -5,27 +5,28 @@
     <p:sldMasterId id="2147483648" r:id="rId1"/>
   </p:sldMasterIdLst>
   <p:notesMasterIdLst>
-    <p:notesMasterId r:id="rId20"/>
+    <p:notesMasterId r:id="rId21"/>
   </p:notesMasterIdLst>
   <p:sldIdLst>
     <p:sldId id="256" r:id="rId2"/>
-    <p:sldId id="258" r:id="rId3"/>
-    <p:sldId id="259" r:id="rId4"/>
-    <p:sldId id="260" r:id="rId5"/>
-    <p:sldId id="268" r:id="rId6"/>
-    <p:sldId id="266" r:id="rId7"/>
-    <p:sldId id="269" r:id="rId8"/>
-    <p:sldId id="261" r:id="rId9"/>
-    <p:sldId id="262" r:id="rId10"/>
-    <p:sldId id="267" r:id="rId11"/>
-    <p:sldId id="270" r:id="rId12"/>
-    <p:sldId id="263" r:id="rId13"/>
-    <p:sldId id="271" r:id="rId14"/>
-    <p:sldId id="273" r:id="rId15"/>
-    <p:sldId id="274" r:id="rId16"/>
-    <p:sldId id="264" r:id="rId17"/>
-    <p:sldId id="265" r:id="rId18"/>
-    <p:sldId id="272" r:id="rId19"/>
+    <p:sldId id="257" r:id="rId3"/>
+    <p:sldId id="258" r:id="rId4"/>
+    <p:sldId id="259" r:id="rId5"/>
+    <p:sldId id="260" r:id="rId6"/>
+    <p:sldId id="268" r:id="rId7"/>
+    <p:sldId id="266" r:id="rId8"/>
+    <p:sldId id="269" r:id="rId9"/>
+    <p:sldId id="261" r:id="rId10"/>
+    <p:sldId id="262" r:id="rId11"/>
+    <p:sldId id="267" r:id="rId12"/>
+    <p:sldId id="270" r:id="rId13"/>
+    <p:sldId id="263" r:id="rId14"/>
+    <p:sldId id="271" r:id="rId15"/>
+    <p:sldId id="273" r:id="rId16"/>
+    <p:sldId id="274" r:id="rId17"/>
+    <p:sldId id="264" r:id="rId18"/>
+    <p:sldId id="265" r:id="rId19"/>
+    <p:sldId id="272" r:id="rId20"/>
   </p:sldIdLst>
   <p:sldSz cx="12192000" cy="6858000"/>
   <p:notesSz cx="6858000" cy="9144000"/>
@@ -214,7 +215,7 @@
           <a:p>
             <a:fld id="{A14D665C-BF84-4DAB-A61A-567F5BF6AE0A}" type="datetimeFigureOut">
               <a:rPr lang="en-US" smtClean="0"/>
-              <a:t>9/25/2023</a:t>
+              <a:t>9/26/2023</a:t>
             </a:fld>
             <a:endParaRPr lang="en-US"/>
           </a:p>
@@ -690,7 +691,7 @@
           <a:p>
             <a:fld id="{2002FFE6-BE59-4A2D-9952-81433FB7FA10}" type="slidenum">
               <a:rPr lang="en-US" smtClean="0"/>
-              <a:t>2</a:t>
+              <a:t>3</a:t>
             </a:fld>
             <a:endParaRPr lang="en-US"/>
           </a:p>
@@ -783,7 +784,7 @@
           <a:p>
             <a:fld id="{2002FFE6-BE59-4A2D-9952-81433FB7FA10}" type="slidenum">
               <a:rPr lang="en-US" smtClean="0"/>
-              <a:t>13</a:t>
+              <a:t>14</a:t>
             </a:fld>
             <a:endParaRPr lang="en-US"/>
           </a:p>
@@ -949,7 +950,7 @@
           <a:p>
             <a:fld id="{A61FA159-F07B-4D87-BED2-6DD15824673A}" type="datetimeFigureOut">
               <a:rPr lang="en-US" smtClean="0"/>
-              <a:t>9/25/2023</a:t>
+              <a:t>9/26/2023</a:t>
             </a:fld>
             <a:endParaRPr lang="en-US"/>
           </a:p>
@@ -1147,7 +1148,7 @@
           <a:p>
             <a:fld id="{A61FA159-F07B-4D87-BED2-6DD15824673A}" type="datetimeFigureOut">
               <a:rPr lang="en-US" smtClean="0"/>
-              <a:t>9/25/2023</a:t>
+              <a:t>9/26/2023</a:t>
             </a:fld>
             <a:endParaRPr lang="en-US"/>
           </a:p>
@@ -1355,7 +1356,7 @@
           <a:p>
             <a:fld id="{A61FA159-F07B-4D87-BED2-6DD15824673A}" type="datetimeFigureOut">
               <a:rPr lang="en-US" smtClean="0"/>
-              <a:t>9/25/2023</a:t>
+              <a:t>9/26/2023</a:t>
             </a:fld>
             <a:endParaRPr lang="en-US"/>
           </a:p>
@@ -1553,7 +1554,7 @@
           <a:p>
             <a:fld id="{A61FA159-F07B-4D87-BED2-6DD15824673A}" type="datetimeFigureOut">
               <a:rPr lang="en-US" smtClean="0"/>
-              <a:t>9/25/2023</a:t>
+              <a:t>9/26/2023</a:t>
             </a:fld>
             <a:endParaRPr lang="en-US"/>
           </a:p>
@@ -1828,7 +1829,7 @@
           <a:p>
             <a:fld id="{A61FA159-F07B-4D87-BED2-6DD15824673A}" type="datetimeFigureOut">
               <a:rPr lang="en-US" smtClean="0"/>
-              <a:t>9/25/2023</a:t>
+              <a:t>9/26/2023</a:t>
             </a:fld>
             <a:endParaRPr lang="en-US"/>
           </a:p>
@@ -2093,7 +2094,7 @@
           <a:p>
             <a:fld id="{A61FA159-F07B-4D87-BED2-6DD15824673A}" type="datetimeFigureOut">
               <a:rPr lang="en-US" smtClean="0"/>
-              <a:t>9/25/2023</a:t>
+              <a:t>9/26/2023</a:t>
             </a:fld>
             <a:endParaRPr lang="en-US"/>
           </a:p>
@@ -2505,7 +2506,7 @@
           <a:p>
             <a:fld id="{A61FA159-F07B-4D87-BED2-6DD15824673A}" type="datetimeFigureOut">
               <a:rPr lang="en-US" smtClean="0"/>
-              <a:t>9/25/2023</a:t>
+              <a:t>9/26/2023</a:t>
             </a:fld>
             <a:endParaRPr lang="en-US"/>
           </a:p>
@@ -2646,7 +2647,7 @@
           <a:p>
             <a:fld id="{A61FA159-F07B-4D87-BED2-6DD15824673A}" type="datetimeFigureOut">
               <a:rPr lang="en-US" smtClean="0"/>
-              <a:t>9/25/2023</a:t>
+              <a:t>9/26/2023</a:t>
             </a:fld>
             <a:endParaRPr lang="en-US"/>
           </a:p>
@@ -2759,7 +2760,7 @@
           <a:p>
             <a:fld id="{A61FA159-F07B-4D87-BED2-6DD15824673A}" type="datetimeFigureOut">
               <a:rPr lang="en-US" smtClean="0"/>
-              <a:t>9/25/2023</a:t>
+              <a:t>9/26/2023</a:t>
             </a:fld>
             <a:endParaRPr lang="en-US"/>
           </a:p>
@@ -3070,7 +3071,7 @@
           <a:p>
             <a:fld id="{A61FA159-F07B-4D87-BED2-6DD15824673A}" type="datetimeFigureOut">
               <a:rPr lang="en-US" smtClean="0"/>
-              <a:t>9/25/2023</a:t>
+              <a:t>9/26/2023</a:t>
             </a:fld>
             <a:endParaRPr lang="en-US"/>
           </a:p>
@@ -3358,7 +3359,7 @@
           <a:p>
             <a:fld id="{A61FA159-F07B-4D87-BED2-6DD15824673A}" type="datetimeFigureOut">
               <a:rPr lang="en-US" smtClean="0"/>
-              <a:t>9/25/2023</a:t>
+              <a:t>9/26/2023</a:t>
             </a:fld>
             <a:endParaRPr lang="en-US"/>
           </a:p>
@@ -3599,7 +3600,7 @@
           <a:p>
             <a:fld id="{A61FA159-F07B-4D87-BED2-6DD15824673A}" type="datetimeFigureOut">
               <a:rPr lang="en-US" smtClean="0"/>
-              <a:t>9/25/2023</a:t>
+              <a:t>9/26/2023</a:t>
             </a:fld>
             <a:endParaRPr lang="en-US"/>
           </a:p>
@@ -4109,7 +4110,7 @@
           <p:cNvPr id="2" name="Title 1">
             <a:extLst>
               <a:ext uri="{FF2B5EF4-FFF2-40B4-BE49-F238E27FC236}">
-                <a16:creationId xmlns:a16="http://schemas.microsoft.com/office/drawing/2014/main" id="{1FB3E757-684A-4BCA-5162-EC88C4389F5D}"/>
+                <a16:creationId xmlns:a16="http://schemas.microsoft.com/office/drawing/2014/main" id="{6F2A0191-2365-77F0-239D-5DEB21BC1A91}"/>
               </a:ext>
             </a:extLst>
           </p:cNvPr>
@@ -4125,10 +4126,16 @@
           <a:bodyPr/>
           <a:lstStyle/>
           <a:p>
-            <a:r>
-              <a:rPr lang="en-US" dirty="0"/>
-              <a:t>Tips</a:t>
-            </a:r>
+            <a:pPr lvl="0"/>
+            <a:r>
+              <a:rPr lang="en-US" dirty="0"/>
+              <a:t>Examples of Fun Conversations with </a:t>
+            </a:r>
+            <a:r>
+              <a:rPr lang="en-US" dirty="0" err="1"/>
+              <a:t>ChatGPT</a:t>
+            </a:r>
+            <a:endParaRPr lang="en-US" dirty="0"/>
           </a:p>
         </p:txBody>
       </p:sp>
@@ -4137,7 +4144,7 @@
           <p:cNvPr id="3" name="Content Placeholder 2">
             <a:extLst>
               <a:ext uri="{FF2B5EF4-FFF2-40B4-BE49-F238E27FC236}">
-                <a16:creationId xmlns:a16="http://schemas.microsoft.com/office/drawing/2014/main" id="{EB025905-632C-70AC-58CD-6F8EEAF92C4D}"/>
+                <a16:creationId xmlns:a16="http://schemas.microsoft.com/office/drawing/2014/main" id="{7D21A539-E746-B5BA-6F8B-F564ABAB083F}"/>
               </a:ext>
             </a:extLst>
           </p:cNvPr>
@@ -4153,21 +4160,49 @@
           <a:bodyPr/>
           <a:lstStyle/>
           <a:p>
-            <a:r>
-              <a:rPr lang="en-US" dirty="0"/>
-              <a:t>Be specific</a:t>
-            </a:r>
-          </a:p>
-          <a:p>
-            <a:r>
-              <a:rPr lang="en-US" dirty="0"/>
-              <a:t>Set Audience</a:t>
-            </a:r>
-          </a:p>
-          <a:p>
-            <a:r>
-              <a:rPr lang="en-US" dirty="0"/>
-              <a:t>ASCII Art Output</a:t>
+            <a:pPr lvl="0"/>
+            <a:r>
+              <a:rPr lang="en-US" dirty="0"/>
+              <a:t>Chatting about hobbies and interests</a:t>
+            </a:r>
+          </a:p>
+          <a:p>
+            <a:pPr lvl="0"/>
+            <a:r>
+              <a:rPr lang="en-US" dirty="0"/>
+              <a:t>Playing trivia games with </a:t>
+            </a:r>
+            <a:r>
+              <a:rPr lang="en-US" dirty="0" err="1"/>
+              <a:t>ChatGPT</a:t>
+            </a:r>
+            <a:endParaRPr lang="en-US" dirty="0"/>
+          </a:p>
+          <a:p>
+            <a:pPr lvl="0"/>
+            <a:r>
+              <a:rPr lang="en-US" dirty="0"/>
+              <a:t>Creating a story with </a:t>
+            </a:r>
+            <a:r>
+              <a:rPr lang="en-US" dirty="0" err="1"/>
+              <a:t>ChatGPT</a:t>
+            </a:r>
+            <a:endParaRPr lang="en-US" dirty="0"/>
+          </a:p>
+          <a:p>
+            <a:pPr lvl="0"/>
+            <a:r>
+              <a:rPr lang="en-US" dirty="0"/>
+              <a:t>Asking </a:t>
+            </a:r>
+            <a:r>
+              <a:rPr lang="en-US" dirty="0" err="1"/>
+              <a:t>ChatGPT</a:t>
+            </a:r>
+            <a:r>
+              <a:rPr lang="en-US" dirty="0"/>
+              <a:t> to tell a joke or funny story</a:t>
             </a:r>
           </a:p>
         </p:txBody>
@@ -4175,7 +4210,7 @@
     </p:spTree>
     <p:extLst>
       <p:ext uri="{BB962C8B-B14F-4D97-AF65-F5344CB8AC3E}">
-        <p14:creationId xmlns:p14="http://schemas.microsoft.com/office/powerpoint/2010/main" val="4040214308"/>
+        <p14:creationId xmlns:p14="http://schemas.microsoft.com/office/powerpoint/2010/main" val="1050686629"/>
       </p:ext>
     </p:extLst>
   </p:cSld>
@@ -4207,7 +4242,7 @@
           <p:cNvPr id="2" name="Title 1">
             <a:extLst>
               <a:ext uri="{FF2B5EF4-FFF2-40B4-BE49-F238E27FC236}">
-                <a16:creationId xmlns:a16="http://schemas.microsoft.com/office/drawing/2014/main" id="{DA203897-A70C-4317-B811-BB9CEB74ADB5}"/>
+                <a16:creationId xmlns:a16="http://schemas.microsoft.com/office/drawing/2014/main" id="{1FB3E757-684A-4BCA-5162-EC88C4389F5D}"/>
               </a:ext>
             </a:extLst>
           </p:cNvPr>
@@ -4225,7 +4260,7 @@
           <a:p>
             <a:r>
               <a:rPr lang="en-US" dirty="0"/>
-              <a:t>Output Options</a:t>
+              <a:t>Tips</a:t>
             </a:r>
           </a:p>
         </p:txBody>
@@ -4235,7 +4270,7 @@
           <p:cNvPr id="3" name="Content Placeholder 2">
             <a:extLst>
               <a:ext uri="{FF2B5EF4-FFF2-40B4-BE49-F238E27FC236}">
-                <a16:creationId xmlns:a16="http://schemas.microsoft.com/office/drawing/2014/main" id="{A5CAE9E2-F888-A644-C729-1F625953C4C9}"/>
+                <a16:creationId xmlns:a16="http://schemas.microsoft.com/office/drawing/2014/main" id="{EB025905-632C-70AC-58CD-6F8EEAF92C4D}"/>
               </a:ext>
             </a:extLst>
           </p:cNvPr>
@@ -4253,13 +4288,19 @@
           <a:p>
             <a:r>
               <a:rPr lang="en-US" dirty="0"/>
-              <a:t>Tabular</a:t>
-            </a:r>
-          </a:p>
-          <a:p>
-            <a:r>
-              <a:rPr lang="en-US" dirty="0"/>
-              <a:t>ASCII Art</a:t>
+              <a:t>Be specific</a:t>
+            </a:r>
+          </a:p>
+          <a:p>
+            <a:r>
+              <a:rPr lang="en-US" dirty="0"/>
+              <a:t>Set Audience</a:t>
+            </a:r>
+          </a:p>
+          <a:p>
+            <a:r>
+              <a:rPr lang="en-US" dirty="0"/>
+              <a:t>Specify Output</a:t>
             </a:r>
           </a:p>
         </p:txBody>
@@ -4267,7 +4308,7 @@
     </p:spTree>
     <p:extLst>
       <p:ext uri="{BB962C8B-B14F-4D97-AF65-F5344CB8AC3E}">
-        <p14:creationId xmlns:p14="http://schemas.microsoft.com/office/powerpoint/2010/main" val="2021821497"/>
+        <p14:creationId xmlns:p14="http://schemas.microsoft.com/office/powerpoint/2010/main" val="4040214308"/>
       </p:ext>
     </p:extLst>
   </p:cSld>
@@ -4299,7 +4340,7 @@
           <p:cNvPr id="2" name="Title 1">
             <a:extLst>
               <a:ext uri="{FF2B5EF4-FFF2-40B4-BE49-F238E27FC236}">
-                <a16:creationId xmlns:a16="http://schemas.microsoft.com/office/drawing/2014/main" id="{2F18A1DB-AED8-35DD-6F4D-65398A83969F}"/>
+                <a16:creationId xmlns:a16="http://schemas.microsoft.com/office/drawing/2014/main" id="{DA203897-A70C-4317-B811-BB9CEB74ADB5}"/>
               </a:ext>
             </a:extLst>
           </p:cNvPr>
@@ -4312,22 +4353,12 @@
         </p:nvSpPr>
         <p:spPr/>
         <p:txBody>
-          <a:bodyPr>
-            <a:normAutofit/>
-          </a:bodyPr>
-          <a:lstStyle/>
-          <a:p>
-            <a:r>
-              <a:rPr lang="en-US" dirty="0"/>
-              <a:t>Tips for Maximizing your </a:t>
-            </a:r>
-            <a:r>
-              <a:rPr lang="en-US" dirty="0" err="1"/>
-              <a:t>ChatGPT</a:t>
-            </a:r>
-            <a:r>
-              <a:rPr lang="en-US" dirty="0"/>
-              <a:t> Experience</a:t>
+          <a:bodyPr/>
+          <a:lstStyle/>
+          <a:p>
+            <a:r>
+              <a:rPr lang="en-US" dirty="0"/>
+              <a:t>Output Options</a:t>
             </a:r>
           </a:p>
         </p:txBody>
@@ -4337,7 +4368,7 @@
           <p:cNvPr id="3" name="Content Placeholder 2">
             <a:extLst>
               <a:ext uri="{FF2B5EF4-FFF2-40B4-BE49-F238E27FC236}">
-                <a16:creationId xmlns:a16="http://schemas.microsoft.com/office/drawing/2014/main" id="{D9F9D572-6291-54BA-6B06-3F9DEEBC9526}"/>
+                <a16:creationId xmlns:a16="http://schemas.microsoft.com/office/drawing/2014/main" id="{A5CAE9E2-F888-A644-C729-1F625953C4C9}"/>
               </a:ext>
             </a:extLst>
           </p:cNvPr>
@@ -4353,31 +4384,21 @@
           <a:bodyPr/>
           <a:lstStyle/>
           <a:p>
-            <a:pPr lvl="0"/>
-            <a:r>
-              <a:rPr lang="en-US" dirty="0"/>
-              <a:t>Be open-minded</a:t>
-            </a:r>
-          </a:p>
-          <a:p>
-            <a:pPr lvl="0"/>
-            <a:r>
-              <a:rPr lang="en-US" dirty="0"/>
-              <a:t>Ask open-ended questions</a:t>
-            </a:r>
-          </a:p>
-          <a:p>
-            <a:pPr lvl="0"/>
-            <a:r>
-              <a:rPr lang="en-US" dirty="0"/>
-              <a:t>Try different conversation starters</a:t>
-            </a:r>
-          </a:p>
-          <a:p>
-            <a:pPr lvl="0"/>
-            <a:r>
-              <a:rPr lang="en-US" dirty="0"/>
-              <a:t>Experiment with different types of games</a:t>
+            <a:r>
+              <a:rPr lang="en-US" dirty="0"/>
+              <a:t>Text</a:t>
+            </a:r>
+          </a:p>
+          <a:p>
+            <a:r>
+              <a:rPr lang="en-US" dirty="0"/>
+              <a:t>Tabular</a:t>
+            </a:r>
+          </a:p>
+          <a:p>
+            <a:r>
+              <a:rPr lang="en-US" dirty="0"/>
+              <a:t>ASCII Art</a:t>
             </a:r>
           </a:p>
         </p:txBody>
@@ -4385,7 +4406,7 @@
     </p:spTree>
     <p:extLst>
       <p:ext uri="{BB962C8B-B14F-4D97-AF65-F5344CB8AC3E}">
-        <p14:creationId xmlns:p14="http://schemas.microsoft.com/office/powerpoint/2010/main" val="1309668740"/>
+        <p14:creationId xmlns:p14="http://schemas.microsoft.com/office/powerpoint/2010/main" val="2021821497"/>
       </p:ext>
     </p:extLst>
   </p:cSld>
@@ -4417,6 +4438,124 @@
           <p:cNvPr id="2" name="Title 1">
             <a:extLst>
               <a:ext uri="{FF2B5EF4-FFF2-40B4-BE49-F238E27FC236}">
+                <a16:creationId xmlns:a16="http://schemas.microsoft.com/office/drawing/2014/main" id="{2F18A1DB-AED8-35DD-6F4D-65398A83969F}"/>
+              </a:ext>
+            </a:extLst>
+          </p:cNvPr>
+          <p:cNvSpPr>
+            <a:spLocks noGrp="1"/>
+          </p:cNvSpPr>
+          <p:nvPr>
+            <p:ph type="title"/>
+          </p:nvPr>
+        </p:nvSpPr>
+        <p:spPr/>
+        <p:txBody>
+          <a:bodyPr>
+            <a:normAutofit/>
+          </a:bodyPr>
+          <a:lstStyle/>
+          <a:p>
+            <a:r>
+              <a:rPr lang="en-US" dirty="0"/>
+              <a:t>Tips for Maximizing your </a:t>
+            </a:r>
+            <a:r>
+              <a:rPr lang="en-US" dirty="0" err="1"/>
+              <a:t>ChatGPT</a:t>
+            </a:r>
+            <a:r>
+              <a:rPr lang="en-US" dirty="0"/>
+              <a:t> Experience</a:t>
+            </a:r>
+          </a:p>
+        </p:txBody>
+      </p:sp>
+      <p:sp>
+        <p:nvSpPr>
+          <p:cNvPr id="3" name="Content Placeholder 2">
+            <a:extLst>
+              <a:ext uri="{FF2B5EF4-FFF2-40B4-BE49-F238E27FC236}">
+                <a16:creationId xmlns:a16="http://schemas.microsoft.com/office/drawing/2014/main" id="{D9F9D572-6291-54BA-6B06-3F9DEEBC9526}"/>
+              </a:ext>
+            </a:extLst>
+          </p:cNvPr>
+          <p:cNvSpPr>
+            <a:spLocks noGrp="1"/>
+          </p:cNvSpPr>
+          <p:nvPr>
+            <p:ph idx="1"/>
+          </p:nvPr>
+        </p:nvSpPr>
+        <p:spPr/>
+        <p:txBody>
+          <a:bodyPr/>
+          <a:lstStyle/>
+          <a:p>
+            <a:pPr lvl="0"/>
+            <a:r>
+              <a:rPr lang="en-US" dirty="0"/>
+              <a:t>Be open-minded</a:t>
+            </a:r>
+          </a:p>
+          <a:p>
+            <a:pPr lvl="0"/>
+            <a:r>
+              <a:rPr lang="en-US" dirty="0"/>
+              <a:t>Ask open-ended questions</a:t>
+            </a:r>
+          </a:p>
+          <a:p>
+            <a:pPr lvl="0"/>
+            <a:r>
+              <a:rPr lang="en-US" dirty="0"/>
+              <a:t>Try different conversation starters</a:t>
+            </a:r>
+          </a:p>
+          <a:p>
+            <a:pPr lvl="0"/>
+            <a:r>
+              <a:rPr lang="en-US" dirty="0"/>
+              <a:t>Experiment with different types of games</a:t>
+            </a:r>
+          </a:p>
+        </p:txBody>
+      </p:sp>
+    </p:spTree>
+    <p:extLst>
+      <p:ext uri="{BB962C8B-B14F-4D97-AF65-F5344CB8AC3E}">
+        <p14:creationId xmlns:p14="http://schemas.microsoft.com/office/powerpoint/2010/main" val="1309668740"/>
+      </p:ext>
+    </p:extLst>
+  </p:cSld>
+  <p:clrMapOvr>
+    <a:masterClrMapping/>
+  </p:clrMapOvr>
+</p:sld>
+</file>
+
+<file path=ppt/slides/slide14.xml><?xml version="1.0" encoding="utf-8"?>
+<p:sld xmlns:a="http://schemas.openxmlformats.org/drawingml/2006/main" xmlns:r="http://schemas.openxmlformats.org/officeDocument/2006/relationships" xmlns:p="http://schemas.openxmlformats.org/presentationml/2006/main">
+  <p:cSld>
+    <p:spTree>
+      <p:nvGrpSpPr>
+        <p:cNvPr id="1" name=""/>
+        <p:cNvGrpSpPr/>
+        <p:nvPr/>
+      </p:nvGrpSpPr>
+      <p:grpSpPr>
+        <a:xfrm>
+          <a:off x="0" y="0"/>
+          <a:ext cx="0" cy="0"/>
+          <a:chOff x="0" y="0"/>
+          <a:chExt cx="0" cy="0"/>
+        </a:xfrm>
+      </p:grpSpPr>
+      <p:sp>
+        <p:nvSpPr>
+          <p:cNvPr id="2" name="Title 1">
+            <a:extLst>
+              <a:ext uri="{FF2B5EF4-FFF2-40B4-BE49-F238E27FC236}">
                 <a16:creationId xmlns:a16="http://schemas.microsoft.com/office/drawing/2014/main" id="{524ACABC-0950-12AC-A4C2-AFB34FF39C49}"/>
               </a:ext>
             </a:extLst>
@@ -4504,7 +4643,7 @@
 </p:sld>
 </file>
 
-<file path=ppt/slides/slide14.xml><?xml version="1.0" encoding="utf-8"?>
+<file path=ppt/slides/slide15.xml><?xml version="1.0" encoding="utf-8"?>
 <p:sld xmlns:a="http://schemas.openxmlformats.org/drawingml/2006/main" xmlns:r="http://schemas.openxmlformats.org/officeDocument/2006/relationships" xmlns:p="http://schemas.openxmlformats.org/presentationml/2006/main">
   <p:cSld>
     <p:spTree>
@@ -4571,7 +4710,7 @@
 </p:sld>
 </file>
 
-<file path=ppt/slides/slide15.xml><?xml version="1.0" encoding="utf-8"?>
+<file path=ppt/slides/slide16.xml><?xml version="1.0" encoding="utf-8"?>
 <p:sld xmlns:a="http://schemas.openxmlformats.org/drawingml/2006/main" xmlns:r="http://schemas.openxmlformats.org/officeDocument/2006/relationships" xmlns:p="http://schemas.openxmlformats.org/presentationml/2006/main">
   <p:cSld>
     <p:spTree>
@@ -4645,7 +4784,7 @@
 </p:sld>
 </file>
 
-<file path=ppt/slides/slide16.xml><?xml version="1.0" encoding="utf-8"?>
+<file path=ppt/slides/slide17.xml><?xml version="1.0" encoding="utf-8"?>
 <p:sld xmlns:a="http://schemas.openxmlformats.org/drawingml/2006/main" xmlns:r="http://schemas.openxmlformats.org/officeDocument/2006/relationships" xmlns:p="http://schemas.openxmlformats.org/presentationml/2006/main">
   <p:cSld>
     <p:spTree>
@@ -4991,89 +5130,6 @@
 </p:sld>
 </file>
 
-<file path=ppt/slides/slide17.xml><?xml version="1.0" encoding="utf-8"?>
-<p:sld xmlns:a="http://schemas.openxmlformats.org/drawingml/2006/main" xmlns:r="http://schemas.openxmlformats.org/officeDocument/2006/relationships" xmlns:p="http://schemas.openxmlformats.org/presentationml/2006/main">
-  <p:cSld>
-    <p:spTree>
-      <p:nvGrpSpPr>
-        <p:cNvPr id="1" name=""/>
-        <p:cNvGrpSpPr/>
-        <p:nvPr/>
-      </p:nvGrpSpPr>
-      <p:grpSpPr>
-        <a:xfrm>
-          <a:off x="0" y="0"/>
-          <a:ext cx="0" cy="0"/>
-          <a:chOff x="0" y="0"/>
-          <a:chExt cx="0" cy="0"/>
-        </a:xfrm>
-      </p:grpSpPr>
-      <p:sp>
-        <p:nvSpPr>
-          <p:cNvPr id="2" name="Title 1">
-            <a:extLst>
-              <a:ext uri="{FF2B5EF4-FFF2-40B4-BE49-F238E27FC236}">
-                <a16:creationId xmlns:a16="http://schemas.microsoft.com/office/drawing/2014/main" id="{DF183372-0F72-9EF3-2D33-BC9637E82378}"/>
-              </a:ext>
-            </a:extLst>
-          </p:cNvPr>
-          <p:cNvSpPr>
-            <a:spLocks noGrp="1"/>
-          </p:cNvSpPr>
-          <p:nvPr>
-            <p:ph type="title"/>
-          </p:nvPr>
-        </p:nvSpPr>
-        <p:spPr/>
-        <p:txBody>
-          <a:bodyPr/>
-          <a:lstStyle/>
-          <a:p>
-            <a:r>
-              <a:rPr lang="en-US" dirty="0"/>
-              <a:t>You Try It!</a:t>
-            </a:r>
-          </a:p>
-        </p:txBody>
-      </p:sp>
-      <p:sp>
-        <p:nvSpPr>
-          <p:cNvPr id="3" name="Content Placeholder 2">
-            <a:extLst>
-              <a:ext uri="{FF2B5EF4-FFF2-40B4-BE49-F238E27FC236}">
-                <a16:creationId xmlns:a16="http://schemas.microsoft.com/office/drawing/2014/main" id="{A2B74DE0-E990-EF41-9286-47C3B9E735DC}"/>
-              </a:ext>
-            </a:extLst>
-          </p:cNvPr>
-          <p:cNvSpPr>
-            <a:spLocks noGrp="1"/>
-          </p:cNvSpPr>
-          <p:nvPr>
-            <p:ph idx="1"/>
-          </p:nvPr>
-        </p:nvSpPr>
-        <p:spPr/>
-        <p:txBody>
-          <a:bodyPr/>
-          <a:lstStyle/>
-          <a:p>
-            <a:endParaRPr lang="en-US"/>
-          </a:p>
-        </p:txBody>
-      </p:sp>
-    </p:spTree>
-    <p:extLst>
-      <p:ext uri="{BB962C8B-B14F-4D97-AF65-F5344CB8AC3E}">
-        <p14:creationId xmlns:p14="http://schemas.microsoft.com/office/powerpoint/2010/main" val="500571551"/>
-      </p:ext>
-    </p:extLst>
-  </p:cSld>
-  <p:clrMapOvr>
-    <a:masterClrMapping/>
-  </p:clrMapOvr>
-</p:sld>
-</file>
-
 <file path=ppt/slides/slide18.xml><?xml version="1.0" encoding="utf-8"?>
 <p:sld xmlns:a="http://schemas.openxmlformats.org/drawingml/2006/main" xmlns:r="http://schemas.openxmlformats.org/officeDocument/2006/relationships" xmlns:p="http://schemas.openxmlformats.org/presentationml/2006/main">
   <p:cSld>
@@ -5096,6 +5152,89 @@
           <p:cNvPr id="2" name="Title 1">
             <a:extLst>
               <a:ext uri="{FF2B5EF4-FFF2-40B4-BE49-F238E27FC236}">
+                <a16:creationId xmlns:a16="http://schemas.microsoft.com/office/drawing/2014/main" id="{DF183372-0F72-9EF3-2D33-BC9637E82378}"/>
+              </a:ext>
+            </a:extLst>
+          </p:cNvPr>
+          <p:cNvSpPr>
+            <a:spLocks noGrp="1"/>
+          </p:cNvSpPr>
+          <p:nvPr>
+            <p:ph type="title"/>
+          </p:nvPr>
+        </p:nvSpPr>
+        <p:spPr/>
+        <p:txBody>
+          <a:bodyPr/>
+          <a:lstStyle/>
+          <a:p>
+            <a:r>
+              <a:rPr lang="en-US" dirty="0"/>
+              <a:t>You Try It!</a:t>
+            </a:r>
+          </a:p>
+        </p:txBody>
+      </p:sp>
+      <p:sp>
+        <p:nvSpPr>
+          <p:cNvPr id="3" name="Content Placeholder 2">
+            <a:extLst>
+              <a:ext uri="{FF2B5EF4-FFF2-40B4-BE49-F238E27FC236}">
+                <a16:creationId xmlns:a16="http://schemas.microsoft.com/office/drawing/2014/main" id="{A2B74DE0-E990-EF41-9286-47C3B9E735DC}"/>
+              </a:ext>
+            </a:extLst>
+          </p:cNvPr>
+          <p:cNvSpPr>
+            <a:spLocks noGrp="1"/>
+          </p:cNvSpPr>
+          <p:nvPr>
+            <p:ph idx="1"/>
+          </p:nvPr>
+        </p:nvSpPr>
+        <p:spPr/>
+        <p:txBody>
+          <a:bodyPr/>
+          <a:lstStyle/>
+          <a:p>
+            <a:endParaRPr lang="en-US"/>
+          </a:p>
+        </p:txBody>
+      </p:sp>
+    </p:spTree>
+    <p:extLst>
+      <p:ext uri="{BB962C8B-B14F-4D97-AF65-F5344CB8AC3E}">
+        <p14:creationId xmlns:p14="http://schemas.microsoft.com/office/powerpoint/2010/main" val="500571551"/>
+      </p:ext>
+    </p:extLst>
+  </p:cSld>
+  <p:clrMapOvr>
+    <a:masterClrMapping/>
+  </p:clrMapOvr>
+</p:sld>
+</file>
+
+<file path=ppt/slides/slide19.xml><?xml version="1.0" encoding="utf-8"?>
+<p:sld xmlns:a="http://schemas.openxmlformats.org/drawingml/2006/main" xmlns:r="http://schemas.openxmlformats.org/officeDocument/2006/relationships" xmlns:p="http://schemas.openxmlformats.org/presentationml/2006/main">
+  <p:cSld>
+    <p:spTree>
+      <p:nvGrpSpPr>
+        <p:cNvPr id="1" name=""/>
+        <p:cNvGrpSpPr/>
+        <p:nvPr/>
+      </p:nvGrpSpPr>
+      <p:grpSpPr>
+        <a:xfrm>
+          <a:off x="0" y="0"/>
+          <a:ext cx="0" cy="0"/>
+          <a:chOff x="0" y="0"/>
+          <a:chExt cx="0" cy="0"/>
+        </a:xfrm>
+      </p:grpSpPr>
+      <p:sp>
+        <p:nvSpPr>
+          <p:cNvPr id="2" name="Title 1">
+            <a:extLst>
+              <a:ext uri="{FF2B5EF4-FFF2-40B4-BE49-F238E27FC236}">
                 <a16:creationId xmlns:a16="http://schemas.microsoft.com/office/drawing/2014/main" id="{F56E0B1B-86EC-E0BD-94BF-17014D1DA71B}"/>
               </a:ext>
             </a:extLst>
@@ -5137,12 +5276,76 @@
         </p:nvSpPr>
         <p:spPr/>
         <p:txBody>
-          <a:bodyPr/>
-          <a:lstStyle/>
-          <a:p>
-            <a:r>
-              <a:rPr lang="en-US" dirty="0"/>
+          <a:bodyPr>
+            <a:normAutofit lnSpcReduction="10000"/>
+          </a:bodyPr>
+          <a:lstStyle/>
+          <a:p>
+            <a:r>
+              <a:rPr lang="en-US" dirty="0">
+                <a:hlinkClick r:id="rId2"/>
+              </a:rPr>
+              <a:t>https://github.com/DavidGiard/Presentation-Slides/tree/main/ChatGPT</a:t>
+            </a:r>
+          </a:p>
+          <a:p>
+            <a:r>
+              <a:rPr lang="en-US" dirty="0">
+                <a:hlinkClick r:id="rId2"/>
+              </a:rPr>
               <a:t>https://gridfiti.com/best-chatgpt-prompts/</a:t>
+            </a:r>
+            <a:r>
+              <a:rPr lang="en-US" dirty="0"/>
+              <a:t> </a:t>
+            </a:r>
+          </a:p>
+          <a:p>
+            <a:r>
+              <a:rPr lang="en-US" dirty="0">
+                <a:hlinkClick r:id="rId3"/>
+              </a:rPr>
+              <a:t>https://www.linkedin.com/feed/update/urn:li:activity:7066386899451428864/</a:t>
+            </a:r>
+            <a:r>
+              <a:rPr lang="en-US" dirty="0"/>
+              <a:t> </a:t>
+            </a:r>
+          </a:p>
+          <a:p>
+            <a:r>
+              <a:rPr lang="en-US" dirty="0">
+                <a:hlinkClick r:id="rId4"/>
+              </a:rPr>
+              <a:t>https://www.linkedin.com/feed/update/urn:li:activity:7069281452240039936/?utm_source=share&amp;utm_medium=member_ios</a:t>
+            </a:r>
+            <a:r>
+              <a:rPr lang="en-US" dirty="0"/>
+              <a:t> </a:t>
+            </a:r>
+          </a:p>
+          <a:p>
+            <a:r>
+              <a:rPr lang="en-US" dirty="0">
+                <a:hlinkClick r:id="rId5"/>
+              </a:rPr>
+              <a:t>https://microsoft.sharepoint.com/teams/CS_CE/SitePages/CE-Beat-AIcareer.aspx</a:t>
+            </a:r>
+            <a:r>
+              <a:rPr lang="en-US" dirty="0"/>
+              <a:t> </a:t>
+            </a:r>
+          </a:p>
+          <a:p>
+            <a:r>
+              <a:rPr lang="en-US" dirty="0">
+                <a:hlinkClick r:id="rId6"/>
+              </a:rPr>
+              <a:t>https://aka.ms/careergpt</a:t>
+            </a:r>
+            <a:r>
+              <a:rPr lang="en-US" dirty="0"/>
+              <a:t> </a:t>
             </a:r>
           </a:p>
           <a:p>
@@ -5185,7 +5388,7 @@
           <p:cNvPr id="2" name="Title 1">
             <a:extLst>
               <a:ext uri="{FF2B5EF4-FFF2-40B4-BE49-F238E27FC236}">
-                <a16:creationId xmlns:a16="http://schemas.microsoft.com/office/drawing/2014/main" id="{3A8F094B-0D14-F30D-8876-80F61AFD5D7B}"/>
+                <a16:creationId xmlns:a16="http://schemas.microsoft.com/office/drawing/2014/main" id="{DCAE9307-84CF-4F7C-9D38-D233FA651DC4}"/>
               </a:ext>
             </a:extLst>
           </p:cNvPr>
@@ -5203,140 +5406,109 @@
           <a:p>
             <a:r>
               <a:rPr lang="en-US" dirty="0"/>
-              <a:t>What is </a:t>
+              <a:t>David Giard</a:t>
+            </a:r>
+          </a:p>
+        </p:txBody>
+      </p:sp>
+      <p:sp>
+        <p:nvSpPr>
+          <p:cNvPr id="3" name="Content Placeholder 2">
+            <a:extLst>
+              <a:ext uri="{FF2B5EF4-FFF2-40B4-BE49-F238E27FC236}">
+                <a16:creationId xmlns:a16="http://schemas.microsoft.com/office/drawing/2014/main" id="{548D2DCB-217C-4C69-B3AC-C1632F2C5F7D}"/>
+              </a:ext>
+            </a:extLst>
+          </p:cNvPr>
+          <p:cNvSpPr>
+            <a:spLocks noGrp="1"/>
+          </p:cNvSpPr>
+          <p:nvPr>
+            <p:ph idx="1"/>
+          </p:nvPr>
+        </p:nvSpPr>
+        <p:spPr/>
+        <p:txBody>
+          <a:bodyPr/>
+          <a:lstStyle/>
+          <a:p>
+            <a:r>
+              <a:rPr lang="en-US" dirty="0"/>
+              <a:t>Partner Solution Architect, </a:t>
+            </a:r>
+            <a:br>
+              <a:rPr lang="en-US" dirty="0"/>
+            </a:br>
+            <a:r>
+              <a:rPr lang="en-US" dirty="0"/>
+              <a:t>Microsoft</a:t>
+            </a:r>
+          </a:p>
+          <a:p>
+            <a:r>
+              <a:rPr lang="en-US" dirty="0"/>
+              <a:t>davidgiard.com</a:t>
+            </a:r>
+          </a:p>
+          <a:p>
+            <a:r>
+              <a:rPr lang="en-US" dirty="0"/>
+              <a:t>technologyandfriends.com</a:t>
+            </a:r>
+          </a:p>
+          <a:p>
+            <a:r>
+              <a:rPr lang="en-US" dirty="0"/>
+              <a:t>aka.ms/</a:t>
             </a:r>
             <a:r>
               <a:rPr lang="en-US" dirty="0" err="1"/>
-              <a:t>ChatGPT</a:t>
-            </a:r>
-            <a:r>
-              <a:rPr lang="en-US" dirty="0"/>
-              <a:t>?</a:t>
-            </a:r>
-          </a:p>
-        </p:txBody>
-      </p:sp>
-      <p:sp>
-        <p:nvSpPr>
-          <p:cNvPr id="3" name="Content Placeholder 2">
-            <a:extLst>
-              <a:ext uri="{FF2B5EF4-FFF2-40B4-BE49-F238E27FC236}">
-                <a16:creationId xmlns:a16="http://schemas.microsoft.com/office/drawing/2014/main" id="{8CF30F23-06B3-0D59-CE60-CDB3EE0EA7C1}"/>
-              </a:ext>
-            </a:extLst>
-          </p:cNvPr>
-          <p:cNvSpPr>
-            <a:spLocks noGrp="1"/>
-          </p:cNvSpPr>
-          <p:nvPr>
-            <p:ph idx="1"/>
-          </p:nvPr>
-        </p:nvSpPr>
-        <p:spPr/>
-        <p:txBody>
-          <a:bodyPr/>
-          <a:lstStyle/>
-          <a:p>
-            <a:pPr marL="0" indent="0">
-              <a:buNone/>
-            </a:pPr>
-            <a:r>
-              <a:rPr lang="en-US" b="0" i="0" dirty="0">
-                <a:solidFill>
-                  <a:srgbClr val="374151"/>
-                </a:solidFill>
-                <a:effectLst/>
-                <a:latin typeface="Söhne"/>
-              </a:rPr>
-              <a:t>“</a:t>
-            </a:r>
-            <a:r>
-              <a:rPr lang="en-US" b="0" i="0" dirty="0" err="1">
-                <a:solidFill>
-                  <a:srgbClr val="374151"/>
-                </a:solidFill>
-                <a:effectLst/>
-                <a:latin typeface="Söhne"/>
-              </a:rPr>
-              <a:t>ChatGPT</a:t>
-            </a:r>
-            <a:r>
-              <a:rPr lang="en-US" b="0" i="0" dirty="0">
-                <a:solidFill>
-                  <a:srgbClr val="374151"/>
-                </a:solidFill>
-                <a:effectLst/>
-                <a:latin typeface="Söhne"/>
-              </a:rPr>
-              <a:t> is a large language model developed by </a:t>
-            </a:r>
-            <a:r>
-              <a:rPr lang="en-US" b="0" i="0" dirty="0" err="1">
-                <a:solidFill>
-                  <a:srgbClr val="374151"/>
-                </a:solidFill>
-                <a:effectLst/>
-                <a:latin typeface="Söhne"/>
-              </a:rPr>
-              <a:t>OpenAI</a:t>
-            </a:r>
-            <a:r>
-              <a:rPr lang="en-US" b="0" i="0" dirty="0">
-                <a:solidFill>
-                  <a:srgbClr val="374151"/>
-                </a:solidFill>
-                <a:effectLst/>
-                <a:latin typeface="Söhne"/>
-              </a:rPr>
-              <a:t>, capable of performing a wide range of natural language processing tasks, including conversational chatbots, using deep learning-based unsupervised learning.”</a:t>
-            </a:r>
-          </a:p>
-          <a:p>
-            <a:pPr marL="0" indent="0">
-              <a:buNone/>
-            </a:pPr>
-            <a:endParaRPr lang="en-US" dirty="0">
-              <a:solidFill>
-                <a:srgbClr val="374151"/>
-              </a:solidFill>
-              <a:latin typeface="Söhne"/>
-            </a:endParaRPr>
-          </a:p>
-          <a:p>
-            <a:pPr marL="0" indent="0">
-              <a:buNone/>
-            </a:pPr>
-            <a:r>
-              <a:rPr lang="en-US" dirty="0">
-                <a:solidFill>
-                  <a:srgbClr val="374151"/>
-                </a:solidFill>
-                <a:latin typeface="Söhne"/>
-              </a:rPr>
-              <a:t>-</a:t>
-            </a:r>
-            <a:r>
-              <a:rPr lang="en-US" dirty="0" err="1">
-                <a:solidFill>
-                  <a:srgbClr val="374151"/>
-                </a:solidFill>
-                <a:latin typeface="Söhne"/>
-              </a:rPr>
-              <a:t>ChatGPT</a:t>
-            </a:r>
-            <a:endParaRPr lang="en-US" dirty="0">
-              <a:solidFill>
-                <a:srgbClr val="374151"/>
-              </a:solidFill>
-              <a:latin typeface="Söhne"/>
-            </a:endParaRPr>
-          </a:p>
-        </p:txBody>
-      </p:sp>
+              <a:t>gcast</a:t>
+            </a:r>
+            <a:endParaRPr lang="en-US" dirty="0"/>
+          </a:p>
+        </p:txBody>
+      </p:sp>
+      <p:pic>
+        <p:nvPicPr>
+          <p:cNvPr id="5" name="Picture 4" descr="A person taking a selfie with a statue of a person&#10;&#10;Description automatically generated with medium confidence">
+            <a:extLst>
+              <a:ext uri="{FF2B5EF4-FFF2-40B4-BE49-F238E27FC236}">
+                <a16:creationId xmlns:a16="http://schemas.microsoft.com/office/drawing/2014/main" id="{8967E9C9-989C-4470-BB3A-885C3CAFA444}"/>
+              </a:ext>
+            </a:extLst>
+          </p:cNvPr>
+          <p:cNvPicPr>
+            <a:picLocks noChangeAspect="1"/>
+          </p:cNvPicPr>
+          <p:nvPr/>
+        </p:nvPicPr>
+        <p:blipFill>
+          <a:blip r:embed="rId2">
+            <a:extLst>
+              <a:ext uri="{28A0092B-C50C-407E-A947-70E740481C1C}">
+                <a14:useLocalDpi xmlns:a14="http://schemas.microsoft.com/office/drawing/2010/main" val="0"/>
+              </a:ext>
+            </a:extLst>
+          </a:blip>
+          <a:stretch>
+            <a:fillRect/>
+          </a:stretch>
+        </p:blipFill>
+        <p:spPr>
+          <a:xfrm>
+            <a:off x="5334000" y="0"/>
+            <a:ext cx="6858000" cy="6858000"/>
+          </a:xfrm>
+          <a:prstGeom prst="rect">
+            <a:avLst/>
+          </a:prstGeom>
+        </p:spPr>
+      </p:pic>
     </p:spTree>
     <p:extLst>
       <p:ext uri="{BB962C8B-B14F-4D97-AF65-F5344CB8AC3E}">
-        <p14:creationId xmlns:p14="http://schemas.microsoft.com/office/powerpoint/2010/main" val="1569873240"/>
+        <p14:creationId xmlns:p14="http://schemas.microsoft.com/office/powerpoint/2010/main" val="2770202791"/>
       </p:ext>
     </p:extLst>
   </p:cSld>
@@ -5368,7 +5540,7 @@
           <p:cNvPr id="2" name="Title 1">
             <a:extLst>
               <a:ext uri="{FF2B5EF4-FFF2-40B4-BE49-F238E27FC236}">
-                <a16:creationId xmlns:a16="http://schemas.microsoft.com/office/drawing/2014/main" id="{C4C51A8D-EE81-725C-CBBF-1C5AE6F83A2D}"/>
+                <a16:creationId xmlns:a16="http://schemas.microsoft.com/office/drawing/2014/main" id="{3A8F094B-0D14-F30D-8876-80F61AFD5D7B}"/>
               </a:ext>
             </a:extLst>
           </p:cNvPr>
@@ -5381,14 +5553,20 @@
         </p:nvSpPr>
         <p:spPr/>
         <p:txBody>
-          <a:bodyPr>
-            <a:normAutofit/>
-          </a:bodyPr>
-          <a:lstStyle/>
-          <a:p>
-            <a:r>
-              <a:rPr lang="en-US" dirty="0"/>
-              <a:t>Capabilities</a:t>
+          <a:bodyPr/>
+          <a:lstStyle/>
+          <a:p>
+            <a:r>
+              <a:rPr lang="en-US" dirty="0"/>
+              <a:t>What is </a:t>
+            </a:r>
+            <a:r>
+              <a:rPr lang="en-US" dirty="0" err="1"/>
+              <a:t>ChatGPT</a:t>
+            </a:r>
+            <a:r>
+              <a:rPr lang="en-US" dirty="0"/>
+              <a:t>?</a:t>
             </a:r>
           </a:p>
         </p:txBody>
@@ -5398,7 +5576,7 @@
           <p:cNvPr id="3" name="Content Placeholder 2">
             <a:extLst>
               <a:ext uri="{FF2B5EF4-FFF2-40B4-BE49-F238E27FC236}">
-                <a16:creationId xmlns:a16="http://schemas.microsoft.com/office/drawing/2014/main" id="{8F029DB2-0CBF-5813-0FA2-E8BC657D233F}"/>
+                <a16:creationId xmlns:a16="http://schemas.microsoft.com/office/drawing/2014/main" id="{8CF30F23-06B3-0D59-CE60-CDB3EE0EA7C1}"/>
               </a:ext>
             </a:extLst>
           </p:cNvPr>
@@ -5414,32 +5592,106 @@
           <a:bodyPr/>
           <a:lstStyle/>
           <a:p>
-            <a:pPr lvl="0"/>
-            <a:r>
-              <a:rPr lang="en-US" dirty="0"/>
-              <a:t>Remembers what user said earlier in the conversation</a:t>
-            </a:r>
-          </a:p>
-          <a:p>
-            <a:pPr lvl="0"/>
-            <a:r>
-              <a:rPr lang="en-US" dirty="0"/>
-              <a:t>Allows user to provide follow-up corrections</a:t>
-            </a:r>
-          </a:p>
-          <a:p>
-            <a:pPr lvl="0"/>
-            <a:r>
-              <a:rPr lang="en-US" dirty="0"/>
-              <a:t>Trained to decline inappropriate requests</a:t>
-            </a:r>
+            <a:pPr marL="0" indent="0">
+              <a:buNone/>
+            </a:pPr>
+            <a:r>
+              <a:rPr lang="en-US" b="0" i="0" dirty="0">
+                <a:solidFill>
+                  <a:srgbClr val="374151"/>
+                </a:solidFill>
+                <a:effectLst/>
+                <a:latin typeface="Söhne"/>
+              </a:rPr>
+              <a:t>“</a:t>
+            </a:r>
+            <a:r>
+              <a:rPr lang="en-US" b="0" i="0" dirty="0" err="1">
+                <a:solidFill>
+                  <a:srgbClr val="374151"/>
+                </a:solidFill>
+                <a:effectLst/>
+                <a:latin typeface="Söhne"/>
+              </a:rPr>
+              <a:t>ChatGPT</a:t>
+            </a:r>
+            <a:r>
+              <a:rPr lang="en-US" b="0" i="0" dirty="0">
+                <a:solidFill>
+                  <a:srgbClr val="374151"/>
+                </a:solidFill>
+                <a:effectLst/>
+                <a:latin typeface="Söhne"/>
+              </a:rPr>
+              <a:t> is a large language model developed by </a:t>
+            </a:r>
+            <a:r>
+              <a:rPr lang="en-US" b="0" i="0" dirty="0" err="1">
+                <a:solidFill>
+                  <a:srgbClr val="374151"/>
+                </a:solidFill>
+                <a:effectLst/>
+                <a:latin typeface="Söhne"/>
+              </a:rPr>
+              <a:t>OpenAI</a:t>
+            </a:r>
+            <a:r>
+              <a:rPr lang="en-US" b="0" i="0" dirty="0">
+                <a:solidFill>
+                  <a:srgbClr val="374151"/>
+                </a:solidFill>
+                <a:effectLst/>
+                <a:latin typeface="Söhne"/>
+              </a:rPr>
+              <a:t>, capable of performing a wide range of natural language processing tasks, including conversational chatbots, using deep learning-based unsupervised learning.”</a:t>
+            </a:r>
+          </a:p>
+          <a:p>
+            <a:pPr marL="0" indent="0">
+              <a:buNone/>
+            </a:pPr>
+            <a:endParaRPr lang="en-US" dirty="0">
+              <a:solidFill>
+                <a:srgbClr val="374151"/>
+              </a:solidFill>
+              <a:latin typeface="Söhne"/>
+            </a:endParaRPr>
+          </a:p>
+          <a:p>
+            <a:pPr marL="0" indent="0">
+              <a:buNone/>
+            </a:pPr>
+            <a:r>
+              <a:rPr lang="en-US" dirty="0">
+                <a:solidFill>
+                  <a:srgbClr val="374151"/>
+                </a:solidFill>
+                <a:latin typeface="Söhne"/>
+              </a:rPr>
+              <a:t>-</a:t>
+            </a:r>
+            <a:r>
+              <a:rPr lang="en-US" dirty="0" err="1">
+                <a:solidFill>
+                  <a:srgbClr val="374151"/>
+                </a:solidFill>
+                <a:latin typeface="Söhne"/>
+              </a:rPr>
+              <a:t>ChatGPT</a:t>
+            </a:r>
+            <a:endParaRPr lang="en-US" dirty="0">
+              <a:solidFill>
+                <a:srgbClr val="374151"/>
+              </a:solidFill>
+              <a:latin typeface="Söhne"/>
+            </a:endParaRPr>
           </a:p>
         </p:txBody>
       </p:sp>
     </p:spTree>
     <p:extLst>
       <p:ext uri="{BB962C8B-B14F-4D97-AF65-F5344CB8AC3E}">
-        <p14:creationId xmlns:p14="http://schemas.microsoft.com/office/powerpoint/2010/main" val="3234489296"/>
+        <p14:creationId xmlns:p14="http://schemas.microsoft.com/office/powerpoint/2010/main" val="1569873240"/>
       </p:ext>
     </p:extLst>
   </p:cSld>
@@ -5471,7 +5723,7 @@
           <p:cNvPr id="2" name="Title 1">
             <a:extLst>
               <a:ext uri="{FF2B5EF4-FFF2-40B4-BE49-F238E27FC236}">
-                <a16:creationId xmlns:a16="http://schemas.microsoft.com/office/drawing/2014/main" id="{60260AAF-8FEB-DB0A-0A20-782EEB168156}"/>
+                <a16:creationId xmlns:a16="http://schemas.microsoft.com/office/drawing/2014/main" id="{C4C51A8D-EE81-725C-CBBF-1C5AE6F83A2D}"/>
               </a:ext>
             </a:extLst>
           </p:cNvPr>
@@ -5484,56 +5736,64 @@
         </p:nvSpPr>
         <p:spPr/>
         <p:txBody>
+          <a:bodyPr>
+            <a:normAutofit/>
+          </a:bodyPr>
+          <a:lstStyle/>
+          <a:p>
+            <a:r>
+              <a:rPr lang="en-US" dirty="0"/>
+              <a:t>Capabilities</a:t>
+            </a:r>
+          </a:p>
+        </p:txBody>
+      </p:sp>
+      <p:sp>
+        <p:nvSpPr>
+          <p:cNvPr id="3" name="Content Placeholder 2">
+            <a:extLst>
+              <a:ext uri="{FF2B5EF4-FFF2-40B4-BE49-F238E27FC236}">
+                <a16:creationId xmlns:a16="http://schemas.microsoft.com/office/drawing/2014/main" id="{8F029DB2-0CBF-5813-0FA2-E8BC657D233F}"/>
+              </a:ext>
+            </a:extLst>
+          </p:cNvPr>
+          <p:cNvSpPr>
+            <a:spLocks noGrp="1"/>
+          </p:cNvSpPr>
+          <p:nvPr>
+            <p:ph idx="1"/>
+          </p:nvPr>
+        </p:nvSpPr>
+        <p:spPr/>
+        <p:txBody>
           <a:bodyPr/>
           <a:lstStyle/>
           <a:p>
             <a:pPr lvl="0"/>
             <a:r>
               <a:rPr lang="en-US" dirty="0"/>
-              <a:t>Limitations</a:t>
-            </a:r>
-          </a:p>
-        </p:txBody>
-      </p:sp>
-      <p:sp>
-        <p:nvSpPr>
-          <p:cNvPr id="3" name="Content Placeholder 2">
-            <a:extLst>
-              <a:ext uri="{FF2B5EF4-FFF2-40B4-BE49-F238E27FC236}">
-                <a16:creationId xmlns:a16="http://schemas.microsoft.com/office/drawing/2014/main" id="{66260003-4029-9D84-3740-E99FC1FA186A}"/>
-              </a:ext>
-            </a:extLst>
-          </p:cNvPr>
-          <p:cNvSpPr>
-            <a:spLocks noGrp="1"/>
-          </p:cNvSpPr>
-          <p:nvPr>
-            <p:ph idx="1"/>
-          </p:nvPr>
-        </p:nvSpPr>
-        <p:spPr/>
-        <p:txBody>
-          <a:bodyPr/>
-          <a:lstStyle/>
+              <a:t>Understands Natural Language</a:t>
+            </a:r>
+          </a:p>
           <a:p>
             <a:pPr lvl="0"/>
             <a:r>
               <a:rPr lang="en-US" dirty="0"/>
-              <a:t>May occasionally generate incorrect information</a:t>
+              <a:t>Remembers what user said earlier in the conversation</a:t>
             </a:r>
           </a:p>
           <a:p>
             <a:pPr lvl="0"/>
             <a:r>
               <a:rPr lang="en-US" dirty="0"/>
-              <a:t>May occasionally produce harmful instructions or biased content</a:t>
+              <a:t>Allows user to provide follow-up corrections</a:t>
             </a:r>
           </a:p>
           <a:p>
             <a:pPr lvl="0"/>
             <a:r>
               <a:rPr lang="en-US" dirty="0"/>
-              <a:t>Limited knowledge of world and events after 2021</a:t>
+              <a:t>Trained to decline inappropriate requests</a:t>
             </a:r>
           </a:p>
         </p:txBody>
@@ -5541,7 +5801,7 @@
     </p:spTree>
     <p:extLst>
       <p:ext uri="{BB962C8B-B14F-4D97-AF65-F5344CB8AC3E}">
-        <p14:creationId xmlns:p14="http://schemas.microsoft.com/office/powerpoint/2010/main" val="3724291402"/>
+        <p14:creationId xmlns:p14="http://schemas.microsoft.com/office/powerpoint/2010/main" val="3234489296"/>
       </p:ext>
     </p:extLst>
   </p:cSld>
@@ -5573,7 +5833,7 @@
           <p:cNvPr id="2" name="Title 1">
             <a:extLst>
               <a:ext uri="{FF2B5EF4-FFF2-40B4-BE49-F238E27FC236}">
-                <a16:creationId xmlns:a16="http://schemas.microsoft.com/office/drawing/2014/main" id="{D7DD4D18-8B95-D0B8-A51F-1146CE7784FC}"/>
+                <a16:creationId xmlns:a16="http://schemas.microsoft.com/office/drawing/2014/main" id="{60260AAF-8FEB-DB0A-0A20-782EEB168156}"/>
               </a:ext>
             </a:extLst>
           </p:cNvPr>
@@ -5589,9 +5849,10 @@
           <a:bodyPr/>
           <a:lstStyle/>
           <a:p>
-            <a:r>
-              <a:rPr lang="en-US" dirty="0"/>
-              <a:t>Ways to Make ChatGPT Work for You: IT</a:t>
+            <a:pPr lvl="0"/>
+            <a:r>
+              <a:rPr lang="en-US" dirty="0"/>
+              <a:t>Limitations</a:t>
             </a:r>
           </a:p>
         </p:txBody>
@@ -5601,7 +5862,7 @@
           <p:cNvPr id="3" name="Content Placeholder 2">
             <a:extLst>
               <a:ext uri="{FF2B5EF4-FFF2-40B4-BE49-F238E27FC236}">
-                <a16:creationId xmlns:a16="http://schemas.microsoft.com/office/drawing/2014/main" id="{0692AB1D-BDB7-97DD-D982-A381520494BB}"/>
+                <a16:creationId xmlns:a16="http://schemas.microsoft.com/office/drawing/2014/main" id="{66260003-4029-9D84-3740-E99FC1FA186A}"/>
               </a:ext>
             </a:extLst>
           </p:cNvPr>
@@ -5617,23 +5878,32 @@
           <a:bodyPr/>
           <a:lstStyle/>
           <a:p>
-            <a:r>
-              <a:rPr lang="en-US" dirty="0"/>
-              <a:t>Understanding and generating code</a:t>
-            </a:r>
-          </a:p>
-          <a:p>
-            <a:endParaRPr lang="en-US" dirty="0"/>
-          </a:p>
-          <a:p>
-            <a:endParaRPr lang="en-US" dirty="0"/>
+            <a:pPr lvl="0"/>
+            <a:r>
+              <a:rPr lang="en-US" dirty="0"/>
+              <a:t>May occasionally generate incorrect information</a:t>
+            </a:r>
+          </a:p>
+          <a:p>
+            <a:pPr lvl="0"/>
+            <a:r>
+              <a:rPr lang="en-US" dirty="0"/>
+              <a:t>May occasionally produce harmful instructions or biased content</a:t>
+            </a:r>
+          </a:p>
+          <a:p>
+            <a:pPr lvl="0"/>
+            <a:r>
+              <a:rPr lang="en-US" dirty="0"/>
+              <a:t>Limited knowledge of world and events after 2021</a:t>
+            </a:r>
           </a:p>
         </p:txBody>
       </p:sp>
     </p:spTree>
     <p:extLst>
       <p:ext uri="{BB962C8B-B14F-4D97-AF65-F5344CB8AC3E}">
-        <p14:creationId xmlns:p14="http://schemas.microsoft.com/office/powerpoint/2010/main" val="856197814"/>
+        <p14:creationId xmlns:p14="http://schemas.microsoft.com/office/powerpoint/2010/main" val="3724291402"/>
       </p:ext>
     </p:extLst>
   </p:cSld>
@@ -5683,7 +5953,7 @@
           <a:p>
             <a:r>
               <a:rPr lang="en-US" dirty="0"/>
-              <a:t>Ways to Make ChatGPT Work for You: Soft Skills</a:t>
+              <a:t>Ways to Make ChatGPT Work for You: IT</a:t>
             </a:r>
           </a:p>
         </p:txBody>
@@ -5711,13 +5981,19 @@
           <a:p>
             <a:r>
               <a:rPr lang="en-US" dirty="0"/>
-              <a:t>Writing summaries, title, articles, and emails</a:t>
-            </a:r>
-          </a:p>
-          <a:p>
-            <a:r>
-              <a:rPr lang="en-US" dirty="0"/>
-              <a:t>Writing job descriptions or professional bios</a:t>
+              <a:t>Explain code</a:t>
+            </a:r>
+          </a:p>
+          <a:p>
+            <a:r>
+              <a:rPr lang="en-US" dirty="0"/>
+              <a:t>Generating code</a:t>
+            </a:r>
+          </a:p>
+          <a:p>
+            <a:r>
+              <a:rPr lang="en-US" dirty="0"/>
+              <a:t>Write automated test</a:t>
             </a:r>
           </a:p>
           <a:p>
@@ -5731,7 +6007,7 @@
     </p:spTree>
     <p:extLst>
       <p:ext uri="{BB962C8B-B14F-4D97-AF65-F5344CB8AC3E}">
-        <p14:creationId xmlns:p14="http://schemas.microsoft.com/office/powerpoint/2010/main" val="1280771220"/>
+        <p14:creationId xmlns:p14="http://schemas.microsoft.com/office/powerpoint/2010/main" val="856197814"/>
       </p:ext>
     </p:extLst>
   </p:cSld>
@@ -5781,7 +6057,7 @@
           <a:p>
             <a:r>
               <a:rPr lang="en-US" dirty="0"/>
-              <a:t>Ways to Make ChatGPT Work for You: Education</a:t>
+              <a:t>Ways to Make ChatGPT Work for You: Career</a:t>
             </a:r>
           </a:p>
         </p:txBody>
@@ -5816,12 +6092,6 @@
             <a:r>
               <a:rPr lang="en-US" dirty="0"/>
               <a:t>Writing job descriptions or professional bios</a:t>
-            </a:r>
-          </a:p>
-          <a:p>
-            <a:r>
-              <a:rPr lang="en-US" dirty="0"/>
-              <a:t>Explain complex topics</a:t>
             </a:r>
           </a:p>
           <a:p>
@@ -5835,7 +6105,7 @@
     </p:spTree>
     <p:extLst>
       <p:ext uri="{BB962C8B-B14F-4D97-AF65-F5344CB8AC3E}">
-        <p14:creationId xmlns:p14="http://schemas.microsoft.com/office/powerpoint/2010/main" val="3473882397"/>
+        <p14:creationId xmlns:p14="http://schemas.microsoft.com/office/powerpoint/2010/main" val="1280771220"/>
       </p:ext>
     </p:extLst>
   </p:cSld>
@@ -5867,7 +6137,7 @@
           <p:cNvPr id="2" name="Title 1">
             <a:extLst>
               <a:ext uri="{FF2B5EF4-FFF2-40B4-BE49-F238E27FC236}">
-                <a16:creationId xmlns:a16="http://schemas.microsoft.com/office/drawing/2014/main" id="{1EDCA91B-0D25-13BD-B8DF-B3FB2DF65531}"/>
+                <a16:creationId xmlns:a16="http://schemas.microsoft.com/office/drawing/2014/main" id="{D7DD4D18-8B95-D0B8-A51F-1146CE7784FC}"/>
               </a:ext>
             </a:extLst>
           </p:cNvPr>
@@ -5880,97 +6150,60 @@
         </p:nvSpPr>
         <p:spPr/>
         <p:txBody>
-          <a:bodyPr>
-            <a:normAutofit/>
-          </a:bodyPr>
-          <a:lstStyle/>
-          <a:p>
-            <a:r>
-              <a:rPr lang="en-US" dirty="0"/>
-              <a:t>Ways to have fun with </a:t>
-            </a:r>
-            <a:r>
-              <a:rPr lang="en-US" dirty="0" err="1"/>
-              <a:t>ChatGPT</a:t>
-            </a:r>
+          <a:bodyPr/>
+          <a:lstStyle/>
+          <a:p>
+            <a:r>
+              <a:rPr lang="en-US" dirty="0"/>
+              <a:t>Ways to Make ChatGPT Work for You: Education</a:t>
+            </a:r>
+          </a:p>
+        </p:txBody>
+      </p:sp>
+      <p:sp>
+        <p:nvSpPr>
+          <p:cNvPr id="3" name="Content Placeholder 2">
+            <a:extLst>
+              <a:ext uri="{FF2B5EF4-FFF2-40B4-BE49-F238E27FC236}">
+                <a16:creationId xmlns:a16="http://schemas.microsoft.com/office/drawing/2014/main" id="{0692AB1D-BDB7-97DD-D982-A381520494BB}"/>
+              </a:ext>
+            </a:extLst>
+          </p:cNvPr>
+          <p:cNvSpPr>
+            <a:spLocks noGrp="1"/>
+          </p:cNvSpPr>
+          <p:nvPr>
+            <p:ph idx="1"/>
+          </p:nvPr>
+        </p:nvSpPr>
+        <p:spPr/>
+        <p:txBody>
+          <a:bodyPr/>
+          <a:lstStyle/>
+          <a:p>
+            <a:r>
+              <a:rPr lang="en-US" dirty="0"/>
+              <a:t>Writing summaries, title, articles, and emails</a:t>
+            </a:r>
+          </a:p>
+          <a:p>
+            <a:r>
+              <a:rPr lang="en-US" dirty="0"/>
+              <a:t>Explain complex topics</a:t>
+            </a:r>
+          </a:p>
+          <a:p>
             <a:endParaRPr lang="en-US" dirty="0"/>
           </a:p>
-        </p:txBody>
-      </p:sp>
-      <p:sp>
-        <p:nvSpPr>
-          <p:cNvPr id="3" name="Content Placeholder 2">
-            <a:extLst>
-              <a:ext uri="{FF2B5EF4-FFF2-40B4-BE49-F238E27FC236}">
-                <a16:creationId xmlns:a16="http://schemas.microsoft.com/office/drawing/2014/main" id="{2715621D-BCAA-2C61-6DEA-DD80EC9B2306}"/>
-              </a:ext>
-            </a:extLst>
-          </p:cNvPr>
-          <p:cNvSpPr>
-            <a:spLocks noGrp="1"/>
-          </p:cNvSpPr>
-          <p:nvPr>
-            <p:ph idx="1"/>
-          </p:nvPr>
-        </p:nvSpPr>
-        <p:spPr/>
-        <p:txBody>
-          <a:bodyPr>
-            <a:normAutofit/>
-          </a:bodyPr>
-          <a:lstStyle/>
-          <a:p>
-            <a:pPr lvl="0"/>
-            <a:r>
-              <a:rPr lang="en-US" dirty="0"/>
-              <a:t>Engaging in casual conversations</a:t>
-            </a:r>
-          </a:p>
-          <a:p>
-            <a:pPr lvl="0"/>
-            <a:r>
-              <a:rPr lang="en-US" dirty="0"/>
-              <a:t>Playing games with </a:t>
-            </a:r>
-            <a:r>
-              <a:rPr lang="en-US" dirty="0" err="1"/>
-              <a:t>ChatGPT</a:t>
-            </a:r>
+          <a:p>
             <a:endParaRPr lang="en-US" dirty="0"/>
-          </a:p>
-          <a:p>
-            <a:pPr lvl="0"/>
-            <a:r>
-              <a:rPr lang="en-US" dirty="0"/>
-              <a:t>Getting creative with </a:t>
-            </a:r>
-            <a:r>
-              <a:rPr lang="en-US" dirty="0" err="1"/>
-              <a:t>ChatGPT</a:t>
-            </a:r>
-            <a:endParaRPr lang="en-US" dirty="0"/>
-          </a:p>
-          <a:p>
-            <a:pPr lvl="0"/>
-            <a:r>
-              <a:rPr lang="en-US" dirty="0"/>
-              <a:t>Asking </a:t>
-            </a:r>
-            <a:r>
-              <a:rPr lang="en-US" dirty="0" err="1"/>
-              <a:t>ChatGPT</a:t>
-            </a:r>
-            <a:r>
-              <a:rPr lang="en-US" dirty="0"/>
-              <a:t> for jokes or funny stories</a:t>
-            </a:r>
           </a:p>
         </p:txBody>
       </p:sp>
     </p:spTree>
     <p:extLst>
       <p:ext uri="{BB962C8B-B14F-4D97-AF65-F5344CB8AC3E}">
-        <p14:creationId xmlns:p14="http://schemas.microsoft.com/office/powerpoint/2010/main" val="1304790078"/>
+        <p14:creationId xmlns:p14="http://schemas.microsoft.com/office/powerpoint/2010/main" val="3473882397"/>
       </p:ext>
     </p:extLst>
   </p:cSld>
@@ -6002,7 +6235,7 @@
           <p:cNvPr id="2" name="Title 1">
             <a:extLst>
               <a:ext uri="{FF2B5EF4-FFF2-40B4-BE49-F238E27FC236}">
-                <a16:creationId xmlns:a16="http://schemas.microsoft.com/office/drawing/2014/main" id="{6F2A0191-2365-77F0-239D-5DEB21BC1A91}"/>
+                <a16:creationId xmlns:a16="http://schemas.microsoft.com/office/drawing/2014/main" id="{1EDCA91B-0D25-13BD-B8DF-B3FB2DF65531}"/>
               </a:ext>
             </a:extLst>
           </p:cNvPr>
@@ -6015,13 +6248,52 @@
         </p:nvSpPr>
         <p:spPr/>
         <p:txBody>
-          <a:bodyPr/>
+          <a:bodyPr>
+            <a:normAutofit/>
+          </a:bodyPr>
+          <a:lstStyle/>
+          <a:p>
+            <a:r>
+              <a:rPr lang="en-US" dirty="0"/>
+              <a:t>Ways to Make ChatGPT Work for You: Having Fun</a:t>
+            </a:r>
+          </a:p>
+        </p:txBody>
+      </p:sp>
+      <p:sp>
+        <p:nvSpPr>
+          <p:cNvPr id="3" name="Content Placeholder 2">
+            <a:extLst>
+              <a:ext uri="{FF2B5EF4-FFF2-40B4-BE49-F238E27FC236}">
+                <a16:creationId xmlns:a16="http://schemas.microsoft.com/office/drawing/2014/main" id="{2715621D-BCAA-2C61-6DEA-DD80EC9B2306}"/>
+              </a:ext>
+            </a:extLst>
+          </p:cNvPr>
+          <p:cNvSpPr>
+            <a:spLocks noGrp="1"/>
+          </p:cNvSpPr>
+          <p:nvPr>
+            <p:ph idx="1"/>
+          </p:nvPr>
+        </p:nvSpPr>
+        <p:spPr/>
+        <p:txBody>
+          <a:bodyPr>
+            <a:normAutofit/>
+          </a:bodyPr>
           <a:lstStyle/>
           <a:p>
             <a:pPr lvl="0"/>
             <a:r>
               <a:rPr lang="en-US" dirty="0"/>
-              <a:t>Examples of Fun Conversations with </a:t>
+              <a:t>Engaging in casual conversations</a:t>
+            </a:r>
+          </a:p>
+          <a:p>
+            <a:pPr lvl="0"/>
+            <a:r>
+              <a:rPr lang="en-US" dirty="0"/>
+              <a:t>Playing games with </a:t>
             </a:r>
             <a:r>
               <a:rPr lang="en-US" dirty="0" err="1"/>
@@ -6029,40 +6301,11 @@
             </a:r>
             <a:endParaRPr lang="en-US" dirty="0"/>
           </a:p>
-        </p:txBody>
-      </p:sp>
-      <p:sp>
-        <p:nvSpPr>
-          <p:cNvPr id="3" name="Content Placeholder 2">
-            <a:extLst>
-              <a:ext uri="{FF2B5EF4-FFF2-40B4-BE49-F238E27FC236}">
-                <a16:creationId xmlns:a16="http://schemas.microsoft.com/office/drawing/2014/main" id="{7D21A539-E746-B5BA-6F8B-F564ABAB083F}"/>
-              </a:ext>
-            </a:extLst>
-          </p:cNvPr>
-          <p:cNvSpPr>
-            <a:spLocks noGrp="1"/>
-          </p:cNvSpPr>
-          <p:nvPr>
-            <p:ph idx="1"/>
-          </p:nvPr>
-        </p:nvSpPr>
-        <p:spPr/>
-        <p:txBody>
-          <a:bodyPr/>
-          <a:lstStyle/>
           <a:p>
             <a:pPr lvl="0"/>
             <a:r>
               <a:rPr lang="en-US" dirty="0"/>
-              <a:t>Chatting about hobbies and interests</a:t>
-            </a:r>
-          </a:p>
-          <a:p>
-            <a:pPr lvl="0"/>
-            <a:r>
-              <a:rPr lang="en-US" dirty="0"/>
-              <a:t>Playing trivia games with </a:t>
+              <a:t>Getting creative with </a:t>
             </a:r>
             <a:r>
               <a:rPr lang="en-US" dirty="0" err="1"/>
@@ -6074,27 +6317,15 @@
             <a:pPr lvl="0"/>
             <a:r>
               <a:rPr lang="en-US" dirty="0"/>
-              <a:t>Creating a story with </a:t>
+              <a:t>Asking </a:t>
             </a:r>
             <a:r>
               <a:rPr lang="en-US" dirty="0" err="1"/>
               <a:t>ChatGPT</a:t>
             </a:r>
-            <a:endParaRPr lang="en-US" dirty="0"/>
-          </a:p>
-          <a:p>
-            <a:pPr lvl="0"/>
-            <a:r>
-              <a:rPr lang="en-US" dirty="0"/>
-              <a:t>Asking </a:t>
-            </a:r>
-            <a:r>
-              <a:rPr lang="en-US" dirty="0" err="1"/>
-              <a:t>ChatGPT</a:t>
-            </a:r>
-            <a:r>
-              <a:rPr lang="en-US" dirty="0"/>
-              <a:t> to tell a joke or funny story</a:t>
+            <a:r>
+              <a:rPr lang="en-US" dirty="0"/>
+              <a:t> for jokes or funny stories</a:t>
             </a:r>
           </a:p>
         </p:txBody>
@@ -6102,7 +6333,7 @@
     </p:spTree>
     <p:extLst>
       <p:ext uri="{BB962C8B-B14F-4D97-AF65-F5344CB8AC3E}">
-        <p14:creationId xmlns:p14="http://schemas.microsoft.com/office/powerpoint/2010/main" val="1050686629"/>
+        <p14:creationId xmlns:p14="http://schemas.microsoft.com/office/powerpoint/2010/main" val="1304790078"/>
       </p:ext>
     </p:extLst>
   </p:cSld>

--- a/ChatGPT/ChatGPT.pptx
+++ b/ChatGPT/ChatGPT.pptx
@@ -5,7 +5,7 @@
     <p:sldMasterId id="2147483648" r:id="rId1"/>
   </p:sldMasterIdLst>
   <p:notesMasterIdLst>
-    <p:notesMasterId r:id="rId21"/>
+    <p:notesMasterId r:id="rId20"/>
   </p:notesMasterIdLst>
   <p:sldIdLst>
     <p:sldId id="256" r:id="rId2"/>
@@ -13,20 +13,19 @@
     <p:sldId id="258" r:id="rId4"/>
     <p:sldId id="259" r:id="rId5"/>
     <p:sldId id="260" r:id="rId6"/>
-    <p:sldId id="268" r:id="rId7"/>
-    <p:sldId id="266" r:id="rId8"/>
-    <p:sldId id="269" r:id="rId9"/>
-    <p:sldId id="261" r:id="rId10"/>
-    <p:sldId id="262" r:id="rId11"/>
-    <p:sldId id="267" r:id="rId12"/>
-    <p:sldId id="270" r:id="rId13"/>
-    <p:sldId id="263" r:id="rId14"/>
-    <p:sldId id="271" r:id="rId15"/>
-    <p:sldId id="273" r:id="rId16"/>
-    <p:sldId id="274" r:id="rId17"/>
-    <p:sldId id="264" r:id="rId18"/>
-    <p:sldId id="265" r:id="rId19"/>
-    <p:sldId id="272" r:id="rId20"/>
+    <p:sldId id="275" r:id="rId7"/>
+    <p:sldId id="268" r:id="rId8"/>
+    <p:sldId id="266" r:id="rId9"/>
+    <p:sldId id="269" r:id="rId10"/>
+    <p:sldId id="261" r:id="rId11"/>
+    <p:sldId id="270" r:id="rId12"/>
+    <p:sldId id="263" r:id="rId13"/>
+    <p:sldId id="271" r:id="rId14"/>
+    <p:sldId id="273" r:id="rId15"/>
+    <p:sldId id="274" r:id="rId16"/>
+    <p:sldId id="264" r:id="rId17"/>
+    <p:sldId id="265" r:id="rId18"/>
+    <p:sldId id="272" r:id="rId19"/>
   </p:sldIdLst>
   <p:sldSz cx="12192000" cy="6858000"/>
   <p:notesSz cx="6858000" cy="9144000"/>
@@ -215,7 +214,7 @@
           <a:p>
             <a:fld id="{A14D665C-BF84-4DAB-A61A-567F5BF6AE0A}" type="datetimeFigureOut">
               <a:rPr lang="en-US" smtClean="0"/>
-              <a:t>9/26/2023</a:t>
+              <a:t>9/28/2023</a:t>
             </a:fld>
             <a:endParaRPr lang="en-US"/>
           </a:p>
@@ -784,7 +783,7 @@
           <a:p>
             <a:fld id="{2002FFE6-BE59-4A2D-9952-81433FB7FA10}" type="slidenum">
               <a:rPr lang="en-US" smtClean="0"/>
-              <a:t>14</a:t>
+              <a:t>13</a:t>
             </a:fld>
             <a:endParaRPr lang="en-US"/>
           </a:p>
@@ -950,7 +949,7 @@
           <a:p>
             <a:fld id="{A61FA159-F07B-4D87-BED2-6DD15824673A}" type="datetimeFigureOut">
               <a:rPr lang="en-US" smtClean="0"/>
-              <a:t>9/26/2023</a:t>
+              <a:t>9/28/2023</a:t>
             </a:fld>
             <a:endParaRPr lang="en-US"/>
           </a:p>
@@ -1148,7 +1147,7 @@
           <a:p>
             <a:fld id="{A61FA159-F07B-4D87-BED2-6DD15824673A}" type="datetimeFigureOut">
               <a:rPr lang="en-US" smtClean="0"/>
-              <a:t>9/26/2023</a:t>
+              <a:t>9/28/2023</a:t>
             </a:fld>
             <a:endParaRPr lang="en-US"/>
           </a:p>
@@ -1356,7 +1355,7 @@
           <a:p>
             <a:fld id="{A61FA159-F07B-4D87-BED2-6DD15824673A}" type="datetimeFigureOut">
               <a:rPr lang="en-US" smtClean="0"/>
-              <a:t>9/26/2023</a:t>
+              <a:t>9/28/2023</a:t>
             </a:fld>
             <a:endParaRPr lang="en-US"/>
           </a:p>
@@ -1554,7 +1553,7 @@
           <a:p>
             <a:fld id="{A61FA159-F07B-4D87-BED2-6DD15824673A}" type="datetimeFigureOut">
               <a:rPr lang="en-US" smtClean="0"/>
-              <a:t>9/26/2023</a:t>
+              <a:t>9/28/2023</a:t>
             </a:fld>
             <a:endParaRPr lang="en-US"/>
           </a:p>
@@ -1829,7 +1828,7 @@
           <a:p>
             <a:fld id="{A61FA159-F07B-4D87-BED2-6DD15824673A}" type="datetimeFigureOut">
               <a:rPr lang="en-US" smtClean="0"/>
-              <a:t>9/26/2023</a:t>
+              <a:t>9/28/2023</a:t>
             </a:fld>
             <a:endParaRPr lang="en-US"/>
           </a:p>
@@ -2094,7 +2093,7 @@
           <a:p>
             <a:fld id="{A61FA159-F07B-4D87-BED2-6DD15824673A}" type="datetimeFigureOut">
               <a:rPr lang="en-US" smtClean="0"/>
-              <a:t>9/26/2023</a:t>
+              <a:t>9/28/2023</a:t>
             </a:fld>
             <a:endParaRPr lang="en-US"/>
           </a:p>
@@ -2506,7 +2505,7 @@
           <a:p>
             <a:fld id="{A61FA159-F07B-4D87-BED2-6DD15824673A}" type="datetimeFigureOut">
               <a:rPr lang="en-US" smtClean="0"/>
-              <a:t>9/26/2023</a:t>
+              <a:t>9/28/2023</a:t>
             </a:fld>
             <a:endParaRPr lang="en-US"/>
           </a:p>
@@ -2647,7 +2646,7 @@
           <a:p>
             <a:fld id="{A61FA159-F07B-4D87-BED2-6DD15824673A}" type="datetimeFigureOut">
               <a:rPr lang="en-US" smtClean="0"/>
-              <a:t>9/26/2023</a:t>
+              <a:t>9/28/2023</a:t>
             </a:fld>
             <a:endParaRPr lang="en-US"/>
           </a:p>
@@ -2760,7 +2759,7 @@
           <a:p>
             <a:fld id="{A61FA159-F07B-4D87-BED2-6DD15824673A}" type="datetimeFigureOut">
               <a:rPr lang="en-US" smtClean="0"/>
-              <a:t>9/26/2023</a:t>
+              <a:t>9/28/2023</a:t>
             </a:fld>
             <a:endParaRPr lang="en-US"/>
           </a:p>
@@ -3071,7 +3070,7 @@
           <a:p>
             <a:fld id="{A61FA159-F07B-4D87-BED2-6DD15824673A}" type="datetimeFigureOut">
               <a:rPr lang="en-US" smtClean="0"/>
-              <a:t>9/26/2023</a:t>
+              <a:t>9/28/2023</a:t>
             </a:fld>
             <a:endParaRPr lang="en-US"/>
           </a:p>
@@ -3359,7 +3358,7 @@
           <a:p>
             <a:fld id="{A61FA159-F07B-4D87-BED2-6DD15824673A}" type="datetimeFigureOut">
               <a:rPr lang="en-US" smtClean="0"/>
-              <a:t>9/26/2023</a:t>
+              <a:t>9/28/2023</a:t>
             </a:fld>
             <a:endParaRPr lang="en-US"/>
           </a:p>
@@ -3600,7 +3599,7 @@
           <a:p>
             <a:fld id="{A61FA159-F07B-4D87-BED2-6DD15824673A}" type="datetimeFigureOut">
               <a:rPr lang="en-US" smtClean="0"/>
-              <a:t>9/26/2023</a:t>
+              <a:t>9/28/2023</a:t>
             </a:fld>
             <a:endParaRPr lang="en-US"/>
           </a:p>
@@ -4110,7 +4109,7 @@
           <p:cNvPr id="2" name="Title 1">
             <a:extLst>
               <a:ext uri="{FF2B5EF4-FFF2-40B4-BE49-F238E27FC236}">
-                <a16:creationId xmlns:a16="http://schemas.microsoft.com/office/drawing/2014/main" id="{6F2A0191-2365-77F0-239D-5DEB21BC1A91}"/>
+                <a16:creationId xmlns:a16="http://schemas.microsoft.com/office/drawing/2014/main" id="{1EDCA91B-0D25-13BD-B8DF-B3FB2DF65531}"/>
               </a:ext>
             </a:extLst>
           </p:cNvPr>
@@ -4123,13 +4122,52 @@
         </p:nvSpPr>
         <p:spPr/>
         <p:txBody>
-          <a:bodyPr/>
+          <a:bodyPr>
+            <a:normAutofit/>
+          </a:bodyPr>
+          <a:lstStyle/>
+          <a:p>
+            <a:r>
+              <a:rPr lang="en-US" dirty="0"/>
+              <a:t>Ways to Make ChatGPT Work for You: Having Fun</a:t>
+            </a:r>
+          </a:p>
+        </p:txBody>
+      </p:sp>
+      <p:sp>
+        <p:nvSpPr>
+          <p:cNvPr id="3" name="Content Placeholder 2">
+            <a:extLst>
+              <a:ext uri="{FF2B5EF4-FFF2-40B4-BE49-F238E27FC236}">
+                <a16:creationId xmlns:a16="http://schemas.microsoft.com/office/drawing/2014/main" id="{2715621D-BCAA-2C61-6DEA-DD80EC9B2306}"/>
+              </a:ext>
+            </a:extLst>
+          </p:cNvPr>
+          <p:cNvSpPr>
+            <a:spLocks noGrp="1"/>
+          </p:cNvSpPr>
+          <p:nvPr>
+            <p:ph idx="1"/>
+          </p:nvPr>
+        </p:nvSpPr>
+        <p:spPr/>
+        <p:txBody>
+          <a:bodyPr>
+            <a:normAutofit/>
+          </a:bodyPr>
           <a:lstStyle/>
           <a:p>
             <a:pPr lvl="0"/>
             <a:r>
               <a:rPr lang="en-US" dirty="0"/>
-              <a:t>Examples of Fun Conversations with </a:t>
+              <a:t>Engaging in casual conversations</a:t>
+            </a:r>
+          </a:p>
+          <a:p>
+            <a:pPr lvl="0"/>
+            <a:r>
+              <a:rPr lang="en-US" dirty="0"/>
+              <a:t>Playing games with </a:t>
             </a:r>
             <a:r>
               <a:rPr lang="en-US" dirty="0" err="1"/>
@@ -4137,40 +4175,11 @@
             </a:r>
             <a:endParaRPr lang="en-US" dirty="0"/>
           </a:p>
-        </p:txBody>
-      </p:sp>
-      <p:sp>
-        <p:nvSpPr>
-          <p:cNvPr id="3" name="Content Placeholder 2">
-            <a:extLst>
-              <a:ext uri="{FF2B5EF4-FFF2-40B4-BE49-F238E27FC236}">
-                <a16:creationId xmlns:a16="http://schemas.microsoft.com/office/drawing/2014/main" id="{7D21A539-E746-B5BA-6F8B-F564ABAB083F}"/>
-              </a:ext>
-            </a:extLst>
-          </p:cNvPr>
-          <p:cNvSpPr>
-            <a:spLocks noGrp="1"/>
-          </p:cNvSpPr>
-          <p:nvPr>
-            <p:ph idx="1"/>
-          </p:nvPr>
-        </p:nvSpPr>
-        <p:spPr/>
-        <p:txBody>
-          <a:bodyPr/>
-          <a:lstStyle/>
           <a:p>
             <a:pPr lvl="0"/>
             <a:r>
               <a:rPr lang="en-US" dirty="0"/>
-              <a:t>Chatting about hobbies and interests</a:t>
-            </a:r>
-          </a:p>
-          <a:p>
-            <a:pPr lvl="0"/>
-            <a:r>
-              <a:rPr lang="en-US" dirty="0"/>
-              <a:t>Playing trivia games with </a:t>
+              <a:t>Getting creative with </a:t>
             </a:r>
             <a:r>
               <a:rPr lang="en-US" dirty="0" err="1"/>
@@ -4182,27 +4191,15 @@
             <a:pPr lvl="0"/>
             <a:r>
               <a:rPr lang="en-US" dirty="0"/>
-              <a:t>Creating a story with </a:t>
+              <a:t>Asking </a:t>
             </a:r>
             <a:r>
               <a:rPr lang="en-US" dirty="0" err="1"/>
               <a:t>ChatGPT</a:t>
             </a:r>
-            <a:endParaRPr lang="en-US" dirty="0"/>
-          </a:p>
-          <a:p>
-            <a:pPr lvl="0"/>
-            <a:r>
-              <a:rPr lang="en-US" dirty="0"/>
-              <a:t>Asking </a:t>
-            </a:r>
-            <a:r>
-              <a:rPr lang="en-US" dirty="0" err="1"/>
-              <a:t>ChatGPT</a:t>
-            </a:r>
-            <a:r>
-              <a:rPr lang="en-US" dirty="0"/>
-              <a:t> to tell a joke or funny story</a:t>
+            <a:r>
+              <a:rPr lang="en-US" dirty="0"/>
+              <a:t> for jokes or funny stories</a:t>
             </a:r>
           </a:p>
         </p:txBody>
@@ -4210,7 +4207,7 @@
     </p:spTree>
     <p:extLst>
       <p:ext uri="{BB962C8B-B14F-4D97-AF65-F5344CB8AC3E}">
-        <p14:creationId xmlns:p14="http://schemas.microsoft.com/office/powerpoint/2010/main" val="1050686629"/>
+        <p14:creationId xmlns:p14="http://schemas.microsoft.com/office/powerpoint/2010/main" val="1304790078"/>
       </p:ext>
     </p:extLst>
   </p:cSld>
@@ -4242,7 +4239,7 @@
           <p:cNvPr id="2" name="Title 1">
             <a:extLst>
               <a:ext uri="{FF2B5EF4-FFF2-40B4-BE49-F238E27FC236}">
-                <a16:creationId xmlns:a16="http://schemas.microsoft.com/office/drawing/2014/main" id="{1FB3E757-684A-4BCA-5162-EC88C4389F5D}"/>
+                <a16:creationId xmlns:a16="http://schemas.microsoft.com/office/drawing/2014/main" id="{DA203897-A70C-4317-B811-BB9CEB74ADB5}"/>
               </a:ext>
             </a:extLst>
           </p:cNvPr>
@@ -4260,7 +4257,7 @@
           <a:p>
             <a:r>
               <a:rPr lang="en-US" dirty="0"/>
-              <a:t>Tips</a:t>
+              <a:t>Output Options</a:t>
             </a:r>
           </a:p>
         </p:txBody>
@@ -4270,7 +4267,7 @@
           <p:cNvPr id="3" name="Content Placeholder 2">
             <a:extLst>
               <a:ext uri="{FF2B5EF4-FFF2-40B4-BE49-F238E27FC236}">
-                <a16:creationId xmlns:a16="http://schemas.microsoft.com/office/drawing/2014/main" id="{EB025905-632C-70AC-58CD-6F8EEAF92C4D}"/>
+                <a16:creationId xmlns:a16="http://schemas.microsoft.com/office/drawing/2014/main" id="{A5CAE9E2-F888-A644-C729-1F625953C4C9}"/>
               </a:ext>
             </a:extLst>
           </p:cNvPr>
@@ -4288,19 +4285,19 @@
           <a:p>
             <a:r>
               <a:rPr lang="en-US" dirty="0"/>
-              <a:t>Be specific</a:t>
-            </a:r>
-          </a:p>
-          <a:p>
-            <a:r>
-              <a:rPr lang="en-US" dirty="0"/>
-              <a:t>Set Audience</a:t>
-            </a:r>
-          </a:p>
-          <a:p>
-            <a:r>
-              <a:rPr lang="en-US" dirty="0"/>
-              <a:t>Specify Output</a:t>
+              <a:t>Text</a:t>
+            </a:r>
+          </a:p>
+          <a:p>
+            <a:r>
+              <a:rPr lang="en-US" dirty="0"/>
+              <a:t>Tabular</a:t>
+            </a:r>
+          </a:p>
+          <a:p>
+            <a:r>
+              <a:rPr lang="en-US" dirty="0"/>
+              <a:t>ASCII Art</a:t>
             </a:r>
           </a:p>
         </p:txBody>
@@ -4308,7 +4305,7 @@
     </p:spTree>
     <p:extLst>
       <p:ext uri="{BB962C8B-B14F-4D97-AF65-F5344CB8AC3E}">
-        <p14:creationId xmlns:p14="http://schemas.microsoft.com/office/powerpoint/2010/main" val="4040214308"/>
+        <p14:creationId xmlns:p14="http://schemas.microsoft.com/office/powerpoint/2010/main" val="2021821497"/>
       </p:ext>
     </p:extLst>
   </p:cSld>
@@ -4340,7 +4337,7 @@
           <p:cNvPr id="2" name="Title 1">
             <a:extLst>
               <a:ext uri="{FF2B5EF4-FFF2-40B4-BE49-F238E27FC236}">
-                <a16:creationId xmlns:a16="http://schemas.microsoft.com/office/drawing/2014/main" id="{DA203897-A70C-4317-B811-BB9CEB74ADB5}"/>
+                <a16:creationId xmlns:a16="http://schemas.microsoft.com/office/drawing/2014/main" id="{2F18A1DB-AED8-35DD-6F4D-65398A83969F}"/>
               </a:ext>
             </a:extLst>
           </p:cNvPr>
@@ -4353,12 +4350,22 @@
         </p:nvSpPr>
         <p:spPr/>
         <p:txBody>
-          <a:bodyPr/>
-          <a:lstStyle/>
-          <a:p>
-            <a:r>
-              <a:rPr lang="en-US" dirty="0"/>
-              <a:t>Output Options</a:t>
+          <a:bodyPr>
+            <a:normAutofit/>
+          </a:bodyPr>
+          <a:lstStyle/>
+          <a:p>
+            <a:r>
+              <a:rPr lang="en-US" dirty="0"/>
+              <a:t>Tips for Maximizing your </a:t>
+            </a:r>
+            <a:r>
+              <a:rPr lang="en-US" dirty="0" err="1"/>
+              <a:t>ChatGPT</a:t>
+            </a:r>
+            <a:r>
+              <a:rPr lang="en-US" dirty="0"/>
+              <a:t> Experience</a:t>
             </a:r>
           </a:p>
         </p:txBody>
@@ -4368,7 +4375,7 @@
           <p:cNvPr id="3" name="Content Placeholder 2">
             <a:extLst>
               <a:ext uri="{FF2B5EF4-FFF2-40B4-BE49-F238E27FC236}">
-                <a16:creationId xmlns:a16="http://schemas.microsoft.com/office/drawing/2014/main" id="{A5CAE9E2-F888-A644-C729-1F625953C4C9}"/>
+                <a16:creationId xmlns:a16="http://schemas.microsoft.com/office/drawing/2014/main" id="{D9F9D572-6291-54BA-6B06-3F9DEEBC9526}"/>
               </a:ext>
             </a:extLst>
           </p:cNvPr>
@@ -4379,26 +4386,75 @@
             <p:ph idx="1"/>
           </p:nvPr>
         </p:nvSpPr>
-        <p:spPr/>
-        <p:txBody>
-          <a:bodyPr/>
-          <a:lstStyle/>
-          <a:p>
-            <a:r>
-              <a:rPr lang="en-US" dirty="0"/>
-              <a:t>Text</a:t>
-            </a:r>
-          </a:p>
-          <a:p>
-            <a:r>
-              <a:rPr lang="en-US" dirty="0"/>
-              <a:t>Tabular</a:t>
-            </a:r>
-          </a:p>
-          <a:p>
-            <a:r>
-              <a:rPr lang="en-US" dirty="0"/>
-              <a:t>ASCII Art</a:t>
+        <p:spPr>
+          <a:xfrm>
+            <a:off x="848248" y="1805529"/>
+            <a:ext cx="10515600" cy="4351338"/>
+          </a:xfrm>
+        </p:spPr>
+        <p:txBody>
+          <a:bodyPr>
+            <a:normAutofit lnSpcReduction="10000"/>
+          </a:bodyPr>
+          <a:lstStyle/>
+          <a:p>
+            <a:pPr lvl="0"/>
+            <a:r>
+              <a:rPr lang="en-US" dirty="0"/>
+              <a:t>Be Specific</a:t>
+            </a:r>
+          </a:p>
+          <a:p>
+            <a:r>
+              <a:rPr lang="en-US" dirty="0"/>
+              <a:t>Provide context</a:t>
+            </a:r>
+          </a:p>
+          <a:p>
+            <a:pPr lvl="0"/>
+            <a:r>
+              <a:rPr lang="en-US" dirty="0"/>
+              <a:t>Define audience</a:t>
+            </a:r>
+          </a:p>
+          <a:p>
+            <a:pPr lvl="0"/>
+            <a:r>
+              <a:rPr lang="en-US" dirty="0"/>
+              <a:t>Define speaker</a:t>
+            </a:r>
+          </a:p>
+          <a:p>
+            <a:pPr lvl="0"/>
+            <a:r>
+              <a:rPr lang="en-US" dirty="0"/>
+              <a:t>Try different conversation starters</a:t>
+            </a:r>
+          </a:p>
+          <a:p>
+            <a:r>
+              <a:rPr lang="en-US" dirty="0"/>
+              <a:t>Ask open-ended questions</a:t>
+            </a:r>
+          </a:p>
+          <a:p>
+            <a:r>
+              <a:rPr lang="en-US" dirty="0"/>
+              <a:t>Be open-minded</a:t>
+            </a:r>
+          </a:p>
+          <a:p>
+            <a:pPr lvl="0"/>
+            <a:r>
+              <a:rPr lang="en-US" dirty="0"/>
+              <a:t>Experiment with different types of games</a:t>
+            </a:r>
+          </a:p>
+          <a:p>
+            <a:pPr lvl="0"/>
+            <a:r>
+              <a:rPr lang="en-US" dirty="0"/>
+              <a:t>Correct ChatGPT, when it is wrong</a:t>
             </a:r>
           </a:p>
         </p:txBody>
@@ -4406,7 +4462,7 @@
     </p:spTree>
     <p:extLst>
       <p:ext uri="{BB962C8B-B14F-4D97-AF65-F5344CB8AC3E}">
-        <p14:creationId xmlns:p14="http://schemas.microsoft.com/office/powerpoint/2010/main" val="2021821497"/>
+        <p14:creationId xmlns:p14="http://schemas.microsoft.com/office/powerpoint/2010/main" val="1309668740"/>
       </p:ext>
     </p:extLst>
   </p:cSld>
@@ -4438,124 +4494,6 @@
           <p:cNvPr id="2" name="Title 1">
             <a:extLst>
               <a:ext uri="{FF2B5EF4-FFF2-40B4-BE49-F238E27FC236}">
-                <a16:creationId xmlns:a16="http://schemas.microsoft.com/office/drawing/2014/main" id="{2F18A1DB-AED8-35DD-6F4D-65398A83969F}"/>
-              </a:ext>
-            </a:extLst>
-          </p:cNvPr>
-          <p:cNvSpPr>
-            <a:spLocks noGrp="1"/>
-          </p:cNvSpPr>
-          <p:nvPr>
-            <p:ph type="title"/>
-          </p:nvPr>
-        </p:nvSpPr>
-        <p:spPr/>
-        <p:txBody>
-          <a:bodyPr>
-            <a:normAutofit/>
-          </a:bodyPr>
-          <a:lstStyle/>
-          <a:p>
-            <a:r>
-              <a:rPr lang="en-US" dirty="0"/>
-              <a:t>Tips for Maximizing your </a:t>
-            </a:r>
-            <a:r>
-              <a:rPr lang="en-US" dirty="0" err="1"/>
-              <a:t>ChatGPT</a:t>
-            </a:r>
-            <a:r>
-              <a:rPr lang="en-US" dirty="0"/>
-              <a:t> Experience</a:t>
-            </a:r>
-          </a:p>
-        </p:txBody>
-      </p:sp>
-      <p:sp>
-        <p:nvSpPr>
-          <p:cNvPr id="3" name="Content Placeholder 2">
-            <a:extLst>
-              <a:ext uri="{FF2B5EF4-FFF2-40B4-BE49-F238E27FC236}">
-                <a16:creationId xmlns:a16="http://schemas.microsoft.com/office/drawing/2014/main" id="{D9F9D572-6291-54BA-6B06-3F9DEEBC9526}"/>
-              </a:ext>
-            </a:extLst>
-          </p:cNvPr>
-          <p:cNvSpPr>
-            <a:spLocks noGrp="1"/>
-          </p:cNvSpPr>
-          <p:nvPr>
-            <p:ph idx="1"/>
-          </p:nvPr>
-        </p:nvSpPr>
-        <p:spPr/>
-        <p:txBody>
-          <a:bodyPr/>
-          <a:lstStyle/>
-          <a:p>
-            <a:pPr lvl="0"/>
-            <a:r>
-              <a:rPr lang="en-US" dirty="0"/>
-              <a:t>Be open-minded</a:t>
-            </a:r>
-          </a:p>
-          <a:p>
-            <a:pPr lvl="0"/>
-            <a:r>
-              <a:rPr lang="en-US" dirty="0"/>
-              <a:t>Ask open-ended questions</a:t>
-            </a:r>
-          </a:p>
-          <a:p>
-            <a:pPr lvl="0"/>
-            <a:r>
-              <a:rPr lang="en-US" dirty="0"/>
-              <a:t>Try different conversation starters</a:t>
-            </a:r>
-          </a:p>
-          <a:p>
-            <a:pPr lvl="0"/>
-            <a:r>
-              <a:rPr lang="en-US" dirty="0"/>
-              <a:t>Experiment with different types of games</a:t>
-            </a:r>
-          </a:p>
-        </p:txBody>
-      </p:sp>
-    </p:spTree>
-    <p:extLst>
-      <p:ext uri="{BB962C8B-B14F-4D97-AF65-F5344CB8AC3E}">
-        <p14:creationId xmlns:p14="http://schemas.microsoft.com/office/powerpoint/2010/main" val="1309668740"/>
-      </p:ext>
-    </p:extLst>
-  </p:cSld>
-  <p:clrMapOvr>
-    <a:masterClrMapping/>
-  </p:clrMapOvr>
-</p:sld>
-</file>
-
-<file path=ppt/slides/slide14.xml><?xml version="1.0" encoding="utf-8"?>
-<p:sld xmlns:a="http://schemas.openxmlformats.org/drawingml/2006/main" xmlns:r="http://schemas.openxmlformats.org/officeDocument/2006/relationships" xmlns:p="http://schemas.openxmlformats.org/presentationml/2006/main">
-  <p:cSld>
-    <p:spTree>
-      <p:nvGrpSpPr>
-        <p:cNvPr id="1" name=""/>
-        <p:cNvGrpSpPr/>
-        <p:nvPr/>
-      </p:nvGrpSpPr>
-      <p:grpSpPr>
-        <a:xfrm>
-          <a:off x="0" y="0"/>
-          <a:ext cx="0" cy="0"/>
-          <a:chOff x="0" y="0"/>
-          <a:chExt cx="0" cy="0"/>
-        </a:xfrm>
-      </p:grpSpPr>
-      <p:sp>
-        <p:nvSpPr>
-          <p:cNvPr id="2" name="Title 1">
-            <a:extLst>
-              <a:ext uri="{FF2B5EF4-FFF2-40B4-BE49-F238E27FC236}">
                 <a16:creationId xmlns:a16="http://schemas.microsoft.com/office/drawing/2014/main" id="{524ACABC-0950-12AC-A4C2-AFB34FF39C49}"/>
               </a:ext>
             </a:extLst>
@@ -4643,7 +4581,7 @@
 </p:sld>
 </file>
 
-<file path=ppt/slides/slide15.xml><?xml version="1.0" encoding="utf-8"?>
+<file path=ppt/slides/slide14.xml><?xml version="1.0" encoding="utf-8"?>
 <p:sld xmlns:a="http://schemas.openxmlformats.org/drawingml/2006/main" xmlns:r="http://schemas.openxmlformats.org/officeDocument/2006/relationships" xmlns:p="http://schemas.openxmlformats.org/presentationml/2006/main">
   <p:cSld>
     <p:spTree>
@@ -4710,7 +4648,7 @@
 </p:sld>
 </file>
 
-<file path=ppt/slides/slide16.xml><?xml version="1.0" encoding="utf-8"?>
+<file path=ppt/slides/slide15.xml><?xml version="1.0" encoding="utf-8"?>
 <p:sld xmlns:a="http://schemas.openxmlformats.org/drawingml/2006/main" xmlns:r="http://schemas.openxmlformats.org/officeDocument/2006/relationships" xmlns:p="http://schemas.openxmlformats.org/presentationml/2006/main">
   <p:cSld>
     <p:spTree>
@@ -4784,7 +4722,7 @@
 </p:sld>
 </file>
 
-<file path=ppt/slides/slide17.xml><?xml version="1.0" encoding="utf-8"?>
+<file path=ppt/slides/slide16.xml><?xml version="1.0" encoding="utf-8"?>
 <p:sld xmlns:a="http://schemas.openxmlformats.org/drawingml/2006/main" xmlns:r="http://schemas.openxmlformats.org/officeDocument/2006/relationships" xmlns:p="http://schemas.openxmlformats.org/presentationml/2006/main">
   <p:cSld>
     <p:spTree>
@@ -5130,7 +5068,7 @@
 </p:sld>
 </file>
 
-<file path=ppt/slides/slide18.xml><?xml version="1.0" encoding="utf-8"?>
+<file path=ppt/slides/slide17.xml><?xml version="1.0" encoding="utf-8"?>
 <p:sld xmlns:a="http://schemas.openxmlformats.org/drawingml/2006/main" xmlns:r="http://schemas.openxmlformats.org/officeDocument/2006/relationships" xmlns:p="http://schemas.openxmlformats.org/presentationml/2006/main">
   <p:cSld>
     <p:spTree>
@@ -5213,7 +5151,7 @@
 </p:sld>
 </file>
 
-<file path=ppt/slides/slide19.xml><?xml version="1.0" encoding="utf-8"?>
+<file path=ppt/slides/slide18.xml><?xml version="1.0" encoding="utf-8"?>
 <p:sld xmlns:a="http://schemas.openxmlformats.org/drawingml/2006/main" xmlns:r="http://schemas.openxmlformats.org/officeDocument/2006/relationships" xmlns:p="http://schemas.openxmlformats.org/presentationml/2006/main">
   <p:cSld>
     <p:spTree>
@@ -5935,7 +5873,7 @@
           <p:cNvPr id="2" name="Title 1">
             <a:extLst>
               <a:ext uri="{FF2B5EF4-FFF2-40B4-BE49-F238E27FC236}">
-                <a16:creationId xmlns:a16="http://schemas.microsoft.com/office/drawing/2014/main" id="{D7DD4D18-8B95-D0B8-A51F-1146CE7784FC}"/>
+                <a16:creationId xmlns:a16="http://schemas.microsoft.com/office/drawing/2014/main" id="{33A37DB2-84AD-0183-7E41-ED0030950139}"/>
               </a:ext>
             </a:extLst>
           </p:cNvPr>
@@ -5953,7 +5891,7 @@
           <a:p>
             <a:r>
               <a:rPr lang="en-US" dirty="0"/>
-              <a:t>Ways to Make ChatGPT Work for You: IT</a:t>
+              <a:t>Sign Up, Start Using It</a:t>
             </a:r>
           </a:p>
         </p:txBody>
@@ -5963,7 +5901,7 @@
           <p:cNvPr id="3" name="Content Placeholder 2">
             <a:extLst>
               <a:ext uri="{FF2B5EF4-FFF2-40B4-BE49-F238E27FC236}">
-                <a16:creationId xmlns:a16="http://schemas.microsoft.com/office/drawing/2014/main" id="{0692AB1D-BDB7-97DD-D982-A381520494BB}"/>
+                <a16:creationId xmlns:a16="http://schemas.microsoft.com/office/drawing/2014/main" id="{71C0B8A3-D892-3397-9C12-45B0C2739D29}"/>
               </a:ext>
             </a:extLst>
           </p:cNvPr>
@@ -5980,24 +5918,15 @@
           <a:lstStyle/>
           <a:p>
             <a:r>
-              <a:rPr lang="en-US" dirty="0"/>
-              <a:t>Explain code</a:t>
-            </a:r>
-          </a:p>
-          <a:p>
-            <a:r>
-              <a:rPr lang="en-US" dirty="0"/>
-              <a:t>Generating code</a:t>
-            </a:r>
-          </a:p>
-          <a:p>
-            <a:r>
-              <a:rPr lang="en-US" dirty="0"/>
-              <a:t>Write automated test</a:t>
-            </a:r>
-          </a:p>
-          <a:p>
-            <a:endParaRPr lang="en-US" dirty="0"/>
+              <a:rPr lang="en-US" dirty="0">
+                <a:hlinkClick r:id="rId2"/>
+              </a:rPr>
+              <a:t>https://chat.openai.com</a:t>
+            </a:r>
+            <a:r>
+              <a:rPr lang="en-US" dirty="0"/>
+              <a:t> </a:t>
+            </a:r>
           </a:p>
           <a:p>
             <a:endParaRPr lang="en-US" dirty="0"/>
@@ -6007,7 +5936,7 @@
     </p:spTree>
     <p:extLst>
       <p:ext uri="{BB962C8B-B14F-4D97-AF65-F5344CB8AC3E}">
-        <p14:creationId xmlns:p14="http://schemas.microsoft.com/office/powerpoint/2010/main" val="856197814"/>
+        <p14:creationId xmlns:p14="http://schemas.microsoft.com/office/powerpoint/2010/main" val="974377817"/>
       </p:ext>
     </p:extLst>
   </p:cSld>
@@ -6057,7 +5986,7 @@
           <a:p>
             <a:r>
               <a:rPr lang="en-US" dirty="0"/>
-              <a:t>Ways to Make ChatGPT Work for You: Career</a:t>
+              <a:t>Ways to Make ChatGPT Work for You: IT</a:t>
             </a:r>
           </a:p>
         </p:txBody>
@@ -6085,13 +6014,19 @@
           <a:p>
             <a:r>
               <a:rPr lang="en-US" dirty="0"/>
-              <a:t>Writing summaries, title, articles, and emails</a:t>
-            </a:r>
-          </a:p>
-          <a:p>
-            <a:r>
-              <a:rPr lang="en-US" dirty="0"/>
-              <a:t>Writing job descriptions or professional bios</a:t>
+              <a:t>Explain code</a:t>
+            </a:r>
+          </a:p>
+          <a:p>
+            <a:r>
+              <a:rPr lang="en-US" dirty="0"/>
+              <a:t>Generating code</a:t>
+            </a:r>
+          </a:p>
+          <a:p>
+            <a:r>
+              <a:rPr lang="en-US" dirty="0"/>
+              <a:t>Write automated test</a:t>
             </a:r>
           </a:p>
           <a:p>
@@ -6105,7 +6040,7 @@
     </p:spTree>
     <p:extLst>
       <p:ext uri="{BB962C8B-B14F-4D97-AF65-F5344CB8AC3E}">
-        <p14:creationId xmlns:p14="http://schemas.microsoft.com/office/powerpoint/2010/main" val="1280771220"/>
+        <p14:creationId xmlns:p14="http://schemas.microsoft.com/office/powerpoint/2010/main" val="856197814"/>
       </p:ext>
     </p:extLst>
   </p:cSld>
@@ -6155,7 +6090,7 @@
           <a:p>
             <a:r>
               <a:rPr lang="en-US" dirty="0"/>
-              <a:t>Ways to Make ChatGPT Work for You: Education</a:t>
+              <a:t>Ways to Make ChatGPT Work for You: Career</a:t>
             </a:r>
           </a:p>
         </p:txBody>
@@ -6189,7 +6124,7 @@
           <a:p>
             <a:r>
               <a:rPr lang="en-US" dirty="0"/>
-              <a:t>Explain complex topics</a:t>
+              <a:t>Writing job descriptions or professional bios</a:t>
             </a:r>
           </a:p>
           <a:p>
@@ -6203,7 +6138,7 @@
     </p:spTree>
     <p:extLst>
       <p:ext uri="{BB962C8B-B14F-4D97-AF65-F5344CB8AC3E}">
-        <p14:creationId xmlns:p14="http://schemas.microsoft.com/office/powerpoint/2010/main" val="3473882397"/>
+        <p14:creationId xmlns:p14="http://schemas.microsoft.com/office/powerpoint/2010/main" val="1280771220"/>
       </p:ext>
     </p:extLst>
   </p:cSld>
@@ -6235,7 +6170,7 @@
           <p:cNvPr id="2" name="Title 1">
             <a:extLst>
               <a:ext uri="{FF2B5EF4-FFF2-40B4-BE49-F238E27FC236}">
-                <a16:creationId xmlns:a16="http://schemas.microsoft.com/office/drawing/2014/main" id="{1EDCA91B-0D25-13BD-B8DF-B3FB2DF65531}"/>
+                <a16:creationId xmlns:a16="http://schemas.microsoft.com/office/drawing/2014/main" id="{D7DD4D18-8B95-D0B8-A51F-1146CE7784FC}"/>
               </a:ext>
             </a:extLst>
           </p:cNvPr>
@@ -6248,14 +6183,12 @@
         </p:nvSpPr>
         <p:spPr/>
         <p:txBody>
-          <a:bodyPr>
-            <a:normAutofit/>
-          </a:bodyPr>
-          <a:lstStyle/>
-          <a:p>
-            <a:r>
-              <a:rPr lang="en-US" dirty="0"/>
-              <a:t>Ways to Make ChatGPT Work for You: Having Fun</a:t>
+          <a:bodyPr/>
+          <a:lstStyle/>
+          <a:p>
+            <a:r>
+              <a:rPr lang="en-US" dirty="0"/>
+              <a:t>Ways to Make ChatGPT Work for You: Education</a:t>
             </a:r>
           </a:p>
         </p:txBody>
@@ -6265,7 +6198,7 @@
           <p:cNvPr id="3" name="Content Placeholder 2">
             <a:extLst>
               <a:ext uri="{FF2B5EF4-FFF2-40B4-BE49-F238E27FC236}">
-                <a16:creationId xmlns:a16="http://schemas.microsoft.com/office/drawing/2014/main" id="{2715621D-BCAA-2C61-6DEA-DD80EC9B2306}"/>
+                <a16:creationId xmlns:a16="http://schemas.microsoft.com/office/drawing/2014/main" id="{0692AB1D-BDB7-97DD-D982-A381520494BB}"/>
               </a:ext>
             </a:extLst>
           </p:cNvPr>
@@ -6278,62 +6211,32 @@
         </p:nvSpPr>
         <p:spPr/>
         <p:txBody>
-          <a:bodyPr>
-            <a:normAutofit/>
-          </a:bodyPr>
-          <a:lstStyle/>
-          <a:p>
-            <a:pPr lvl="0"/>
-            <a:r>
-              <a:rPr lang="en-US" dirty="0"/>
-              <a:t>Engaging in casual conversations</a:t>
-            </a:r>
-          </a:p>
-          <a:p>
-            <a:pPr lvl="0"/>
-            <a:r>
-              <a:rPr lang="en-US" dirty="0"/>
-              <a:t>Playing games with </a:t>
-            </a:r>
-            <a:r>
-              <a:rPr lang="en-US" dirty="0" err="1"/>
-              <a:t>ChatGPT</a:t>
-            </a:r>
+          <a:bodyPr/>
+          <a:lstStyle/>
+          <a:p>
+            <a:r>
+              <a:rPr lang="en-US" dirty="0"/>
+              <a:t>Writing summaries, title, articles, and emails</a:t>
+            </a:r>
+          </a:p>
+          <a:p>
+            <a:r>
+              <a:rPr lang="en-US" dirty="0"/>
+              <a:t>Explain complex topics</a:t>
+            </a:r>
+          </a:p>
+          <a:p>
             <a:endParaRPr lang="en-US" dirty="0"/>
           </a:p>
           <a:p>
-            <a:pPr lvl="0"/>
-            <a:r>
-              <a:rPr lang="en-US" dirty="0"/>
-              <a:t>Getting creative with </a:t>
-            </a:r>
-            <a:r>
-              <a:rPr lang="en-US" dirty="0" err="1"/>
-              <a:t>ChatGPT</a:t>
-            </a:r>
             <a:endParaRPr lang="en-US" dirty="0"/>
-          </a:p>
-          <a:p>
-            <a:pPr lvl="0"/>
-            <a:r>
-              <a:rPr lang="en-US" dirty="0"/>
-              <a:t>Asking </a:t>
-            </a:r>
-            <a:r>
-              <a:rPr lang="en-US" dirty="0" err="1"/>
-              <a:t>ChatGPT</a:t>
-            </a:r>
-            <a:r>
-              <a:rPr lang="en-US" dirty="0"/>
-              <a:t> for jokes or funny stories</a:t>
-            </a:r>
           </a:p>
         </p:txBody>
       </p:sp>
     </p:spTree>
     <p:extLst>
       <p:ext uri="{BB962C8B-B14F-4D97-AF65-F5344CB8AC3E}">
-        <p14:creationId xmlns:p14="http://schemas.microsoft.com/office/powerpoint/2010/main" val="1304790078"/>
+        <p14:creationId xmlns:p14="http://schemas.microsoft.com/office/powerpoint/2010/main" val="3473882397"/>
       </p:ext>
     </p:extLst>
   </p:cSld>

--- a/ChatGPT/ChatGPT.pptx
+++ b/ChatGPT/ChatGPT.pptx
@@ -5,27 +5,29 @@
     <p:sldMasterId id="2147483648" r:id="rId1"/>
   </p:sldMasterIdLst>
   <p:notesMasterIdLst>
-    <p:notesMasterId r:id="rId20"/>
+    <p:notesMasterId r:id="rId22"/>
   </p:notesMasterIdLst>
   <p:sldIdLst>
     <p:sldId id="256" r:id="rId2"/>
     <p:sldId id="257" r:id="rId3"/>
     <p:sldId id="258" r:id="rId4"/>
-    <p:sldId id="259" r:id="rId5"/>
-    <p:sldId id="260" r:id="rId6"/>
-    <p:sldId id="275" r:id="rId7"/>
-    <p:sldId id="268" r:id="rId8"/>
-    <p:sldId id="266" r:id="rId9"/>
-    <p:sldId id="269" r:id="rId10"/>
-    <p:sldId id="261" r:id="rId11"/>
-    <p:sldId id="270" r:id="rId12"/>
-    <p:sldId id="263" r:id="rId13"/>
-    <p:sldId id="271" r:id="rId14"/>
-    <p:sldId id="273" r:id="rId15"/>
-    <p:sldId id="274" r:id="rId16"/>
-    <p:sldId id="264" r:id="rId17"/>
-    <p:sldId id="265" r:id="rId18"/>
-    <p:sldId id="272" r:id="rId19"/>
+    <p:sldId id="2147481268" r:id="rId5"/>
+    <p:sldId id="259" r:id="rId6"/>
+    <p:sldId id="260" r:id="rId7"/>
+    <p:sldId id="275" r:id="rId8"/>
+    <p:sldId id="268" r:id="rId9"/>
+    <p:sldId id="266" r:id="rId10"/>
+    <p:sldId id="269" r:id="rId11"/>
+    <p:sldId id="261" r:id="rId12"/>
+    <p:sldId id="270" r:id="rId13"/>
+    <p:sldId id="263" r:id="rId14"/>
+    <p:sldId id="271" r:id="rId15"/>
+    <p:sldId id="273" r:id="rId16"/>
+    <p:sldId id="274" r:id="rId17"/>
+    <p:sldId id="2147481267" r:id="rId18"/>
+    <p:sldId id="264" r:id="rId19"/>
+    <p:sldId id="265" r:id="rId20"/>
+    <p:sldId id="272" r:id="rId21"/>
   </p:sldIdLst>
   <p:sldSz cx="12192000" cy="6858000"/>
   <p:notesSz cx="6858000" cy="9144000"/>
@@ -214,7 +216,7 @@
           <a:p>
             <a:fld id="{A14D665C-BF84-4DAB-A61A-567F5BF6AE0A}" type="datetimeFigureOut">
               <a:rPr lang="en-US" smtClean="0"/>
-              <a:t>9/28/2023</a:t>
+              <a:t>1/4/2024</a:t>
             </a:fld>
             <a:endParaRPr lang="en-US"/>
           </a:p>
@@ -783,7 +785,7 @@
           <a:p>
             <a:fld id="{2002FFE6-BE59-4A2D-9952-81433FB7FA10}" type="slidenum">
               <a:rPr lang="en-US" smtClean="0"/>
-              <a:t>13</a:t>
+              <a:t>14</a:t>
             </a:fld>
             <a:endParaRPr lang="en-US"/>
           </a:p>
@@ -793,6 +795,480 @@
     <p:extLst>
       <p:ext uri="{BB962C8B-B14F-4D97-AF65-F5344CB8AC3E}">
         <p14:creationId xmlns:p14="http://schemas.microsoft.com/office/powerpoint/2010/main" val="2461366515"/>
+      </p:ext>
+    </p:extLst>
+  </p:cSld>
+  <p:clrMapOvr>
+    <a:masterClrMapping/>
+  </p:clrMapOvr>
+</p:notes>
+</file>
+
+<file path=ppt/notesSlides/notesSlide4.xml><?xml version="1.0" encoding="utf-8"?>
+<p:notes xmlns:a="http://schemas.openxmlformats.org/drawingml/2006/main" xmlns:r="http://schemas.openxmlformats.org/officeDocument/2006/relationships" xmlns:p="http://schemas.openxmlformats.org/presentationml/2006/main">
+  <p:cSld>
+    <p:spTree>
+      <p:nvGrpSpPr>
+        <p:cNvPr id="1" name=""/>
+        <p:cNvGrpSpPr/>
+        <p:nvPr/>
+      </p:nvGrpSpPr>
+      <p:grpSpPr>
+        <a:xfrm>
+          <a:off x="0" y="0"/>
+          <a:ext cx="0" cy="0"/>
+          <a:chOff x="0" y="0"/>
+          <a:chExt cx="0" cy="0"/>
+        </a:xfrm>
+      </p:grpSpPr>
+      <p:sp>
+        <p:nvSpPr>
+          <p:cNvPr id="2" name="Slide Image Placeholder 1"/>
+          <p:cNvSpPr>
+            <a:spLocks noGrp="1" noRot="1" noChangeAspect="1"/>
+          </p:cNvSpPr>
+          <p:nvPr>
+            <p:ph type="sldImg"/>
+          </p:nvPr>
+        </p:nvSpPr>
+        <p:spPr/>
+      </p:sp>
+      <p:sp>
+        <p:nvSpPr>
+          <p:cNvPr id="3" name="Notes Placeholder 2"/>
+          <p:cNvSpPr>
+            <a:spLocks noGrp="1"/>
+          </p:cNvSpPr>
+          <p:nvPr>
+            <p:ph type="body" idx="1"/>
+          </p:nvPr>
+        </p:nvSpPr>
+        <p:spPr/>
+        <p:txBody>
+          <a:bodyPr/>
+          <a:lstStyle/>
+          <a:p>
+            <a:r>
+              <a:rPr lang="en-US" b="0" dirty="0"/>
+              <a:t>Narrative/talk track:</a:t>
+            </a:r>
+          </a:p>
+          <a:p>
+            <a:r>
+              <a:rPr lang="en-US" b="1" dirty="0"/>
+              <a:t>The MSFT / OpenAI partnership and how we collaborate</a:t>
+            </a:r>
+          </a:p>
+          <a:p>
+            <a:pPr algn="l"/>
+            <a:r>
+              <a:rPr lang="en-US" b="0" i="0" dirty="0">
+                <a:solidFill>
+                  <a:srgbClr val="D1D5DB"/>
+                </a:solidFill>
+                <a:effectLst/>
+                <a:latin typeface="Söhne"/>
+              </a:rPr>
+              <a:t>Microsoft has formed a partnership with OpenAI to collaborate on the development of artificial intelligence technologies. The partnership aims to accelerate the development of advanced AI systems and bring the benefits of AI to more people.</a:t>
+            </a:r>
+          </a:p>
+          <a:p>
+            <a:pPr algn="l"/>
+            <a:r>
+              <a:rPr lang="en-US" b="0" i="0" dirty="0">
+                <a:solidFill>
+                  <a:srgbClr val="D1D5DB"/>
+                </a:solidFill>
+                <a:effectLst/>
+                <a:latin typeface="Söhne"/>
+              </a:rPr>
+              <a:t>As part of the partnership, Microsoft and OpenAI have agreed to work together on several key areas, including:</a:t>
+            </a:r>
+          </a:p>
+          <a:p>
+            <a:pPr algn="l">
+              <a:buFont typeface="Arial" panose="020B0604020202020204" pitchFamily="34" charset="0"/>
+              <a:buChar char="•"/>
+            </a:pPr>
+            <a:r>
+              <a:rPr lang="en-US" b="0" i="0" dirty="0">
+                <a:solidFill>
+                  <a:srgbClr val="D1D5DB"/>
+                </a:solidFill>
+                <a:effectLst/>
+                <a:latin typeface="Söhne"/>
+              </a:rPr>
+              <a:t>Developing AI technologies: The two companies will collaborate on the development of new AI models and algorithms, with a focus on natural language processing, computer vision, and other areas of AI.</a:t>
+            </a:r>
+          </a:p>
+          <a:p>
+            <a:pPr algn="l">
+              <a:buFont typeface="Arial" panose="020B0604020202020204" pitchFamily="34" charset="0"/>
+              <a:buChar char="•"/>
+            </a:pPr>
+            <a:r>
+              <a:rPr lang="en-US" b="0" i="0" dirty="0">
+                <a:solidFill>
+                  <a:srgbClr val="D1D5DB"/>
+                </a:solidFill>
+                <a:effectLst/>
+                <a:latin typeface="Söhne"/>
+              </a:rPr>
+              <a:t>Building an AI computing platform: Microsoft and OpenAI will work together to build a new AI computing platform that will allow developers to easily access and use advanced AI models and algorithms.</a:t>
+            </a:r>
+          </a:p>
+          <a:p>
+            <a:pPr algn="l">
+              <a:buFont typeface="Arial" panose="020B0604020202020204" pitchFamily="34" charset="0"/>
+              <a:buChar char="•"/>
+            </a:pPr>
+            <a:r>
+              <a:rPr lang="en-US" b="0" i="0" dirty="0">
+                <a:solidFill>
+                  <a:srgbClr val="D1D5DB"/>
+                </a:solidFill>
+                <a:effectLst/>
+                <a:latin typeface="Söhne"/>
+              </a:rPr>
+              <a:t>Advancing AI research: The two companies will also collaborate on a range of research projects aimed at advancing the state of the art in AI.</a:t>
+            </a:r>
+          </a:p>
+          <a:p>
+            <a:pPr algn="l">
+              <a:buFont typeface="Arial" panose="020B0604020202020204" pitchFamily="34" charset="0"/>
+              <a:buChar char="•"/>
+            </a:pPr>
+            <a:r>
+              <a:rPr lang="en-US" b="0" i="0" dirty="0">
+                <a:solidFill>
+                  <a:srgbClr val="D1D5DB"/>
+                </a:solidFill>
+                <a:effectLst/>
+                <a:latin typeface="Söhne"/>
+              </a:rPr>
+              <a:t>Making AI more accessible: The partnership aims to make AI more accessible to a wider range of developers and organizations, in order to bring the benefits of AI to more people.</a:t>
+            </a:r>
+          </a:p>
+          <a:p>
+            <a:pPr algn="l"/>
+            <a:r>
+              <a:rPr lang="en-US" b="0" i="0" dirty="0">
+                <a:solidFill>
+                  <a:srgbClr val="D1D5DB"/>
+                </a:solidFill>
+                <a:effectLst/>
+                <a:latin typeface="Söhne"/>
+              </a:rPr>
+              <a:t>Microsoft has also announced it will use OpenAI's GPT-3 technology to add more capabilities to its products such as Cortana, Power Virtual Agents and Dynamics 365.</a:t>
+            </a:r>
+          </a:p>
+          <a:p>
+            <a:pPr algn="l"/>
+            <a:r>
+              <a:rPr lang="en-US" b="0" i="0" dirty="0">
+                <a:solidFill>
+                  <a:srgbClr val="D1D5DB"/>
+                </a:solidFill>
+                <a:effectLst/>
+                <a:latin typeface="Söhne"/>
+              </a:rPr>
+              <a:t>Additionally, Microsoft has also made an investment in OpenAI, allowing the company to use Microsoft Azure as its preferred cloud platform, and allowing OpenAI to tap into the vast resources of Microsoft to accelerate its research. This partnership gives OpenAI the ability to scale its models and services on Azure and make them more widely available to customers.</a:t>
+            </a:r>
+          </a:p>
+          <a:p>
+            <a:pPr algn="l"/>
+            <a:r>
+              <a:rPr lang="en-US" b="0" i="0" dirty="0">
+                <a:solidFill>
+                  <a:srgbClr val="D1D5DB"/>
+                </a:solidFill>
+                <a:effectLst/>
+                <a:latin typeface="Söhne"/>
+              </a:rPr>
+              <a:t>Overall, the partnership between Microsoft and OpenAI aims to accelerate the development and use of advanced AI technologies, with a focus on making AI more accessible to developers and organizations, in order to bring the benefits of AI to more people.</a:t>
+            </a:r>
+          </a:p>
+        </p:txBody>
+      </p:sp>
+      <p:sp>
+        <p:nvSpPr>
+          <p:cNvPr id="4" name="Header Placeholder 3"/>
+          <p:cNvSpPr>
+            <a:spLocks noGrp="1"/>
+          </p:cNvSpPr>
+          <p:nvPr>
+            <p:ph type="hdr" sz="quarter" idx="10"/>
+          </p:nvPr>
+        </p:nvSpPr>
+        <p:spPr/>
+        <p:txBody>
+          <a:bodyPr/>
+          <a:lstStyle/>
+          <a:p>
+            <a:pPr marL="0" marR="0" lvl="0" indent="0" algn="l" defTabSz="914367" rtl="0" eaLnBrk="1" fontAlgn="auto" latinLnBrk="0" hangingPunct="1">
+              <a:lnSpc>
+                <a:spcPct val="100000"/>
+              </a:lnSpc>
+              <a:spcBef>
+                <a:spcPts val="0"/>
+              </a:spcBef>
+              <a:spcAft>
+                <a:spcPts val="0"/>
+              </a:spcAft>
+              <a:buClrTx/>
+              <a:buSzTx/>
+              <a:buFontTx/>
+              <a:buNone/>
+              <a:tabLst/>
+              <a:defRPr/>
+            </a:pPr>
+            <a:endParaRPr kumimoji="0" lang="en-US" sz="1200" b="0" i="0" u="none" strike="noStrike" kern="1200" cap="none" spc="0" normalizeH="0" baseline="0" noProof="0">
+              <a:ln>
+                <a:noFill/>
+              </a:ln>
+              <a:solidFill>
+                <a:prstClr val="black"/>
+              </a:solidFill>
+              <a:effectLst/>
+              <a:uLnTx/>
+              <a:uFillTx/>
+              <a:latin typeface="Segoe UI" pitchFamily="34" charset="0"/>
+              <a:ea typeface="+mn-ea"/>
+              <a:cs typeface="+mn-cs"/>
+            </a:endParaRPr>
+          </a:p>
+        </p:txBody>
+      </p:sp>
+      <p:sp>
+        <p:nvSpPr>
+          <p:cNvPr id="5" name="Footer Placeholder 4"/>
+          <p:cNvSpPr>
+            <a:spLocks noGrp="1"/>
+          </p:cNvSpPr>
+          <p:nvPr>
+            <p:ph type="ftr" sz="quarter" idx="11"/>
+          </p:nvPr>
+        </p:nvSpPr>
+        <p:spPr/>
+        <p:txBody>
+          <a:bodyPr/>
+          <a:lstStyle/>
+          <a:p>
+            <a:pPr marL="571500" marR="0" lvl="0" indent="0" algn="l" defTabSz="914099" rtl="0" eaLnBrk="0" fontAlgn="auto" latinLnBrk="0" hangingPunct="0">
+              <a:lnSpc>
+                <a:spcPct val="100000"/>
+              </a:lnSpc>
+              <a:spcBef>
+                <a:spcPts val="0"/>
+              </a:spcBef>
+              <a:spcAft>
+                <a:spcPts val="0"/>
+              </a:spcAft>
+              <a:buClrTx/>
+              <a:buSzTx/>
+              <a:buFontTx/>
+              <a:buNone/>
+              <a:tabLst/>
+              <a:defRPr/>
+            </a:pPr>
+            <a:r>
+              <a:rPr kumimoji="0" lang="en-US" sz="400" b="0" i="0" u="none" strike="noStrike" kern="1200" cap="none" spc="0" normalizeH="0" baseline="0" noProof="0">
+                <a:ln>
+                  <a:noFill/>
+                </a:ln>
+                <a:gradFill>
+                  <a:gsLst>
+                    <a:gs pos="0">
+                      <a:prstClr val="black"/>
+                    </a:gs>
+                    <a:gs pos="100000">
+                      <a:prstClr val="black"/>
+                    </a:gs>
+                  </a:gsLst>
+                  <a:lin ang="5400000" scaled="0"/>
+                </a:gradFill>
+                <a:effectLst/>
+                <a:uLnTx/>
+                <a:uFillTx/>
+                <a:latin typeface="Segoe UI" pitchFamily="34" charset="0"/>
+                <a:ea typeface="Segoe UI" pitchFamily="34" charset="0"/>
+                <a:cs typeface="Segoe UI" pitchFamily="34" charset="0"/>
+              </a:rPr>
+              <a:t>© Microsoft Corporation. All rights reserved. MICROSOFT MAKES NO WARRANTIES, EXPRESS, IMPLIED OR STATUTORY, AS TO THE INFORMATION IN THIS PRESENTATION.</a:t>
+            </a:r>
+          </a:p>
+        </p:txBody>
+      </p:sp>
+      <p:sp>
+        <p:nvSpPr>
+          <p:cNvPr id="6" name="Date Placeholder 5"/>
+          <p:cNvSpPr>
+            <a:spLocks noGrp="1"/>
+          </p:cNvSpPr>
+          <p:nvPr>
+            <p:ph type="dt" idx="12"/>
+          </p:nvPr>
+        </p:nvSpPr>
+        <p:spPr/>
+        <p:txBody>
+          <a:bodyPr/>
+          <a:lstStyle/>
+          <a:p>
+            <a:pPr marL="0" marR="0" lvl="0" indent="0" algn="r" defTabSz="914367" rtl="0" eaLnBrk="1" fontAlgn="auto" latinLnBrk="0" hangingPunct="1">
+              <a:lnSpc>
+                <a:spcPct val="100000"/>
+              </a:lnSpc>
+              <a:spcBef>
+                <a:spcPts val="0"/>
+              </a:spcBef>
+              <a:spcAft>
+                <a:spcPts val="0"/>
+              </a:spcAft>
+              <a:buClrTx/>
+              <a:buSzTx/>
+              <a:buFontTx/>
+              <a:buNone/>
+              <a:tabLst/>
+              <a:defRPr/>
+            </a:pPr>
+            <a:fld id="{72E0C910-0166-48E0-B8EF-5071277A02A8}" type="datetime8">
+              <a:rPr kumimoji="0" lang="en-US" sz="1200" b="0" i="0" u="none" strike="noStrike" kern="1200" cap="none" spc="0" normalizeH="0" baseline="0" noProof="0" smtClean="0">
+                <a:ln>
+                  <a:noFill/>
+                </a:ln>
+                <a:solidFill>
+                  <a:prstClr val="black"/>
+                </a:solidFill>
+                <a:effectLst/>
+                <a:uLnTx/>
+                <a:uFillTx/>
+                <a:latin typeface="Segoe UI" pitchFamily="34" charset="0"/>
+                <a:ea typeface="+mn-ea"/>
+                <a:cs typeface="+mn-cs"/>
+              </a:rPr>
+              <a:pPr marL="0" marR="0" lvl="0" indent="0" algn="r" defTabSz="914367" rtl="0" eaLnBrk="1" fontAlgn="auto" latinLnBrk="0" hangingPunct="1">
+                <a:lnSpc>
+                  <a:spcPct val="100000"/>
+                </a:lnSpc>
+                <a:spcBef>
+                  <a:spcPts val="0"/>
+                </a:spcBef>
+                <a:spcAft>
+                  <a:spcPts val="0"/>
+                </a:spcAft>
+                <a:buClrTx/>
+                <a:buSzTx/>
+                <a:buFontTx/>
+                <a:buNone/>
+                <a:tabLst/>
+                <a:defRPr/>
+              </a:pPr>
+              <a:t>1/4/2024 4:09 PM</a:t>
+            </a:fld>
+            <a:endParaRPr kumimoji="0" lang="en-US" sz="1200" b="0" i="0" u="none" strike="noStrike" kern="1200" cap="none" spc="0" normalizeH="0" baseline="0" noProof="0">
+              <a:ln>
+                <a:noFill/>
+              </a:ln>
+              <a:solidFill>
+                <a:prstClr val="black"/>
+              </a:solidFill>
+              <a:effectLst/>
+              <a:uLnTx/>
+              <a:uFillTx/>
+              <a:latin typeface="Segoe UI" pitchFamily="34" charset="0"/>
+              <a:ea typeface="+mn-ea"/>
+              <a:cs typeface="+mn-cs"/>
+            </a:endParaRPr>
+          </a:p>
+        </p:txBody>
+      </p:sp>
+      <p:sp>
+        <p:nvSpPr>
+          <p:cNvPr id="7" name="Slide Number Placeholder 6"/>
+          <p:cNvSpPr>
+            <a:spLocks noGrp="1"/>
+          </p:cNvSpPr>
+          <p:nvPr>
+            <p:ph type="sldNum" sz="quarter" idx="13"/>
+          </p:nvPr>
+        </p:nvSpPr>
+        <p:spPr/>
+        <p:txBody>
+          <a:bodyPr/>
+          <a:lstStyle/>
+          <a:p>
+            <a:pPr marL="0" marR="0" lvl="0" indent="0" algn="r" defTabSz="914367" rtl="0" eaLnBrk="1" fontAlgn="auto" latinLnBrk="0" hangingPunct="1">
+              <a:lnSpc>
+                <a:spcPct val="100000"/>
+              </a:lnSpc>
+              <a:spcBef>
+                <a:spcPts val="0"/>
+              </a:spcBef>
+              <a:spcAft>
+                <a:spcPts val="0"/>
+              </a:spcAft>
+              <a:buClrTx/>
+              <a:buSzTx/>
+              <a:buFontTx/>
+              <a:buNone/>
+              <a:tabLst/>
+              <a:defRPr/>
+            </a:pPr>
+            <a:fld id="{B4008EB6-D09E-4580-8CD6-DDB14511944F}" type="slidenum">
+              <a:rPr kumimoji="0" lang="en-US" sz="1200" b="0" i="0" u="none" strike="noStrike" kern="1200" cap="none" spc="0" normalizeH="0" baseline="0" noProof="0" smtClean="0">
+                <a:ln>
+                  <a:noFill/>
+                </a:ln>
+                <a:solidFill>
+                  <a:prstClr val="black"/>
+                </a:solidFill>
+                <a:effectLst/>
+                <a:uLnTx/>
+                <a:uFillTx/>
+                <a:latin typeface="Segoe UI" pitchFamily="34" charset="0"/>
+                <a:ea typeface="+mn-ea"/>
+                <a:cs typeface="+mn-cs"/>
+              </a:rPr>
+              <a:pPr marL="0" marR="0" lvl="0" indent="0" algn="r" defTabSz="914367" rtl="0" eaLnBrk="1" fontAlgn="auto" latinLnBrk="0" hangingPunct="1">
+                <a:lnSpc>
+                  <a:spcPct val="100000"/>
+                </a:lnSpc>
+                <a:spcBef>
+                  <a:spcPts val="0"/>
+                </a:spcBef>
+                <a:spcAft>
+                  <a:spcPts val="0"/>
+                </a:spcAft>
+                <a:buClrTx/>
+                <a:buSzTx/>
+                <a:buFontTx/>
+                <a:buNone/>
+                <a:tabLst/>
+                <a:defRPr/>
+              </a:pPr>
+              <a:t>17</a:t>
+            </a:fld>
+            <a:endParaRPr kumimoji="0" lang="en-US" sz="1200" b="0" i="0" u="none" strike="noStrike" kern="1200" cap="none" spc="0" normalizeH="0" baseline="0" noProof="0">
+              <a:ln>
+                <a:noFill/>
+              </a:ln>
+              <a:solidFill>
+                <a:prstClr val="black"/>
+              </a:solidFill>
+              <a:effectLst/>
+              <a:uLnTx/>
+              <a:uFillTx/>
+              <a:latin typeface="Segoe UI" pitchFamily="34" charset="0"/>
+              <a:ea typeface="+mn-ea"/>
+              <a:cs typeface="+mn-cs"/>
+            </a:endParaRPr>
+          </a:p>
+        </p:txBody>
+      </p:sp>
+    </p:spTree>
+    <p:extLst>
+      <p:ext uri="{BB962C8B-B14F-4D97-AF65-F5344CB8AC3E}">
+        <p14:creationId xmlns:p14="http://schemas.microsoft.com/office/powerpoint/2010/main" val="1344007197"/>
       </p:ext>
     </p:extLst>
   </p:cSld>
@@ -949,7 +1425,7 @@
           <a:p>
             <a:fld id="{A61FA159-F07B-4D87-BED2-6DD15824673A}" type="datetimeFigureOut">
               <a:rPr lang="en-US" smtClean="0"/>
-              <a:t>9/28/2023</a:t>
+              <a:t>1/4/2024</a:t>
             </a:fld>
             <a:endParaRPr lang="en-US"/>
           </a:p>
@@ -1147,7 +1623,7 @@
           <a:p>
             <a:fld id="{A61FA159-F07B-4D87-BED2-6DD15824673A}" type="datetimeFigureOut">
               <a:rPr lang="en-US" smtClean="0"/>
-              <a:t>9/28/2023</a:t>
+              <a:t>1/4/2024</a:t>
             </a:fld>
             <a:endParaRPr lang="en-US"/>
           </a:p>
@@ -1355,7 +1831,7 @@
           <a:p>
             <a:fld id="{A61FA159-F07B-4D87-BED2-6DD15824673A}" type="datetimeFigureOut">
               <a:rPr lang="en-US" smtClean="0"/>
-              <a:t>9/28/2023</a:t>
+              <a:t>1/4/2024</a:t>
             </a:fld>
             <a:endParaRPr lang="en-US"/>
           </a:p>
@@ -1553,7 +2029,7 @@
           <a:p>
             <a:fld id="{A61FA159-F07B-4D87-BED2-6DD15824673A}" type="datetimeFigureOut">
               <a:rPr lang="en-US" smtClean="0"/>
-              <a:t>9/28/2023</a:t>
+              <a:t>1/4/2024</a:t>
             </a:fld>
             <a:endParaRPr lang="en-US"/>
           </a:p>
@@ -1828,7 +2304,7 @@
           <a:p>
             <a:fld id="{A61FA159-F07B-4D87-BED2-6DD15824673A}" type="datetimeFigureOut">
               <a:rPr lang="en-US" smtClean="0"/>
-              <a:t>9/28/2023</a:t>
+              <a:t>1/4/2024</a:t>
             </a:fld>
             <a:endParaRPr lang="en-US"/>
           </a:p>
@@ -2093,7 +2569,7 @@
           <a:p>
             <a:fld id="{A61FA159-F07B-4D87-BED2-6DD15824673A}" type="datetimeFigureOut">
               <a:rPr lang="en-US" smtClean="0"/>
-              <a:t>9/28/2023</a:t>
+              <a:t>1/4/2024</a:t>
             </a:fld>
             <a:endParaRPr lang="en-US"/>
           </a:p>
@@ -2505,7 +2981,7 @@
           <a:p>
             <a:fld id="{A61FA159-F07B-4D87-BED2-6DD15824673A}" type="datetimeFigureOut">
               <a:rPr lang="en-US" smtClean="0"/>
-              <a:t>9/28/2023</a:t>
+              <a:t>1/4/2024</a:t>
             </a:fld>
             <a:endParaRPr lang="en-US"/>
           </a:p>
@@ -2646,7 +3122,7 @@
           <a:p>
             <a:fld id="{A61FA159-F07B-4D87-BED2-6DD15824673A}" type="datetimeFigureOut">
               <a:rPr lang="en-US" smtClean="0"/>
-              <a:t>9/28/2023</a:t>
+              <a:t>1/4/2024</a:t>
             </a:fld>
             <a:endParaRPr lang="en-US"/>
           </a:p>
@@ -2759,7 +3235,7 @@
           <a:p>
             <a:fld id="{A61FA159-F07B-4D87-BED2-6DD15824673A}" type="datetimeFigureOut">
               <a:rPr lang="en-US" smtClean="0"/>
-              <a:t>9/28/2023</a:t>
+              <a:t>1/4/2024</a:t>
             </a:fld>
             <a:endParaRPr lang="en-US"/>
           </a:p>
@@ -3070,7 +3546,7 @@
           <a:p>
             <a:fld id="{A61FA159-F07B-4D87-BED2-6DD15824673A}" type="datetimeFigureOut">
               <a:rPr lang="en-US" smtClean="0"/>
-              <a:t>9/28/2023</a:t>
+              <a:t>1/4/2024</a:t>
             </a:fld>
             <a:endParaRPr lang="en-US"/>
           </a:p>
@@ -3358,7 +3834,7 @@
           <a:p>
             <a:fld id="{A61FA159-F07B-4D87-BED2-6DD15824673A}" type="datetimeFigureOut">
               <a:rPr lang="en-US" smtClean="0"/>
-              <a:t>9/28/2023</a:t>
+              <a:t>1/4/2024</a:t>
             </a:fld>
             <a:endParaRPr lang="en-US"/>
           </a:p>
@@ -3599,7 +4075,7 @@
           <a:p>
             <a:fld id="{A61FA159-F07B-4D87-BED2-6DD15824673A}" type="datetimeFigureOut">
               <a:rPr lang="en-US" smtClean="0"/>
-              <a:t>9/28/2023</a:t>
+              <a:t>1/4/2024</a:t>
             </a:fld>
             <a:endParaRPr lang="en-US"/>
           </a:p>
@@ -4109,7 +4585,7 @@
           <p:cNvPr id="2" name="Title 1">
             <a:extLst>
               <a:ext uri="{FF2B5EF4-FFF2-40B4-BE49-F238E27FC236}">
-                <a16:creationId xmlns:a16="http://schemas.microsoft.com/office/drawing/2014/main" id="{1EDCA91B-0D25-13BD-B8DF-B3FB2DF65531}"/>
+                <a16:creationId xmlns:a16="http://schemas.microsoft.com/office/drawing/2014/main" id="{D7DD4D18-8B95-D0B8-A51F-1146CE7784FC}"/>
               </a:ext>
             </a:extLst>
           </p:cNvPr>
@@ -4122,14 +4598,12 @@
         </p:nvSpPr>
         <p:spPr/>
         <p:txBody>
-          <a:bodyPr>
-            <a:normAutofit/>
-          </a:bodyPr>
+          <a:bodyPr/>
           <a:lstStyle/>
           <a:p>
             <a:r>
               <a:rPr lang="en-US" dirty="0"/>
-              <a:t>Ways to Make ChatGPT Work for You: Having Fun</a:t>
+              <a:t>Ways to Make ChatGPT Work for You: Education</a:t>
             </a:r>
           </a:p>
         </p:txBody>
@@ -4139,7 +4613,7 @@
           <p:cNvPr id="3" name="Content Placeholder 2">
             <a:extLst>
               <a:ext uri="{FF2B5EF4-FFF2-40B4-BE49-F238E27FC236}">
-                <a16:creationId xmlns:a16="http://schemas.microsoft.com/office/drawing/2014/main" id="{2715621D-BCAA-2C61-6DEA-DD80EC9B2306}"/>
+                <a16:creationId xmlns:a16="http://schemas.microsoft.com/office/drawing/2014/main" id="{0692AB1D-BDB7-97DD-D982-A381520494BB}"/>
               </a:ext>
             </a:extLst>
           </p:cNvPr>
@@ -4152,62 +4626,32 @@
         </p:nvSpPr>
         <p:spPr/>
         <p:txBody>
-          <a:bodyPr>
-            <a:normAutofit/>
-          </a:bodyPr>
-          <a:lstStyle/>
-          <a:p>
-            <a:pPr lvl="0"/>
+          <a:bodyPr/>
+          <a:lstStyle/>
+          <a:p>
             <a:r>
               <a:rPr lang="en-US" dirty="0"/>
-              <a:t>Engaging in casual conversations</a:t>
-            </a:r>
-          </a:p>
-          <a:p>
-            <a:pPr lvl="0"/>
+              <a:t>Writing summaries, title, articles, and emails</a:t>
+            </a:r>
+          </a:p>
+          <a:p>
             <a:r>
               <a:rPr lang="en-US" dirty="0"/>
-              <a:t>Playing games with </a:t>
-            </a:r>
-            <a:r>
-              <a:rPr lang="en-US" dirty="0" err="1"/>
-              <a:t>ChatGPT</a:t>
-            </a:r>
+              <a:t>Explain complex topics</a:t>
+            </a:r>
+          </a:p>
+          <a:p>
             <a:endParaRPr lang="en-US" dirty="0"/>
           </a:p>
           <a:p>
-            <a:pPr lvl="0"/>
-            <a:r>
-              <a:rPr lang="en-US" dirty="0"/>
-              <a:t>Getting creative with </a:t>
-            </a:r>
-            <a:r>
-              <a:rPr lang="en-US" dirty="0" err="1"/>
-              <a:t>ChatGPT</a:t>
-            </a:r>
             <a:endParaRPr lang="en-US" dirty="0"/>
-          </a:p>
-          <a:p>
-            <a:pPr lvl="0"/>
-            <a:r>
-              <a:rPr lang="en-US" dirty="0"/>
-              <a:t>Asking </a:t>
-            </a:r>
-            <a:r>
-              <a:rPr lang="en-US" dirty="0" err="1"/>
-              <a:t>ChatGPT</a:t>
-            </a:r>
-            <a:r>
-              <a:rPr lang="en-US" dirty="0"/>
-              <a:t> for jokes or funny stories</a:t>
-            </a:r>
           </a:p>
         </p:txBody>
       </p:sp>
     </p:spTree>
     <p:extLst>
       <p:ext uri="{BB962C8B-B14F-4D97-AF65-F5344CB8AC3E}">
-        <p14:creationId xmlns:p14="http://schemas.microsoft.com/office/powerpoint/2010/main" val="1304790078"/>
+        <p14:creationId xmlns:p14="http://schemas.microsoft.com/office/powerpoint/2010/main" val="3473882397"/>
       </p:ext>
     </p:extLst>
   </p:cSld>
@@ -4239,7 +4683,7 @@
           <p:cNvPr id="2" name="Title 1">
             <a:extLst>
               <a:ext uri="{FF2B5EF4-FFF2-40B4-BE49-F238E27FC236}">
-                <a16:creationId xmlns:a16="http://schemas.microsoft.com/office/drawing/2014/main" id="{DA203897-A70C-4317-B811-BB9CEB74ADB5}"/>
+                <a16:creationId xmlns:a16="http://schemas.microsoft.com/office/drawing/2014/main" id="{1EDCA91B-0D25-13BD-B8DF-B3FB2DF65531}"/>
               </a:ext>
             </a:extLst>
           </p:cNvPr>
@@ -4252,12 +4696,14 @@
         </p:nvSpPr>
         <p:spPr/>
         <p:txBody>
-          <a:bodyPr/>
+          <a:bodyPr>
+            <a:normAutofit/>
+          </a:bodyPr>
           <a:lstStyle/>
           <a:p>
             <a:r>
               <a:rPr lang="en-US" dirty="0"/>
-              <a:t>Output Options</a:t>
+              <a:t>Ways to Make ChatGPT Work for You: Having Fun</a:t>
             </a:r>
           </a:p>
         </p:txBody>
@@ -4267,7 +4713,7 @@
           <p:cNvPr id="3" name="Content Placeholder 2">
             <a:extLst>
               <a:ext uri="{FF2B5EF4-FFF2-40B4-BE49-F238E27FC236}">
-                <a16:creationId xmlns:a16="http://schemas.microsoft.com/office/drawing/2014/main" id="{A5CAE9E2-F888-A644-C729-1F625953C4C9}"/>
+                <a16:creationId xmlns:a16="http://schemas.microsoft.com/office/drawing/2014/main" id="{2715621D-BCAA-2C61-6DEA-DD80EC9B2306}"/>
               </a:ext>
             </a:extLst>
           </p:cNvPr>
@@ -4280,24 +4726,54 @@
         </p:nvSpPr>
         <p:spPr/>
         <p:txBody>
-          <a:bodyPr/>
-          <a:lstStyle/>
-          <a:p>
+          <a:bodyPr>
+            <a:normAutofit/>
+          </a:bodyPr>
+          <a:lstStyle/>
+          <a:p>
+            <a:pPr lvl="0"/>
             <a:r>
               <a:rPr lang="en-US" dirty="0"/>
-              <a:t>Text</a:t>
-            </a:r>
-          </a:p>
-          <a:p>
+              <a:t>Engaging in casual conversations</a:t>
+            </a:r>
+          </a:p>
+          <a:p>
+            <a:pPr lvl="0"/>
             <a:r>
               <a:rPr lang="en-US" dirty="0"/>
-              <a:t>Tabular</a:t>
-            </a:r>
-          </a:p>
-          <a:p>
+              <a:t>Playing games with </a:t>
+            </a:r>
+            <a:r>
+              <a:rPr lang="en-US" dirty="0" err="1"/>
+              <a:t>ChatGPT</a:t>
+            </a:r>
+            <a:endParaRPr lang="en-US" dirty="0"/>
+          </a:p>
+          <a:p>
+            <a:pPr lvl="0"/>
             <a:r>
               <a:rPr lang="en-US" dirty="0"/>
-              <a:t>ASCII Art</a:t>
+              <a:t>Getting creative with </a:t>
+            </a:r>
+            <a:r>
+              <a:rPr lang="en-US" dirty="0" err="1"/>
+              <a:t>ChatGPT</a:t>
+            </a:r>
+            <a:endParaRPr lang="en-US" dirty="0"/>
+          </a:p>
+          <a:p>
+            <a:pPr lvl="0"/>
+            <a:r>
+              <a:rPr lang="en-US" dirty="0"/>
+              <a:t>Asking </a:t>
+            </a:r>
+            <a:r>
+              <a:rPr lang="en-US" dirty="0" err="1"/>
+              <a:t>ChatGPT</a:t>
+            </a:r>
+            <a:r>
+              <a:rPr lang="en-US" dirty="0"/>
+              <a:t> for jokes or funny stories</a:t>
             </a:r>
           </a:p>
         </p:txBody>
@@ -4305,7 +4781,7 @@
     </p:spTree>
     <p:extLst>
       <p:ext uri="{BB962C8B-B14F-4D97-AF65-F5344CB8AC3E}">
-        <p14:creationId xmlns:p14="http://schemas.microsoft.com/office/powerpoint/2010/main" val="2021821497"/>
+        <p14:creationId xmlns:p14="http://schemas.microsoft.com/office/powerpoint/2010/main" val="1304790078"/>
       </p:ext>
     </p:extLst>
   </p:cSld>
@@ -4337,7 +4813,7 @@
           <p:cNvPr id="2" name="Title 1">
             <a:extLst>
               <a:ext uri="{FF2B5EF4-FFF2-40B4-BE49-F238E27FC236}">
-                <a16:creationId xmlns:a16="http://schemas.microsoft.com/office/drawing/2014/main" id="{2F18A1DB-AED8-35DD-6F4D-65398A83969F}"/>
+                <a16:creationId xmlns:a16="http://schemas.microsoft.com/office/drawing/2014/main" id="{DA203897-A70C-4317-B811-BB9CEB74ADB5}"/>
               </a:ext>
             </a:extLst>
           </p:cNvPr>
@@ -4350,111 +4826,52 @@
         </p:nvSpPr>
         <p:spPr/>
         <p:txBody>
-          <a:bodyPr>
-            <a:normAutofit/>
-          </a:bodyPr>
+          <a:bodyPr/>
           <a:lstStyle/>
           <a:p>
             <a:r>
               <a:rPr lang="en-US" dirty="0"/>
-              <a:t>Tips for Maximizing your </a:t>
-            </a:r>
-            <a:r>
-              <a:rPr lang="en-US" dirty="0" err="1"/>
-              <a:t>ChatGPT</a:t>
-            </a:r>
+              <a:t>Output Options</a:t>
+            </a:r>
+          </a:p>
+        </p:txBody>
+      </p:sp>
+      <p:sp>
+        <p:nvSpPr>
+          <p:cNvPr id="3" name="Content Placeholder 2">
+            <a:extLst>
+              <a:ext uri="{FF2B5EF4-FFF2-40B4-BE49-F238E27FC236}">
+                <a16:creationId xmlns:a16="http://schemas.microsoft.com/office/drawing/2014/main" id="{A5CAE9E2-F888-A644-C729-1F625953C4C9}"/>
+              </a:ext>
+            </a:extLst>
+          </p:cNvPr>
+          <p:cNvSpPr>
+            <a:spLocks noGrp="1"/>
+          </p:cNvSpPr>
+          <p:nvPr>
+            <p:ph idx="1"/>
+          </p:nvPr>
+        </p:nvSpPr>
+        <p:spPr/>
+        <p:txBody>
+          <a:bodyPr/>
+          <a:lstStyle/>
+          <a:p>
             <a:r>
               <a:rPr lang="en-US" dirty="0"/>
-              <a:t> Experience</a:t>
-            </a:r>
-          </a:p>
-        </p:txBody>
-      </p:sp>
-      <p:sp>
-        <p:nvSpPr>
-          <p:cNvPr id="3" name="Content Placeholder 2">
-            <a:extLst>
-              <a:ext uri="{FF2B5EF4-FFF2-40B4-BE49-F238E27FC236}">
-                <a16:creationId xmlns:a16="http://schemas.microsoft.com/office/drawing/2014/main" id="{D9F9D572-6291-54BA-6B06-3F9DEEBC9526}"/>
-              </a:ext>
-            </a:extLst>
-          </p:cNvPr>
-          <p:cNvSpPr>
-            <a:spLocks noGrp="1"/>
-          </p:cNvSpPr>
-          <p:nvPr>
-            <p:ph idx="1"/>
-          </p:nvPr>
-        </p:nvSpPr>
-        <p:spPr>
-          <a:xfrm>
-            <a:off x="848248" y="1805529"/>
-            <a:ext cx="10515600" cy="4351338"/>
-          </a:xfrm>
-        </p:spPr>
-        <p:txBody>
-          <a:bodyPr>
-            <a:normAutofit lnSpcReduction="10000"/>
-          </a:bodyPr>
-          <a:lstStyle/>
-          <a:p>
-            <a:pPr lvl="0"/>
+              <a:t>Text</a:t>
+            </a:r>
+          </a:p>
+          <a:p>
             <a:r>
               <a:rPr lang="en-US" dirty="0"/>
-              <a:t>Be Specific</a:t>
+              <a:t>Tabular</a:t>
             </a:r>
           </a:p>
           <a:p>
             <a:r>
               <a:rPr lang="en-US" dirty="0"/>
-              <a:t>Provide context</a:t>
-            </a:r>
-          </a:p>
-          <a:p>
-            <a:pPr lvl="0"/>
-            <a:r>
-              <a:rPr lang="en-US" dirty="0"/>
-              <a:t>Define audience</a:t>
-            </a:r>
-          </a:p>
-          <a:p>
-            <a:pPr lvl="0"/>
-            <a:r>
-              <a:rPr lang="en-US" dirty="0"/>
-              <a:t>Define speaker</a:t>
-            </a:r>
-          </a:p>
-          <a:p>
-            <a:pPr lvl="0"/>
-            <a:r>
-              <a:rPr lang="en-US" dirty="0"/>
-              <a:t>Try different conversation starters</a:t>
-            </a:r>
-          </a:p>
-          <a:p>
-            <a:r>
-              <a:rPr lang="en-US" dirty="0"/>
-              <a:t>Ask open-ended questions</a:t>
-            </a:r>
-          </a:p>
-          <a:p>
-            <a:r>
-              <a:rPr lang="en-US" dirty="0"/>
-              <a:t>Be open-minded</a:t>
-            </a:r>
-          </a:p>
-          <a:p>
-            <a:pPr lvl="0"/>
-            <a:r>
-              <a:rPr lang="en-US" dirty="0"/>
-              <a:t>Experiment with different types of games</a:t>
-            </a:r>
-          </a:p>
-          <a:p>
-            <a:pPr lvl="0"/>
-            <a:r>
-              <a:rPr lang="en-US" dirty="0"/>
-              <a:t>Correct ChatGPT, when it is wrong</a:t>
+              <a:t>ASCII Art</a:t>
             </a:r>
           </a:p>
         </p:txBody>
@@ -4462,7 +4879,7 @@
     </p:spTree>
     <p:extLst>
       <p:ext uri="{BB962C8B-B14F-4D97-AF65-F5344CB8AC3E}">
-        <p14:creationId xmlns:p14="http://schemas.microsoft.com/office/powerpoint/2010/main" val="1309668740"/>
+        <p14:creationId xmlns:p14="http://schemas.microsoft.com/office/powerpoint/2010/main" val="2021821497"/>
       </p:ext>
     </p:extLst>
   </p:cSld>
@@ -4494,6 +4911,163 @@
           <p:cNvPr id="2" name="Title 1">
             <a:extLst>
               <a:ext uri="{FF2B5EF4-FFF2-40B4-BE49-F238E27FC236}">
+                <a16:creationId xmlns:a16="http://schemas.microsoft.com/office/drawing/2014/main" id="{2F18A1DB-AED8-35DD-6F4D-65398A83969F}"/>
+              </a:ext>
+            </a:extLst>
+          </p:cNvPr>
+          <p:cNvSpPr>
+            <a:spLocks noGrp="1"/>
+          </p:cNvSpPr>
+          <p:nvPr>
+            <p:ph type="title"/>
+          </p:nvPr>
+        </p:nvSpPr>
+        <p:spPr/>
+        <p:txBody>
+          <a:bodyPr>
+            <a:normAutofit/>
+          </a:bodyPr>
+          <a:lstStyle/>
+          <a:p>
+            <a:r>
+              <a:rPr lang="en-US" dirty="0"/>
+              <a:t>Tips for Maximizing your </a:t>
+            </a:r>
+            <a:r>
+              <a:rPr lang="en-US" dirty="0" err="1"/>
+              <a:t>ChatGPT</a:t>
+            </a:r>
+            <a:r>
+              <a:rPr lang="en-US" dirty="0"/>
+              <a:t> Experience</a:t>
+            </a:r>
+          </a:p>
+        </p:txBody>
+      </p:sp>
+      <p:sp>
+        <p:nvSpPr>
+          <p:cNvPr id="3" name="Content Placeholder 2">
+            <a:extLst>
+              <a:ext uri="{FF2B5EF4-FFF2-40B4-BE49-F238E27FC236}">
+                <a16:creationId xmlns:a16="http://schemas.microsoft.com/office/drawing/2014/main" id="{D9F9D572-6291-54BA-6B06-3F9DEEBC9526}"/>
+              </a:ext>
+            </a:extLst>
+          </p:cNvPr>
+          <p:cNvSpPr>
+            <a:spLocks noGrp="1"/>
+          </p:cNvSpPr>
+          <p:nvPr>
+            <p:ph idx="1"/>
+          </p:nvPr>
+        </p:nvSpPr>
+        <p:spPr>
+          <a:xfrm>
+            <a:off x="848248" y="1805529"/>
+            <a:ext cx="10515600" cy="4351338"/>
+          </a:xfrm>
+        </p:spPr>
+        <p:txBody>
+          <a:bodyPr>
+            <a:normAutofit lnSpcReduction="10000"/>
+          </a:bodyPr>
+          <a:lstStyle/>
+          <a:p>
+            <a:pPr lvl="0"/>
+            <a:r>
+              <a:rPr lang="en-US" dirty="0"/>
+              <a:t>Be Specific</a:t>
+            </a:r>
+          </a:p>
+          <a:p>
+            <a:r>
+              <a:rPr lang="en-US" dirty="0"/>
+              <a:t>Provide context</a:t>
+            </a:r>
+          </a:p>
+          <a:p>
+            <a:pPr lvl="0"/>
+            <a:r>
+              <a:rPr lang="en-US" dirty="0"/>
+              <a:t>Define audience</a:t>
+            </a:r>
+          </a:p>
+          <a:p>
+            <a:pPr lvl="0"/>
+            <a:r>
+              <a:rPr lang="en-US" dirty="0"/>
+              <a:t>Define speaker</a:t>
+            </a:r>
+          </a:p>
+          <a:p>
+            <a:pPr lvl="0"/>
+            <a:r>
+              <a:rPr lang="en-US" dirty="0"/>
+              <a:t>Try different conversation starters</a:t>
+            </a:r>
+          </a:p>
+          <a:p>
+            <a:r>
+              <a:rPr lang="en-US" dirty="0"/>
+              <a:t>Ask open-ended questions</a:t>
+            </a:r>
+          </a:p>
+          <a:p>
+            <a:r>
+              <a:rPr lang="en-US" dirty="0"/>
+              <a:t>Be open-minded</a:t>
+            </a:r>
+          </a:p>
+          <a:p>
+            <a:pPr lvl="0"/>
+            <a:r>
+              <a:rPr lang="en-US" dirty="0"/>
+              <a:t>Experiment with different types of games</a:t>
+            </a:r>
+          </a:p>
+          <a:p>
+            <a:pPr lvl="0"/>
+            <a:r>
+              <a:rPr lang="en-US" dirty="0"/>
+              <a:t>Correct ChatGPT, when it is wrong</a:t>
+            </a:r>
+          </a:p>
+        </p:txBody>
+      </p:sp>
+    </p:spTree>
+    <p:extLst>
+      <p:ext uri="{BB962C8B-B14F-4D97-AF65-F5344CB8AC3E}">
+        <p14:creationId xmlns:p14="http://schemas.microsoft.com/office/powerpoint/2010/main" val="1309668740"/>
+      </p:ext>
+    </p:extLst>
+  </p:cSld>
+  <p:clrMapOvr>
+    <a:masterClrMapping/>
+  </p:clrMapOvr>
+</p:sld>
+</file>
+
+<file path=ppt/slides/slide14.xml><?xml version="1.0" encoding="utf-8"?>
+<p:sld xmlns:a="http://schemas.openxmlformats.org/drawingml/2006/main" xmlns:r="http://schemas.openxmlformats.org/officeDocument/2006/relationships" xmlns:p="http://schemas.openxmlformats.org/presentationml/2006/main">
+  <p:cSld>
+    <p:spTree>
+      <p:nvGrpSpPr>
+        <p:cNvPr id="1" name=""/>
+        <p:cNvGrpSpPr/>
+        <p:nvPr/>
+      </p:nvGrpSpPr>
+      <p:grpSpPr>
+        <a:xfrm>
+          <a:off x="0" y="0"/>
+          <a:ext cx="0" cy="0"/>
+          <a:chOff x="0" y="0"/>
+          <a:chExt cx="0" cy="0"/>
+        </a:xfrm>
+      </p:grpSpPr>
+      <p:sp>
+        <p:nvSpPr>
+          <p:cNvPr id="2" name="Title 1">
+            <a:extLst>
+              <a:ext uri="{FF2B5EF4-FFF2-40B4-BE49-F238E27FC236}">
                 <a16:creationId xmlns:a16="http://schemas.microsoft.com/office/drawing/2014/main" id="{524ACABC-0950-12AC-A4C2-AFB34FF39C49}"/>
               </a:ext>
             </a:extLst>
@@ -4558,13 +5132,8 @@
           <a:p>
             <a:r>
               <a:rPr lang="en-US" dirty="0"/>
-              <a:t>Can I </a:t>
-            </a:r>
-            <a:r>
-              <a:rPr lang="en-US"/>
-              <a:t>trust ChatGPT?</a:t>
-            </a:r>
-            <a:endParaRPr lang="en-US" dirty="0"/>
+              <a:t>Can I trust ChatGPT?</a:t>
+            </a:r>
           </a:p>
         </p:txBody>
       </p:sp>
@@ -4581,7 +5150,7 @@
 </p:sld>
 </file>
 
-<file path=ppt/slides/slide14.xml><?xml version="1.0" encoding="utf-8"?>
+<file path=ppt/slides/slide15.xml><?xml version="1.0" encoding="utf-8"?>
 <p:sld xmlns:a="http://schemas.openxmlformats.org/drawingml/2006/main" xmlns:r="http://schemas.openxmlformats.org/officeDocument/2006/relationships" xmlns:p="http://schemas.openxmlformats.org/presentationml/2006/main">
   <p:cSld>
     <p:spTree>
@@ -4648,7 +5217,7 @@
 </p:sld>
 </file>
 
-<file path=ppt/slides/slide15.xml><?xml version="1.0" encoding="utf-8"?>
+<file path=ppt/slides/slide16.xml><?xml version="1.0" encoding="utf-8"?>
 <p:sld xmlns:a="http://schemas.openxmlformats.org/drawingml/2006/main" xmlns:r="http://schemas.openxmlformats.org/officeDocument/2006/relationships" xmlns:p="http://schemas.openxmlformats.org/presentationml/2006/main">
   <p:cSld>
     <p:spTree>
@@ -4722,7 +5291,3065 @@
 </p:sld>
 </file>
 
-<file path=ppt/slides/slide16.xml><?xml version="1.0" encoding="utf-8"?>
+<file path=ppt/slides/slide17.xml><?xml version="1.0" encoding="utf-8"?>
+<p:sld xmlns:a="http://schemas.openxmlformats.org/drawingml/2006/main" xmlns:r="http://schemas.openxmlformats.org/officeDocument/2006/relationships" xmlns:p="http://schemas.openxmlformats.org/presentationml/2006/main">
+  <p:cSld>
+    <p:spTree>
+      <p:nvGrpSpPr>
+        <p:cNvPr id="1" name=""/>
+        <p:cNvGrpSpPr/>
+        <p:nvPr/>
+      </p:nvGrpSpPr>
+      <p:grpSpPr>
+        <a:xfrm>
+          <a:off x="0" y="0"/>
+          <a:ext cx="0" cy="0"/>
+          <a:chOff x="0" y="0"/>
+          <a:chExt cx="0" cy="0"/>
+        </a:xfrm>
+      </p:grpSpPr>
+      <p:sp>
+        <p:nvSpPr>
+          <p:cNvPr id="47" name="Rectangle 46">
+            <a:extLst>
+              <a:ext uri="{FF2B5EF4-FFF2-40B4-BE49-F238E27FC236}">
+                <a16:creationId xmlns:a16="http://schemas.microsoft.com/office/drawing/2014/main" id="{93B76BA4-055F-4B57-AF99-A32D5E7B585F}"/>
+              </a:ext>
+              <a:ext uri="{C183D7F6-B498-43B3-948B-1728B52AA6E4}">
+                <adec:decorative xmlns:adec="http://schemas.microsoft.com/office/drawing/2017/decorative" val="1"/>
+              </a:ext>
+            </a:extLst>
+          </p:cNvPr>
+          <p:cNvSpPr/>
+          <p:nvPr/>
+        </p:nvSpPr>
+        <p:spPr bwMode="auto">
+          <a:xfrm>
+            <a:off x="0" y="3743992"/>
+            <a:ext cx="12192000" cy="1038919"/>
+          </a:xfrm>
+          <a:prstGeom prst="rect">
+            <a:avLst/>
+          </a:prstGeom>
+          <a:solidFill>
+            <a:schemeClr val="accent1"/>
+          </a:solidFill>
+          <a:ln>
+            <a:noFill/>
+            <a:headEnd type="none" w="med" len="med"/>
+            <a:tailEnd type="none" w="med" len="med"/>
+          </a:ln>
+          <a:effectLst/>
+        </p:spPr>
+        <p:style>
+          <a:lnRef idx="1">
+            <a:schemeClr val="accent2"/>
+          </a:lnRef>
+          <a:fillRef idx="3">
+            <a:schemeClr val="accent2"/>
+          </a:fillRef>
+          <a:effectRef idx="2">
+            <a:schemeClr val="accent2"/>
+          </a:effectRef>
+          <a:fontRef idx="minor">
+            <a:schemeClr val="lt1"/>
+          </a:fontRef>
+        </p:style>
+        <p:txBody>
+          <a:bodyPr rot="0" spcFirstLastPara="0" vertOverflow="overflow" horzOverflow="overflow" vert="horz" wrap="square" lIns="182880" tIns="146304" rIns="182880" bIns="146304" numCol="1" spcCol="0" rtlCol="0" fromWordArt="0" anchor="t" anchorCtr="0" forceAA="0" compatLnSpc="1">
+            <a:prstTxWarp prst="textNoShape">
+              <a:avLst/>
+            </a:prstTxWarp>
+            <a:noAutofit/>
+          </a:bodyPr>
+          <a:lstStyle/>
+          <a:p>
+            <a:pPr marL="0" marR="0" lvl="0" indent="0" algn="l" defTabSz="932472" rtl="0" eaLnBrk="1" fontAlgn="base" latinLnBrk="0" hangingPunct="1">
+              <a:lnSpc>
+                <a:spcPct val="100000"/>
+              </a:lnSpc>
+              <a:spcBef>
+                <a:spcPct val="0"/>
+              </a:spcBef>
+              <a:spcAft>
+                <a:spcPct val="0"/>
+              </a:spcAft>
+              <a:buClrTx/>
+              <a:buSzTx/>
+              <a:buFontTx/>
+              <a:buNone/>
+              <a:tabLst/>
+              <a:defRPr/>
+            </a:pPr>
+            <a:endParaRPr kumimoji="0" lang="en-US" sz="2000" b="0" i="0" u="none" strike="noStrike" kern="1200" cap="none" spc="0" normalizeH="0" baseline="0" noProof="0" err="1">
+              <a:ln>
+                <a:noFill/>
+              </a:ln>
+              <a:solidFill>
+                <a:srgbClr val="FFFFFF"/>
+              </a:solidFill>
+              <a:effectLst/>
+              <a:uLnTx/>
+              <a:uFillTx/>
+              <a:latin typeface="Segoe UI Variable Display"/>
+              <a:ea typeface="Segoe UI" pitchFamily="34" charset="0"/>
+              <a:cs typeface="Segoe UI" pitchFamily="34" charset="0"/>
+            </a:endParaRPr>
+          </a:p>
+        </p:txBody>
+      </p:sp>
+      <p:sp>
+        <p:nvSpPr>
+          <p:cNvPr id="58" name="Freeform: Shape 57">
+            <a:extLst>
+              <a:ext uri="{FF2B5EF4-FFF2-40B4-BE49-F238E27FC236}">
+                <a16:creationId xmlns:a16="http://schemas.microsoft.com/office/drawing/2014/main" id="{E1894CB0-4877-74EC-B038-81A9F51E611C}"/>
+              </a:ext>
+              <a:ext uri="{C183D7F6-B498-43B3-948B-1728B52AA6E4}">
+                <adec:decorative xmlns:adec="http://schemas.microsoft.com/office/drawing/2017/decorative" val="1"/>
+              </a:ext>
+            </a:extLst>
+          </p:cNvPr>
+          <p:cNvSpPr/>
+          <p:nvPr/>
+        </p:nvSpPr>
+        <p:spPr>
+          <a:xfrm>
+            <a:off x="585789" y="1195819"/>
+            <a:ext cx="11020424" cy="2863852"/>
+          </a:xfrm>
+          <a:custGeom>
+            <a:avLst/>
+            <a:gdLst>
+              <a:gd name="connsiteX0" fmla="*/ 8282208 w 8374534"/>
+              <a:gd name="connsiteY0" fmla="*/ 2176272 h 2176271"/>
+              <a:gd name="connsiteX1" fmla="*/ 92327 w 8374534"/>
+              <a:gd name="connsiteY1" fmla="*/ 2176272 h 2176271"/>
+              <a:gd name="connsiteX2" fmla="*/ 8126 w 8374534"/>
+              <a:gd name="connsiteY2" fmla="*/ 2046351 h 2176271"/>
+              <a:gd name="connsiteX3" fmla="*/ 898047 w 8374534"/>
+              <a:gd name="connsiteY3" fmla="*/ 54578 h 2176271"/>
+              <a:gd name="connsiteX4" fmla="*/ 982343 w 8374534"/>
+              <a:gd name="connsiteY4" fmla="*/ 0 h 2176271"/>
+              <a:gd name="connsiteX5" fmla="*/ 7392192 w 8374534"/>
+              <a:gd name="connsiteY5" fmla="*/ 0 h 2176271"/>
+              <a:gd name="connsiteX6" fmla="*/ 7476488 w 8374534"/>
+              <a:gd name="connsiteY6" fmla="*/ 54578 h 2176271"/>
+              <a:gd name="connsiteX7" fmla="*/ 8366409 w 8374534"/>
+              <a:gd name="connsiteY7" fmla="*/ 2046351 h 2176271"/>
+              <a:gd name="connsiteX8" fmla="*/ 8282208 w 8374534"/>
+              <a:gd name="connsiteY8" fmla="*/ 2176272 h 2176271"/>
+            </a:gdLst>
+            <a:ahLst/>
+            <a:cxnLst>
+              <a:cxn ang="0">
+                <a:pos x="connsiteX0" y="connsiteY0"/>
+              </a:cxn>
+              <a:cxn ang="0">
+                <a:pos x="connsiteX1" y="connsiteY1"/>
+              </a:cxn>
+              <a:cxn ang="0">
+                <a:pos x="connsiteX2" y="connsiteY2"/>
+              </a:cxn>
+              <a:cxn ang="0">
+                <a:pos x="connsiteX3" y="connsiteY3"/>
+              </a:cxn>
+              <a:cxn ang="0">
+                <a:pos x="connsiteX4" y="connsiteY4"/>
+              </a:cxn>
+              <a:cxn ang="0">
+                <a:pos x="connsiteX5" y="connsiteY5"/>
+              </a:cxn>
+              <a:cxn ang="0">
+                <a:pos x="connsiteX6" y="connsiteY6"/>
+              </a:cxn>
+              <a:cxn ang="0">
+                <a:pos x="connsiteX7" y="connsiteY7"/>
+              </a:cxn>
+              <a:cxn ang="0">
+                <a:pos x="connsiteX8" y="connsiteY8"/>
+              </a:cxn>
+            </a:cxnLst>
+            <a:rect l="l" t="t" r="r" b="b"/>
+            <a:pathLst>
+              <a:path w="8374534" h="2176271">
+                <a:moveTo>
+                  <a:pt x="8282208" y="2176272"/>
+                </a:moveTo>
+                <a:lnTo>
+                  <a:pt x="92327" y="2176272"/>
+                </a:lnTo>
+                <a:cubicBezTo>
+                  <a:pt x="25461" y="2176272"/>
+                  <a:pt x="-19116" y="2107406"/>
+                  <a:pt x="8126" y="2046351"/>
+                </a:cubicBezTo>
+                <a:lnTo>
+                  <a:pt x="898047" y="54578"/>
+                </a:lnTo>
+                <a:cubicBezTo>
+                  <a:pt x="912906" y="21336"/>
+                  <a:pt x="945862" y="0"/>
+                  <a:pt x="982343" y="0"/>
+                </a:cubicBezTo>
+                <a:lnTo>
+                  <a:pt x="7392192" y="0"/>
+                </a:lnTo>
+                <a:cubicBezTo>
+                  <a:pt x="7428672" y="0"/>
+                  <a:pt x="7461629" y="21336"/>
+                  <a:pt x="7476488" y="54578"/>
+                </a:cubicBezTo>
+                <a:lnTo>
+                  <a:pt x="8366409" y="2046351"/>
+                </a:lnTo>
+                <a:cubicBezTo>
+                  <a:pt x="8393650" y="2107406"/>
+                  <a:pt x="8349073" y="2176272"/>
+                  <a:pt x="8282208" y="2176272"/>
+                </a:cubicBezTo>
+                <a:close/>
+              </a:path>
+            </a:pathLst>
+          </a:custGeom>
+          <a:solidFill>
+            <a:srgbClr val="FFFFFF"/>
+          </a:solidFill>
+          <a:ln w="9525" cap="flat">
+            <a:noFill/>
+            <a:prstDash val="solid"/>
+            <a:miter/>
+          </a:ln>
+        </p:spPr>
+        <p:txBody>
+          <a:bodyPr rtlCol="0" anchor="ctr"/>
+          <a:lstStyle/>
+          <a:p>
+            <a:pPr marL="0" marR="0" lvl="0" indent="0" algn="l" defTabSz="914400" rtl="0" eaLnBrk="1" fontAlgn="auto" latinLnBrk="0" hangingPunct="1">
+              <a:lnSpc>
+                <a:spcPct val="100000"/>
+              </a:lnSpc>
+              <a:spcBef>
+                <a:spcPts val="0"/>
+              </a:spcBef>
+              <a:spcAft>
+                <a:spcPts val="0"/>
+              </a:spcAft>
+              <a:buClrTx/>
+              <a:buSzTx/>
+              <a:buFontTx/>
+              <a:buNone/>
+              <a:tabLst/>
+              <a:defRPr/>
+            </a:pPr>
+            <a:endParaRPr kumimoji="0" lang="en-US" sz="1800" b="0" i="0" u="none" strike="noStrike" kern="1200" cap="none" spc="0" normalizeH="0" baseline="0" noProof="0">
+              <a:ln>
+                <a:noFill/>
+              </a:ln>
+              <a:solidFill>
+                <a:srgbClr val="000000"/>
+              </a:solidFill>
+              <a:effectLst/>
+              <a:uLnTx/>
+              <a:uFillTx/>
+              <a:latin typeface="Segoe UI Variable Display"/>
+              <a:ea typeface="+mn-ea"/>
+              <a:cs typeface="+mn-cs"/>
+            </a:endParaRPr>
+          </a:p>
+        </p:txBody>
+      </p:sp>
+      <p:sp>
+        <p:nvSpPr>
+          <p:cNvPr id="59" name="Freeform: Shape 58">
+            <a:extLst>
+              <a:ext uri="{FF2B5EF4-FFF2-40B4-BE49-F238E27FC236}">
+                <a16:creationId xmlns:a16="http://schemas.microsoft.com/office/drawing/2014/main" id="{7346B957-BBD3-1BBF-E39A-1C864A9EC7C7}"/>
+              </a:ext>
+              <a:ext uri="{C183D7F6-B498-43B3-948B-1728B52AA6E4}">
+                <adec:decorative xmlns:adec="http://schemas.microsoft.com/office/drawing/2017/decorative" val="1"/>
+              </a:ext>
+            </a:extLst>
+          </p:cNvPr>
+          <p:cNvSpPr/>
+          <p:nvPr/>
+        </p:nvSpPr>
+        <p:spPr>
+          <a:xfrm>
+            <a:off x="698479" y="1280049"/>
+            <a:ext cx="10792287" cy="2696895"/>
+          </a:xfrm>
+          <a:custGeom>
+            <a:avLst/>
+            <a:gdLst>
+              <a:gd name="connsiteX0" fmla="*/ 8143138 w 8201170"/>
+              <a:gd name="connsiteY0" fmla="*/ 2049399 h 2049399"/>
+              <a:gd name="connsiteX1" fmla="*/ 58032 w 8201170"/>
+              <a:gd name="connsiteY1" fmla="*/ 2049399 h 2049399"/>
+              <a:gd name="connsiteX2" fmla="*/ 5073 w 8201170"/>
+              <a:gd name="connsiteY2" fmla="*/ 1967770 h 2049399"/>
+              <a:gd name="connsiteX3" fmla="*/ 863657 w 8201170"/>
+              <a:gd name="connsiteY3" fmla="*/ 46387 h 2049399"/>
+              <a:gd name="connsiteX4" fmla="*/ 935190 w 8201170"/>
+              <a:gd name="connsiteY4" fmla="*/ 0 h 2049399"/>
+              <a:gd name="connsiteX5" fmla="*/ 7265981 w 8201170"/>
+              <a:gd name="connsiteY5" fmla="*/ 0 h 2049399"/>
+              <a:gd name="connsiteX6" fmla="*/ 7337514 w 8201170"/>
+              <a:gd name="connsiteY6" fmla="*/ 46387 h 2049399"/>
+              <a:gd name="connsiteX7" fmla="*/ 8196097 w 8201170"/>
+              <a:gd name="connsiteY7" fmla="*/ 1967770 h 2049399"/>
+              <a:gd name="connsiteX8" fmla="*/ 8143138 w 8201170"/>
+              <a:gd name="connsiteY8" fmla="*/ 2049399 h 2049399"/>
+            </a:gdLst>
+            <a:ahLst/>
+            <a:cxnLst>
+              <a:cxn ang="0">
+                <a:pos x="connsiteX0" y="connsiteY0"/>
+              </a:cxn>
+              <a:cxn ang="0">
+                <a:pos x="connsiteX1" y="connsiteY1"/>
+              </a:cxn>
+              <a:cxn ang="0">
+                <a:pos x="connsiteX2" y="connsiteY2"/>
+              </a:cxn>
+              <a:cxn ang="0">
+                <a:pos x="connsiteX3" y="connsiteY3"/>
+              </a:cxn>
+              <a:cxn ang="0">
+                <a:pos x="connsiteX4" y="connsiteY4"/>
+              </a:cxn>
+              <a:cxn ang="0">
+                <a:pos x="connsiteX5" y="connsiteY5"/>
+              </a:cxn>
+              <a:cxn ang="0">
+                <a:pos x="connsiteX6" y="connsiteY6"/>
+              </a:cxn>
+              <a:cxn ang="0">
+                <a:pos x="connsiteX7" y="connsiteY7"/>
+              </a:cxn>
+              <a:cxn ang="0">
+                <a:pos x="connsiteX8" y="connsiteY8"/>
+              </a:cxn>
+            </a:cxnLst>
+            <a:rect l="l" t="t" r="r" b="b"/>
+            <a:pathLst>
+              <a:path w="8201170" h="2049399">
+                <a:moveTo>
+                  <a:pt x="8143138" y="2049399"/>
+                </a:moveTo>
+                <a:lnTo>
+                  <a:pt x="58032" y="2049399"/>
+                </a:lnTo>
+                <a:cubicBezTo>
+                  <a:pt x="16027" y="2049399"/>
+                  <a:pt x="-11976" y="2006060"/>
+                  <a:pt x="5073" y="1967770"/>
+                </a:cubicBezTo>
+                <a:lnTo>
+                  <a:pt x="863657" y="46387"/>
+                </a:lnTo>
+                <a:cubicBezTo>
+                  <a:pt x="876230" y="18193"/>
+                  <a:pt x="904233" y="0"/>
+                  <a:pt x="935190" y="0"/>
+                </a:cubicBezTo>
+                <a:lnTo>
+                  <a:pt x="7265981" y="0"/>
+                </a:lnTo>
+                <a:cubicBezTo>
+                  <a:pt x="7296937" y="0"/>
+                  <a:pt x="7324941" y="18193"/>
+                  <a:pt x="7337514" y="46387"/>
+                </a:cubicBezTo>
+                <a:lnTo>
+                  <a:pt x="8196097" y="1967770"/>
+                </a:lnTo>
+                <a:cubicBezTo>
+                  <a:pt x="8213147" y="2006060"/>
+                  <a:pt x="8185144" y="2049399"/>
+                  <a:pt x="8143138" y="2049399"/>
+                </a:cubicBezTo>
+                <a:close/>
+              </a:path>
+            </a:pathLst>
+          </a:custGeom>
+          <a:solidFill>
+            <a:srgbClr val="F2F2F2"/>
+          </a:solidFill>
+          <a:ln w="9525" cap="flat">
+            <a:noFill/>
+            <a:prstDash val="solid"/>
+            <a:miter/>
+          </a:ln>
+        </p:spPr>
+        <p:txBody>
+          <a:bodyPr rtlCol="0" anchor="ctr"/>
+          <a:lstStyle/>
+          <a:p>
+            <a:pPr marL="0" marR="0" lvl="0" indent="0" algn="l" defTabSz="914400" rtl="0" eaLnBrk="1" fontAlgn="auto" latinLnBrk="0" hangingPunct="1">
+              <a:lnSpc>
+                <a:spcPct val="100000"/>
+              </a:lnSpc>
+              <a:spcBef>
+                <a:spcPts val="0"/>
+              </a:spcBef>
+              <a:spcAft>
+                <a:spcPts val="0"/>
+              </a:spcAft>
+              <a:buClrTx/>
+              <a:buSzTx/>
+              <a:buFontTx/>
+              <a:buNone/>
+              <a:tabLst/>
+              <a:defRPr/>
+            </a:pPr>
+            <a:endParaRPr kumimoji="0" lang="en-US" sz="1800" b="0" i="0" u="none" strike="noStrike" kern="1200" cap="none" spc="0" normalizeH="0" baseline="0" noProof="0">
+              <a:ln>
+                <a:noFill/>
+              </a:ln>
+              <a:solidFill>
+                <a:srgbClr val="000000"/>
+              </a:solidFill>
+              <a:effectLst/>
+              <a:uLnTx/>
+              <a:uFillTx/>
+              <a:latin typeface="Segoe UI Variable Display"/>
+              <a:ea typeface="+mn-ea"/>
+              <a:cs typeface="+mn-cs"/>
+            </a:endParaRPr>
+          </a:p>
+        </p:txBody>
+      </p:sp>
+      <p:cxnSp>
+        <p:nvCxnSpPr>
+          <p:cNvPr id="44" name="Straight Connector 43">
+            <a:extLst>
+              <a:ext uri="{FF2B5EF4-FFF2-40B4-BE49-F238E27FC236}">
+                <a16:creationId xmlns:a16="http://schemas.microsoft.com/office/drawing/2014/main" id="{253C2266-F734-8CCC-CB8A-E74C9E0F787D}"/>
+              </a:ext>
+              <a:ext uri="{C183D7F6-B498-43B3-948B-1728B52AA6E4}">
+                <adec:decorative xmlns:adec="http://schemas.microsoft.com/office/drawing/2017/decorative" val="1"/>
+              </a:ext>
+            </a:extLst>
+          </p:cNvPr>
+          <p:cNvCxnSpPr>
+            <a:cxnSpLocks/>
+          </p:cNvCxnSpPr>
+          <p:nvPr/>
+        </p:nvCxnSpPr>
+        <p:spPr>
+          <a:xfrm>
+            <a:off x="6096047" y="1526902"/>
+            <a:ext cx="0" cy="2307909"/>
+          </a:xfrm>
+          <a:prstGeom prst="line">
+            <a:avLst/>
+          </a:prstGeom>
+          <a:ln w="25400">
+            <a:solidFill>
+              <a:schemeClr val="bg1"/>
+            </a:solidFill>
+            <a:headEnd type="none" w="lg" len="med"/>
+            <a:tailEnd type="none" w="lg" len="med"/>
+          </a:ln>
+        </p:spPr>
+        <p:style>
+          <a:lnRef idx="1">
+            <a:schemeClr val="accent1"/>
+          </a:lnRef>
+          <a:fillRef idx="0">
+            <a:schemeClr val="accent1"/>
+          </a:fillRef>
+          <a:effectRef idx="0">
+            <a:schemeClr val="accent1"/>
+          </a:effectRef>
+          <a:fontRef idx="minor">
+            <a:schemeClr val="tx1"/>
+          </a:fontRef>
+        </p:style>
+      </p:cxnSp>
+      <p:sp>
+        <p:nvSpPr>
+          <p:cNvPr id="45" name="Oval 44">
+            <a:extLst>
+              <a:ext uri="{FF2B5EF4-FFF2-40B4-BE49-F238E27FC236}">
+                <a16:creationId xmlns:a16="http://schemas.microsoft.com/office/drawing/2014/main" id="{4D09FD71-DF46-6086-D40F-2B59E7CD52E1}"/>
+              </a:ext>
+              <a:ext uri="{C183D7F6-B498-43B3-948B-1728B52AA6E4}">
+                <adec:decorative xmlns:adec="http://schemas.microsoft.com/office/drawing/2017/decorative" val="1"/>
+              </a:ext>
+            </a:extLst>
+          </p:cNvPr>
+          <p:cNvSpPr/>
+          <p:nvPr/>
+        </p:nvSpPr>
+        <p:spPr bwMode="auto">
+          <a:xfrm>
+            <a:off x="5740400" y="2791050"/>
+            <a:ext cx="711200" cy="705554"/>
+          </a:xfrm>
+          <a:prstGeom prst="ellipse">
+            <a:avLst/>
+          </a:prstGeom>
+          <a:solidFill>
+            <a:schemeClr val="bg1"/>
+          </a:solidFill>
+          <a:ln w="25400">
+            <a:noFill/>
+            <a:headEnd type="none" w="med" len="med"/>
+            <a:tailEnd type="none" w="med" len="med"/>
+          </a:ln>
+          <a:effectLst/>
+        </p:spPr>
+        <p:style>
+          <a:lnRef idx="1">
+            <a:schemeClr val="accent2"/>
+          </a:lnRef>
+          <a:fillRef idx="3">
+            <a:schemeClr val="accent2"/>
+          </a:fillRef>
+          <a:effectRef idx="2">
+            <a:schemeClr val="accent2"/>
+          </a:effectRef>
+          <a:fontRef idx="minor">
+            <a:schemeClr val="lt1"/>
+          </a:fontRef>
+        </p:style>
+        <p:txBody>
+          <a:bodyPr rot="0" spcFirstLastPara="0" vertOverflow="overflow" horzOverflow="overflow" vert="horz" wrap="none" lIns="0" tIns="0" rIns="0" bIns="0" numCol="1" spcCol="0" rtlCol="0" fromWordArt="0" anchor="ctr" anchorCtr="0" forceAA="0" compatLnSpc="1">
+            <a:prstTxWarp prst="textNoShape">
+              <a:avLst/>
+            </a:prstTxWarp>
+            <a:noAutofit/>
+          </a:bodyPr>
+          <a:lstStyle/>
+          <a:p>
+            <a:pPr marL="0" marR="0" lvl="0" indent="0" algn="ctr" defTabSz="932472" rtl="0" eaLnBrk="1" fontAlgn="base" latinLnBrk="0" hangingPunct="1">
+              <a:lnSpc>
+                <a:spcPct val="100000"/>
+              </a:lnSpc>
+              <a:spcBef>
+                <a:spcPct val="0"/>
+              </a:spcBef>
+              <a:spcAft>
+                <a:spcPct val="0"/>
+              </a:spcAft>
+              <a:buClrTx/>
+              <a:buSzTx/>
+              <a:buFontTx/>
+              <a:buNone/>
+              <a:tabLst/>
+              <a:defRPr/>
+            </a:pPr>
+            <a:endParaRPr kumimoji="0" lang="en-US" sz="1800" b="1" i="0" u="none" strike="noStrike" kern="1200" cap="none" spc="0" normalizeH="0" baseline="0" noProof="0">
+              <a:ln>
+                <a:noFill/>
+              </a:ln>
+              <a:solidFill>
+                <a:srgbClr val="3B2E58"/>
+              </a:solidFill>
+              <a:effectLst/>
+              <a:uLnTx/>
+              <a:uFillTx/>
+              <a:latin typeface="Segoe UI"/>
+              <a:ea typeface="Segoe UI" pitchFamily="34" charset="0"/>
+              <a:cs typeface="Segoe UI" pitchFamily="34" charset="0"/>
+            </a:endParaRPr>
+          </a:p>
+        </p:txBody>
+      </p:sp>
+      <p:sp>
+        <p:nvSpPr>
+          <p:cNvPr id="13" name="Title 12">
+            <a:extLst>
+              <a:ext uri="{FF2B5EF4-FFF2-40B4-BE49-F238E27FC236}">
+                <a16:creationId xmlns:a16="http://schemas.microsoft.com/office/drawing/2014/main" id="{565723D1-39AF-CF7E-BA07-26C868B75534}"/>
+              </a:ext>
+              <a:ext uri="{C183D7F6-B498-43B3-948B-1728B52AA6E4}">
+                <adec:decorative xmlns:adec="http://schemas.microsoft.com/office/drawing/2017/decorative" val="1"/>
+              </a:ext>
+            </a:extLst>
+          </p:cNvPr>
+          <p:cNvSpPr>
+            <a:spLocks noGrp="1"/>
+          </p:cNvSpPr>
+          <p:nvPr>
+            <p:ph type="title"/>
+          </p:nvPr>
+        </p:nvSpPr>
+        <p:spPr>
+          <a:xfrm>
+            <a:off x="588263" y="457200"/>
+            <a:ext cx="11018520" cy="553998"/>
+          </a:xfrm>
+        </p:spPr>
+        <p:txBody>
+          <a:bodyPr vert="horz" wrap="square" lIns="0" tIns="0" rIns="0" bIns="0" rtlCol="0" anchor="b">
+            <a:spAutoFit/>
+          </a:bodyPr>
+          <a:lstStyle/>
+          <a:p>
+            <a:r>
+              <a:rPr lang="en-US"/>
+              <a:t>Microsoft and OpenAI partnership</a:t>
+            </a:r>
+          </a:p>
+        </p:txBody>
+      </p:sp>
+      <p:pic>
+        <p:nvPicPr>
+          <p:cNvPr id="1026" name="Picture 2" descr="OpenAI Logo">
+            <a:extLst>
+              <a:ext uri="{FF2B5EF4-FFF2-40B4-BE49-F238E27FC236}">
+                <a16:creationId xmlns:a16="http://schemas.microsoft.com/office/drawing/2014/main" id="{86E3DC49-9C14-AFEF-C8B7-FF2EAEE4B2F9}"/>
+              </a:ext>
+            </a:extLst>
+          </p:cNvPr>
+          <p:cNvPicPr>
+            <a:picLocks noChangeAspect="1" noChangeArrowheads="1"/>
+          </p:cNvPicPr>
+          <p:nvPr/>
+        </p:nvPicPr>
+        <p:blipFill rotWithShape="1">
+          <a:blip r:embed="rId3">
+            <a:extLst>
+              <a:ext uri="{28A0092B-C50C-407E-A947-70E740481C1C}">
+                <a14:useLocalDpi xmlns:a14="http://schemas.microsoft.com/office/drawing/2010/main" val="0"/>
+              </a:ext>
+            </a:extLst>
+          </a:blip>
+          <a:srcRect t="37222" b="37222"/>
+          <a:stretch/>
+        </p:blipFill>
+        <p:spPr bwMode="auto">
+          <a:xfrm>
+            <a:off x="2345509" y="1693168"/>
+            <a:ext cx="2706552" cy="691674"/>
+          </a:xfrm>
+          <a:prstGeom prst="rect">
+            <a:avLst/>
+          </a:prstGeom>
+          <a:noFill/>
+          <a:extLst>
+            <a:ext uri="{909E8E84-426E-40DD-AFC4-6F175D3DCCD1}">
+              <a14:hiddenFill xmlns:a14="http://schemas.microsoft.com/office/drawing/2010/main">
+                <a:solidFill>
+                  <a:srgbClr val="FFFFFF"/>
+                </a:solidFill>
+              </a14:hiddenFill>
+            </a:ext>
+          </a:extLst>
+        </p:spPr>
+      </p:pic>
+      <p:sp>
+        <p:nvSpPr>
+          <p:cNvPr id="36" name="TextBox 35">
+            <a:extLst>
+              <a:ext uri="{FF2B5EF4-FFF2-40B4-BE49-F238E27FC236}">
+                <a16:creationId xmlns:a16="http://schemas.microsoft.com/office/drawing/2014/main" id="{F643A5CE-D4A5-693E-10D5-CD97C89DCA83}"/>
+              </a:ext>
+            </a:extLst>
+          </p:cNvPr>
+          <p:cNvSpPr txBox="1"/>
+          <p:nvPr/>
+        </p:nvSpPr>
+        <p:spPr>
+          <a:xfrm>
+            <a:off x="1778001" y="2543663"/>
+            <a:ext cx="3841566" cy="1292662"/>
+          </a:xfrm>
+          <a:prstGeom prst="rect">
+            <a:avLst/>
+          </a:prstGeom>
+          <a:noFill/>
+          <a:ln>
+            <a:noFill/>
+          </a:ln>
+        </p:spPr>
+        <p:txBody>
+          <a:bodyPr wrap="square" rtlCol="0">
+            <a:spAutoFit/>
+          </a:bodyPr>
+          <a:lstStyle/>
+          <a:p>
+            <a:pPr marL="0" marR="0" lvl="0" indent="0" algn="ctr" defTabSz="457200" rtl="0" eaLnBrk="1" fontAlgn="auto" latinLnBrk="0" hangingPunct="1">
+              <a:lnSpc>
+                <a:spcPct val="100000"/>
+              </a:lnSpc>
+              <a:spcBef>
+                <a:spcPts val="0"/>
+              </a:spcBef>
+              <a:spcAft>
+                <a:spcPts val="0"/>
+              </a:spcAft>
+              <a:buClrTx/>
+              <a:buSzTx/>
+              <a:buFontTx/>
+              <a:buNone/>
+              <a:tabLst/>
+              <a:defRPr/>
+            </a:pPr>
+            <a:r>
+              <a:rPr kumimoji="0" lang="en-US" sz="2600" b="0" i="0" u="none" strike="noStrike" kern="1200" cap="none" spc="0" normalizeH="0" baseline="0" noProof="0">
+                <a:ln>
+                  <a:noFill/>
+                </a:ln>
+                <a:solidFill>
+                  <a:srgbClr val="000000"/>
+                </a:solidFill>
+                <a:effectLst/>
+                <a:uLnTx/>
+                <a:uFillTx/>
+                <a:latin typeface="Segoe UI "/>
+                <a:ea typeface="+mn-ea"/>
+                <a:cs typeface="+mn-cs"/>
+              </a:rPr>
+              <a:t>Ensure that artificial general intelligence (AGI) benefits humanity</a:t>
+            </a:r>
+            <a:endParaRPr kumimoji="0" lang="en-US" sz="2600" b="0" i="0" u="none" strike="noStrike" kern="1200" cap="none" spc="0" normalizeH="0" baseline="0" noProof="0">
+              <a:ln>
+                <a:noFill/>
+              </a:ln>
+              <a:solidFill>
+                <a:srgbClr val="000000"/>
+              </a:solidFill>
+              <a:effectLst/>
+              <a:uLnTx/>
+              <a:uFillTx/>
+              <a:latin typeface="Segoe UI"/>
+              <a:ea typeface="+mn-ea"/>
+              <a:cs typeface="+mn-cs"/>
+            </a:endParaRPr>
+          </a:p>
+        </p:txBody>
+      </p:sp>
+      <p:sp>
+        <p:nvSpPr>
+          <p:cNvPr id="46" name="Heart 45">
+            <a:extLst>
+              <a:ext uri="{FF2B5EF4-FFF2-40B4-BE49-F238E27FC236}">
+                <a16:creationId xmlns:a16="http://schemas.microsoft.com/office/drawing/2014/main" id="{CAE0BD4A-3076-7A30-A511-179197FF7C05}"/>
+              </a:ext>
+              <a:ext uri="{C183D7F6-B498-43B3-948B-1728B52AA6E4}">
+                <adec:decorative xmlns:adec="http://schemas.microsoft.com/office/drawing/2017/decorative" val="1"/>
+              </a:ext>
+            </a:extLst>
+          </p:cNvPr>
+          <p:cNvSpPr/>
+          <p:nvPr/>
+        </p:nvSpPr>
+        <p:spPr bwMode="auto">
+          <a:xfrm>
+            <a:off x="5855970" y="2974099"/>
+            <a:ext cx="480060" cy="352524"/>
+          </a:xfrm>
+          <a:prstGeom prst="heart">
+            <a:avLst/>
+          </a:prstGeom>
+          <a:solidFill>
+            <a:schemeClr val="accent1"/>
+          </a:solidFill>
+          <a:effectLst/>
+        </p:spPr>
+        <p:txBody>
+          <a:bodyPr rot="0" spcFirstLastPara="0" vertOverflow="overflow" horzOverflow="overflow" vert="horz" wrap="square" lIns="91440" tIns="45720" rIns="91440" bIns="45720" numCol="1" spcCol="0" rtlCol="0" fromWordArt="0" anchor="t" anchorCtr="0" forceAA="0" compatLnSpc="1">
+            <a:prstTxWarp prst="textNoShape">
+              <a:avLst/>
+            </a:prstTxWarp>
+            <a:noAutofit/>
+          </a:bodyPr>
+          <a:lstStyle/>
+          <a:p>
+            <a:pPr marL="0" marR="0" lvl="0" indent="0" algn="ctr" defTabSz="914400" rtl="0" eaLnBrk="1" fontAlgn="auto" latinLnBrk="0" hangingPunct="1">
+              <a:lnSpc>
+                <a:spcPct val="100000"/>
+              </a:lnSpc>
+              <a:spcBef>
+                <a:spcPts val="0"/>
+              </a:spcBef>
+              <a:spcAft>
+                <a:spcPts val="0"/>
+              </a:spcAft>
+              <a:buClrTx/>
+              <a:buSzTx/>
+              <a:buFontTx/>
+              <a:buNone/>
+              <a:tabLst/>
+              <a:defRPr/>
+            </a:pPr>
+            <a:endParaRPr kumimoji="0" lang="en-AU" sz="2400" b="0" i="0" u="none" strike="noStrike" kern="0" cap="none" spc="0" normalizeH="0" baseline="0" noProof="0">
+              <a:ln>
+                <a:noFill/>
+              </a:ln>
+              <a:gradFill flip="none" rotWithShape="1">
+                <a:gsLst>
+                  <a:gs pos="0">
+                    <a:srgbClr val="000000"/>
+                  </a:gs>
+                  <a:gs pos="100000">
+                    <a:srgbClr val="000000"/>
+                  </a:gs>
+                </a:gsLst>
+                <a:lin ang="2700000" scaled="1"/>
+                <a:tileRect/>
+              </a:gradFill>
+              <a:effectLst/>
+              <a:uLnTx/>
+              <a:uFillTx/>
+              <a:latin typeface="Segoe UI Semibold"/>
+              <a:ea typeface="+mn-ea"/>
+              <a:cs typeface="+mn-cs"/>
+            </a:endParaRPr>
+          </a:p>
+        </p:txBody>
+      </p:sp>
+      <p:pic>
+        <p:nvPicPr>
+          <p:cNvPr id="42" name="MS logo gray - EMF" descr="Microsoft Logo">
+            <a:extLst>
+              <a:ext uri="{FF2B5EF4-FFF2-40B4-BE49-F238E27FC236}">
+                <a16:creationId xmlns:a16="http://schemas.microsoft.com/office/drawing/2014/main" id="{FFE95F7C-AA1B-4440-76CB-D6B45700661F}"/>
+              </a:ext>
+            </a:extLst>
+          </p:cNvPr>
+          <p:cNvPicPr>
+            <a:picLocks noChangeAspect="1"/>
+          </p:cNvPicPr>
+          <p:nvPr/>
+        </p:nvPicPr>
+        <p:blipFill rotWithShape="1">
+          <a:blip r:embed="rId4"/>
+          <a:srcRect l="11942" t="31394" r="29506" b="31394"/>
+          <a:stretch/>
+        </p:blipFill>
+        <p:spPr bwMode="black">
+          <a:xfrm>
+            <a:off x="7188384" y="1732172"/>
+            <a:ext cx="2609666" cy="613666"/>
+          </a:xfrm>
+          <a:prstGeom prst="rect">
+            <a:avLst/>
+          </a:prstGeom>
+        </p:spPr>
+      </p:pic>
+      <p:sp>
+        <p:nvSpPr>
+          <p:cNvPr id="40" name="TextBox 39">
+            <a:extLst>
+              <a:ext uri="{FF2B5EF4-FFF2-40B4-BE49-F238E27FC236}">
+                <a16:creationId xmlns:a16="http://schemas.microsoft.com/office/drawing/2014/main" id="{B998DF7F-8ED4-B783-3DAB-389BB61D9514}"/>
+              </a:ext>
+            </a:extLst>
+          </p:cNvPr>
+          <p:cNvSpPr txBox="1"/>
+          <p:nvPr/>
+        </p:nvSpPr>
+        <p:spPr>
+          <a:xfrm>
+            <a:off x="6572434" y="2543663"/>
+            <a:ext cx="3841566" cy="1292662"/>
+          </a:xfrm>
+          <a:prstGeom prst="rect">
+            <a:avLst/>
+          </a:prstGeom>
+          <a:noFill/>
+          <a:ln>
+            <a:noFill/>
+          </a:ln>
+        </p:spPr>
+        <p:txBody>
+          <a:bodyPr wrap="square" rtlCol="0">
+            <a:spAutoFit/>
+          </a:bodyPr>
+          <a:lstStyle/>
+          <a:p>
+            <a:pPr marL="0" marR="0" lvl="0" indent="0" algn="ctr" defTabSz="457200" rtl="0" eaLnBrk="1" fontAlgn="auto" latinLnBrk="0" hangingPunct="1">
+              <a:lnSpc>
+                <a:spcPct val="100000"/>
+              </a:lnSpc>
+              <a:spcBef>
+                <a:spcPts val="0"/>
+              </a:spcBef>
+              <a:spcAft>
+                <a:spcPts val="0"/>
+              </a:spcAft>
+              <a:buClrTx/>
+              <a:buSzTx/>
+              <a:buFontTx/>
+              <a:buNone/>
+              <a:tabLst/>
+              <a:defRPr/>
+            </a:pPr>
+            <a:r>
+              <a:rPr kumimoji="0" lang="en-US" sz="2600" b="0" i="0" u="none" strike="noStrike" kern="1200" cap="none" spc="0" normalizeH="0" baseline="0" noProof="0">
+                <a:ln>
+                  <a:noFill/>
+                </a:ln>
+                <a:solidFill>
+                  <a:srgbClr val="000000"/>
+                </a:solidFill>
+                <a:effectLst/>
+                <a:uLnTx/>
+                <a:uFillTx/>
+                <a:latin typeface="Segoe UI "/>
+                <a:ea typeface="+mn-ea"/>
+                <a:cs typeface="+mn-cs"/>
+              </a:rPr>
+              <a:t>Empower every person and organization on the planet to achieve more</a:t>
+            </a:r>
+            <a:endParaRPr kumimoji="0" lang="en-US" sz="2600" b="0" i="0" u="none" strike="noStrike" kern="1200" cap="none" spc="0" normalizeH="0" baseline="0" noProof="0">
+              <a:ln>
+                <a:noFill/>
+              </a:ln>
+              <a:solidFill>
+                <a:srgbClr val="000000"/>
+              </a:solidFill>
+              <a:effectLst/>
+              <a:uLnTx/>
+              <a:uFillTx/>
+              <a:latin typeface="Segoe UI"/>
+              <a:ea typeface="+mn-ea"/>
+              <a:cs typeface="+mn-cs"/>
+            </a:endParaRPr>
+          </a:p>
+        </p:txBody>
+      </p:sp>
+      <p:sp>
+        <p:nvSpPr>
+          <p:cNvPr id="60" name="TextBox 59">
+            <a:extLst>
+              <a:ext uri="{FF2B5EF4-FFF2-40B4-BE49-F238E27FC236}">
+                <a16:creationId xmlns:a16="http://schemas.microsoft.com/office/drawing/2014/main" id="{EE7EA105-E7C1-739F-C462-A0A0286C2C98}"/>
+              </a:ext>
+            </a:extLst>
+          </p:cNvPr>
+          <p:cNvSpPr txBox="1"/>
+          <p:nvPr/>
+        </p:nvSpPr>
+        <p:spPr>
+          <a:xfrm>
+            <a:off x="2034062" y="4156594"/>
+            <a:ext cx="8165548" cy="492443"/>
+          </a:xfrm>
+          <a:prstGeom prst="rect">
+            <a:avLst/>
+          </a:prstGeom>
+          <a:noFill/>
+        </p:spPr>
+        <p:txBody>
+          <a:bodyPr wrap="square">
+            <a:spAutoFit/>
+          </a:bodyPr>
+          <a:lstStyle/>
+          <a:p>
+            <a:pPr marL="0" marR="0" lvl="0" indent="0" algn="ctr" defTabSz="914400" rtl="0" eaLnBrk="1" fontAlgn="auto" latinLnBrk="0" hangingPunct="1">
+              <a:lnSpc>
+                <a:spcPct val="100000"/>
+              </a:lnSpc>
+              <a:spcBef>
+                <a:spcPts val="0"/>
+              </a:spcBef>
+              <a:spcAft>
+                <a:spcPts val="0"/>
+              </a:spcAft>
+              <a:buClrTx/>
+              <a:buSzTx/>
+              <a:buFontTx/>
+              <a:buNone/>
+              <a:tabLst/>
+              <a:defRPr/>
+            </a:pPr>
+            <a:r>
+              <a:rPr kumimoji="0" lang="en-US" sz="2600" b="0" i="0" u="none" strike="noStrike" kern="0" cap="none" spc="0" normalizeH="0" baseline="0" noProof="0">
+                <a:ln>
+                  <a:noFill/>
+                </a:ln>
+                <a:solidFill>
+                  <a:srgbClr val="FFFFFF"/>
+                </a:solidFill>
+                <a:effectLst/>
+                <a:uLnTx/>
+                <a:uFillTx/>
+                <a:latin typeface="Segoe UI Semibold"/>
+                <a:ea typeface="+mn-ea"/>
+                <a:cs typeface="+mn-cs"/>
+              </a:rPr>
+              <a:t>Azure OpenAI Service – as of November 15, 2023</a:t>
+            </a:r>
+          </a:p>
+        </p:txBody>
+      </p:sp>
+      <p:sp>
+        <p:nvSpPr>
+          <p:cNvPr id="61" name="Rectangle: Rounded Corners 60">
+            <a:extLst>
+              <a:ext uri="{FF2B5EF4-FFF2-40B4-BE49-F238E27FC236}">
+                <a16:creationId xmlns:a16="http://schemas.microsoft.com/office/drawing/2014/main" id="{3C22B244-27ED-A9A9-DA24-F752F38E1B1D}"/>
+              </a:ext>
+              <a:ext uri="{C183D7F6-B498-43B3-948B-1728B52AA6E4}">
+                <adec:decorative xmlns:adec="http://schemas.microsoft.com/office/drawing/2017/decorative" val="0"/>
+              </a:ext>
+            </a:extLst>
+          </p:cNvPr>
+          <p:cNvSpPr/>
+          <p:nvPr/>
+        </p:nvSpPr>
+        <p:spPr bwMode="auto">
+          <a:xfrm>
+            <a:off x="1061671" y="4995784"/>
+            <a:ext cx="1880319" cy="748015"/>
+          </a:xfrm>
+          <a:prstGeom prst="roundRect">
+            <a:avLst>
+              <a:gd name="adj" fmla="val 7485"/>
+            </a:avLst>
+          </a:prstGeom>
+          <a:solidFill>
+            <a:schemeClr val="accent1">
+              <a:lumMod val="20000"/>
+              <a:lumOff val="80000"/>
+            </a:schemeClr>
+          </a:solidFill>
+          <a:ln>
+            <a:noFill/>
+            <a:headEnd type="none" w="med" len="med"/>
+            <a:tailEnd type="none" w="med" len="med"/>
+          </a:ln>
+          <a:effectLst/>
+        </p:spPr>
+        <p:style>
+          <a:lnRef idx="1">
+            <a:schemeClr val="accent2"/>
+          </a:lnRef>
+          <a:fillRef idx="3">
+            <a:schemeClr val="accent2"/>
+          </a:fillRef>
+          <a:effectRef idx="2">
+            <a:schemeClr val="accent2"/>
+          </a:effectRef>
+          <a:fontRef idx="minor">
+            <a:schemeClr val="lt1"/>
+          </a:fontRef>
+        </p:style>
+        <p:txBody>
+          <a:bodyPr rot="0" spcFirstLastPara="0" vertOverflow="overflow" horzOverflow="overflow" vert="horz" wrap="square" lIns="91440" tIns="91440" rIns="91440" bIns="91440" numCol="1" spcCol="0" rtlCol="0" fromWordArt="0" anchor="ctr" anchorCtr="0" forceAA="0" compatLnSpc="1">
+            <a:prstTxWarp prst="textNoShape">
+              <a:avLst/>
+            </a:prstTxWarp>
+            <a:noAutofit/>
+          </a:bodyPr>
+          <a:lstStyle/>
+          <a:p>
+            <a:pPr algn="ctr" defTabSz="932472" fontAlgn="base">
+              <a:spcBef>
+                <a:spcPct val="0"/>
+              </a:spcBef>
+              <a:spcAft>
+                <a:spcPts val="600"/>
+              </a:spcAft>
+              <a:defRPr/>
+            </a:pPr>
+            <a:r>
+              <a:rPr lang="en-US" sz="1400">
+                <a:solidFill>
+                  <a:srgbClr val="000000"/>
+                </a:solidFill>
+                <a:latin typeface="Segoe UI Semibold"/>
+                <a:cs typeface="Segoe UI"/>
+              </a:rPr>
+              <a:t>GPT-4, GPT-4-Turbo, GPT-3.5-Turbo</a:t>
+            </a:r>
+          </a:p>
+        </p:txBody>
+      </p:sp>
+      <p:sp>
+        <p:nvSpPr>
+          <p:cNvPr id="1028" name="Text Placeholder 4">
+            <a:extLst>
+              <a:ext uri="{FF2B5EF4-FFF2-40B4-BE49-F238E27FC236}">
+                <a16:creationId xmlns:a16="http://schemas.microsoft.com/office/drawing/2014/main" id="{6D5B2FE7-64B5-F89C-8F04-5E4ACE071F1B}"/>
+              </a:ext>
+            </a:extLst>
+          </p:cNvPr>
+          <p:cNvSpPr txBox="1">
+            <a:spLocks/>
+          </p:cNvSpPr>
+          <p:nvPr/>
+        </p:nvSpPr>
+        <p:spPr>
+          <a:xfrm>
+            <a:off x="638731" y="5865831"/>
+            <a:ext cx="2639174" cy="276999"/>
+          </a:xfrm>
+          <a:prstGeom prst="rect">
+            <a:avLst/>
+          </a:prstGeom>
+          <a:noFill/>
+        </p:spPr>
+        <p:txBody>
+          <a:bodyPr vert="horz" wrap="square" lIns="0" tIns="0" rIns="0" bIns="0" rtlCol="0">
+            <a:spAutoFit/>
+          </a:bodyPr>
+          <a:lstStyle>
+            <a:lvl1pPr marL="0" marR="0" indent="0" algn="l" defTabSz="932742" rtl="0" eaLnBrk="1" fontAlgn="auto" latinLnBrk="0" hangingPunct="1">
+              <a:lnSpc>
+                <a:spcPct val="100000"/>
+              </a:lnSpc>
+              <a:spcBef>
+                <a:spcPts val="1800"/>
+              </a:spcBef>
+              <a:spcAft>
+                <a:spcPts val="0"/>
+              </a:spcAft>
+              <a:buClrTx/>
+              <a:buSzPct val="90000"/>
+              <a:buFont typeface="Wingdings" panose="05000000000000000000" pitchFamily="2" charset="2"/>
+              <a:buNone/>
+              <a:tabLst/>
+              <a:defRPr sz="2000" kern="1200" spc="0" baseline="0">
+                <a:solidFill>
+                  <a:schemeClr val="tx1"/>
+                </a:solidFill>
+                <a:latin typeface="+mn-lt"/>
+                <a:ea typeface="+mn-ea"/>
+                <a:cs typeface="Segoe UI" panose="020B0502040204020203" pitchFamily="34" charset="0"/>
+              </a:defRPr>
+            </a:lvl1pPr>
+            <a:lvl2pPr marL="0" marR="0" indent="0" algn="l" defTabSz="932742" rtl="0" eaLnBrk="1" fontAlgn="auto" latinLnBrk="0" hangingPunct="1">
+              <a:lnSpc>
+                <a:spcPct val="100000"/>
+              </a:lnSpc>
+              <a:spcBef>
+                <a:spcPts val="0"/>
+              </a:spcBef>
+              <a:spcAft>
+                <a:spcPts val="600"/>
+              </a:spcAft>
+              <a:buClrTx/>
+              <a:buSzPct val="90000"/>
+              <a:buFont typeface="Wingdings" panose="05000000000000000000" pitchFamily="2" charset="2"/>
+              <a:buNone/>
+              <a:tabLst/>
+              <a:defRPr sz="1800" kern="1200" spc="0" baseline="0">
+                <a:gradFill>
+                  <a:gsLst>
+                    <a:gs pos="1250">
+                      <a:schemeClr val="tx1"/>
+                    </a:gs>
+                    <a:gs pos="100000">
+                      <a:schemeClr val="tx1"/>
+                    </a:gs>
+                  </a:gsLst>
+                  <a:lin ang="5400000" scaled="0"/>
+                </a:gradFill>
+                <a:latin typeface="+mn-lt"/>
+                <a:ea typeface="+mn-ea"/>
+                <a:cs typeface="+mn-cs"/>
+              </a:defRPr>
+            </a:lvl2pPr>
+            <a:lvl3pPr marL="0" marR="0" indent="0" algn="l" defTabSz="932742" rtl="0" eaLnBrk="1" fontAlgn="auto" latinLnBrk="0" hangingPunct="1">
+              <a:lnSpc>
+                <a:spcPct val="100000"/>
+              </a:lnSpc>
+              <a:spcBef>
+                <a:spcPts val="0"/>
+              </a:spcBef>
+              <a:spcAft>
+                <a:spcPts val="600"/>
+              </a:spcAft>
+              <a:buClrTx/>
+              <a:buSzPct val="90000"/>
+              <a:buFont typeface="Wingdings" panose="05000000000000000000" pitchFamily="2" charset="2"/>
+              <a:buNone/>
+              <a:tabLst/>
+              <a:defRPr sz="1600" kern="1200" spc="0" baseline="0">
+                <a:gradFill>
+                  <a:gsLst>
+                    <a:gs pos="1250">
+                      <a:schemeClr val="tx1"/>
+                    </a:gs>
+                    <a:gs pos="100000">
+                      <a:schemeClr val="tx1"/>
+                    </a:gs>
+                  </a:gsLst>
+                  <a:lin ang="5400000" scaled="0"/>
+                </a:gradFill>
+                <a:latin typeface="+mn-lt"/>
+                <a:ea typeface="+mn-ea"/>
+                <a:cs typeface="+mn-cs"/>
+              </a:defRPr>
+            </a:lvl3pPr>
+            <a:lvl4pPr marL="0" marR="0" indent="0" algn="l" defTabSz="932742" rtl="0" eaLnBrk="1" fontAlgn="auto" latinLnBrk="0" hangingPunct="1">
+              <a:lnSpc>
+                <a:spcPct val="100000"/>
+              </a:lnSpc>
+              <a:spcBef>
+                <a:spcPts val="600"/>
+              </a:spcBef>
+              <a:spcAft>
+                <a:spcPts val="600"/>
+              </a:spcAft>
+              <a:buClrTx/>
+              <a:buSzPct val="90000"/>
+              <a:buFont typeface="Wingdings" panose="05000000000000000000" pitchFamily="2" charset="2"/>
+              <a:buNone/>
+              <a:tabLst/>
+              <a:defRPr sz="1400" kern="0" cap="all" spc="100" baseline="0">
+                <a:solidFill>
+                  <a:schemeClr val="accent1">
+                    <a:lumMod val="60000"/>
+                    <a:lumOff val="40000"/>
+                  </a:schemeClr>
+                </a:solidFill>
+                <a:latin typeface="+mn-lt"/>
+                <a:ea typeface="+mn-ea"/>
+                <a:cs typeface="+mn-cs"/>
+              </a:defRPr>
+            </a:lvl4pPr>
+            <a:lvl5pPr marL="0" marR="0" indent="0" algn="l" defTabSz="932742" rtl="0" eaLnBrk="1" fontAlgn="auto" latinLnBrk="0" hangingPunct="1">
+              <a:lnSpc>
+                <a:spcPct val="100000"/>
+              </a:lnSpc>
+              <a:spcBef>
+                <a:spcPts val="0"/>
+              </a:spcBef>
+              <a:spcAft>
+                <a:spcPts val="600"/>
+              </a:spcAft>
+              <a:buClrTx/>
+              <a:buSzPct val="90000"/>
+              <a:buFont typeface="Wingdings" panose="05000000000000000000" pitchFamily="2" charset="2"/>
+              <a:buNone/>
+              <a:tabLst/>
+              <a:defRPr sz="1400" kern="1200" spc="0" baseline="0">
+                <a:gradFill>
+                  <a:gsLst>
+                    <a:gs pos="1250">
+                      <a:schemeClr val="tx1"/>
+                    </a:gs>
+                    <a:gs pos="100000">
+                      <a:schemeClr val="tx1"/>
+                    </a:gs>
+                  </a:gsLst>
+                  <a:lin ang="5400000" scaled="0"/>
+                </a:gradFill>
+                <a:latin typeface="+mn-lt"/>
+                <a:ea typeface="+mn-ea"/>
+                <a:cs typeface="+mn-cs"/>
+              </a:defRPr>
+            </a:lvl5pPr>
+            <a:lvl6pPr marL="2565040" indent="-233186" algn="l" defTabSz="932742" rtl="0" eaLnBrk="1" latinLnBrk="0" hangingPunct="1">
+              <a:spcBef>
+                <a:spcPct val="20000"/>
+              </a:spcBef>
+              <a:buFont typeface="Arial" pitchFamily="34" charset="0"/>
+              <a:buChar char="•"/>
+              <a:defRPr sz="2000" kern="1200">
+                <a:solidFill>
+                  <a:schemeClr val="tx1"/>
+                </a:solidFill>
+                <a:latin typeface="+mn-lt"/>
+                <a:ea typeface="+mn-ea"/>
+                <a:cs typeface="+mn-cs"/>
+              </a:defRPr>
+            </a:lvl6pPr>
+            <a:lvl7pPr marL="3031412" indent="-233186" algn="l" defTabSz="932742" rtl="0" eaLnBrk="1" latinLnBrk="0" hangingPunct="1">
+              <a:spcBef>
+                <a:spcPct val="20000"/>
+              </a:spcBef>
+              <a:buFont typeface="Arial" pitchFamily="34" charset="0"/>
+              <a:buChar char="•"/>
+              <a:defRPr sz="2000" kern="1200">
+                <a:solidFill>
+                  <a:schemeClr val="tx1"/>
+                </a:solidFill>
+                <a:latin typeface="+mn-lt"/>
+                <a:ea typeface="+mn-ea"/>
+                <a:cs typeface="+mn-cs"/>
+              </a:defRPr>
+            </a:lvl7pPr>
+            <a:lvl8pPr marL="3497783" indent="-233186" algn="l" defTabSz="932742" rtl="0" eaLnBrk="1" latinLnBrk="0" hangingPunct="1">
+              <a:spcBef>
+                <a:spcPct val="20000"/>
+              </a:spcBef>
+              <a:buFont typeface="Arial" pitchFamily="34" charset="0"/>
+              <a:buChar char="•"/>
+              <a:defRPr sz="2000" kern="1200">
+                <a:solidFill>
+                  <a:schemeClr val="tx1"/>
+                </a:solidFill>
+                <a:latin typeface="+mn-lt"/>
+                <a:ea typeface="+mn-ea"/>
+                <a:cs typeface="+mn-cs"/>
+              </a:defRPr>
+            </a:lvl8pPr>
+            <a:lvl9pPr marL="3964155" indent="-233186" algn="l" defTabSz="932742" rtl="0" eaLnBrk="1" latinLnBrk="0" hangingPunct="1">
+              <a:spcBef>
+                <a:spcPct val="20000"/>
+              </a:spcBef>
+              <a:buFont typeface="Arial" pitchFamily="34" charset="0"/>
+              <a:buChar char="•"/>
+              <a:defRPr sz="2000" kern="1200">
+                <a:solidFill>
+                  <a:schemeClr val="tx1"/>
+                </a:solidFill>
+                <a:latin typeface="+mn-lt"/>
+                <a:ea typeface="+mn-ea"/>
+                <a:cs typeface="+mn-cs"/>
+              </a:defRPr>
+            </a:lvl9pPr>
+          </a:lstStyle>
+          <a:p>
+            <a:pPr marL="0" marR="0" lvl="0" indent="0" algn="ctr" defTabSz="932742" rtl="0" eaLnBrk="1" fontAlgn="auto" latinLnBrk="0" hangingPunct="1">
+              <a:lnSpc>
+                <a:spcPct val="100000"/>
+              </a:lnSpc>
+              <a:spcBef>
+                <a:spcPts val="1800"/>
+              </a:spcBef>
+              <a:spcAft>
+                <a:spcPts val="0"/>
+              </a:spcAft>
+              <a:buClrTx/>
+              <a:buSzPct val="90000"/>
+              <a:buFont typeface="Wingdings" panose="05000000000000000000" pitchFamily="2" charset="2"/>
+              <a:buNone/>
+              <a:tabLst/>
+              <a:defRPr/>
+            </a:pPr>
+            <a:r>
+              <a:rPr kumimoji="0" lang="en-US" sz="1800" b="0" i="0" u="none" strike="noStrike" kern="1200" cap="none" spc="0" normalizeH="0" baseline="0" noProof="0">
+                <a:ln>
+                  <a:noFill/>
+                </a:ln>
+                <a:solidFill>
+                  <a:srgbClr val="000000"/>
+                </a:solidFill>
+                <a:effectLst/>
+                <a:uLnTx/>
+                <a:uFillTx/>
+                <a:latin typeface="Roboto Mono" panose="020B0604020202020204" pitchFamily="49" charset="0"/>
+                <a:ea typeface="+mn-ea"/>
+                <a:cs typeface="Segoe UI" panose="020B0502040204020203" pitchFamily="34" charset="0"/>
+              </a:rPr>
+              <a:t>Language</a:t>
+            </a:r>
+            <a:endParaRPr kumimoji="0" lang="en-US" sz="1800" b="0" i="0" u="none" strike="noStrike" kern="1200" cap="none" spc="0" normalizeH="0" baseline="0" noProof="0">
+              <a:ln>
+                <a:noFill/>
+              </a:ln>
+              <a:solidFill>
+                <a:srgbClr val="000000"/>
+              </a:solidFill>
+              <a:effectLst/>
+              <a:uLnTx/>
+              <a:uFillTx/>
+              <a:latin typeface="Segoe UI"/>
+              <a:ea typeface="+mn-ea"/>
+              <a:cs typeface="Segoe UI" panose="020B0502040204020203" pitchFamily="34" charset="0"/>
+            </a:endParaRPr>
+          </a:p>
+        </p:txBody>
+      </p:sp>
+      <p:sp>
+        <p:nvSpPr>
+          <p:cNvPr id="62" name="Rectangle: Rounded Corners 61">
+            <a:extLst>
+              <a:ext uri="{FF2B5EF4-FFF2-40B4-BE49-F238E27FC236}">
+                <a16:creationId xmlns:a16="http://schemas.microsoft.com/office/drawing/2014/main" id="{85888B26-59E1-80C1-0971-50B3D8C7B654}"/>
+              </a:ext>
+              <a:ext uri="{C183D7F6-B498-43B3-948B-1728B52AA6E4}">
+                <adec:decorative xmlns:adec="http://schemas.microsoft.com/office/drawing/2017/decorative" val="0"/>
+              </a:ext>
+            </a:extLst>
+          </p:cNvPr>
+          <p:cNvSpPr/>
+          <p:nvPr/>
+        </p:nvSpPr>
+        <p:spPr bwMode="auto">
+          <a:xfrm>
+            <a:off x="3123056" y="4995784"/>
+            <a:ext cx="1880319" cy="748015"/>
+          </a:xfrm>
+          <a:prstGeom prst="roundRect">
+            <a:avLst>
+              <a:gd name="adj" fmla="val 7485"/>
+            </a:avLst>
+          </a:prstGeom>
+          <a:solidFill>
+            <a:schemeClr val="accent1">
+              <a:lumMod val="20000"/>
+              <a:lumOff val="80000"/>
+            </a:schemeClr>
+          </a:solidFill>
+          <a:ln>
+            <a:noFill/>
+            <a:headEnd type="none" w="med" len="med"/>
+            <a:tailEnd type="none" w="med" len="med"/>
+          </a:ln>
+          <a:effectLst/>
+        </p:spPr>
+        <p:style>
+          <a:lnRef idx="1">
+            <a:schemeClr val="accent2"/>
+          </a:lnRef>
+          <a:fillRef idx="3">
+            <a:schemeClr val="accent2"/>
+          </a:fillRef>
+          <a:effectRef idx="2">
+            <a:schemeClr val="accent2"/>
+          </a:effectRef>
+          <a:fontRef idx="minor">
+            <a:schemeClr val="lt1"/>
+          </a:fontRef>
+        </p:style>
+        <p:txBody>
+          <a:bodyPr rot="0" spcFirstLastPara="0" vertOverflow="overflow" horzOverflow="overflow" vert="horz" wrap="square" lIns="91440" tIns="91440" rIns="91440" bIns="91440" numCol="1" spcCol="0" rtlCol="0" fromWordArt="0" anchor="ctr" anchorCtr="0" forceAA="0" compatLnSpc="1">
+            <a:prstTxWarp prst="textNoShape">
+              <a:avLst/>
+            </a:prstTxWarp>
+            <a:noAutofit/>
+          </a:bodyPr>
+          <a:lstStyle/>
+          <a:p>
+            <a:pPr algn="ctr" defTabSz="932472" fontAlgn="base">
+              <a:spcBef>
+                <a:spcPct val="0"/>
+              </a:spcBef>
+              <a:spcAft>
+                <a:spcPts val="600"/>
+              </a:spcAft>
+              <a:defRPr/>
+            </a:pPr>
+            <a:r>
+              <a:rPr lang="en-US" sz="2000">
+                <a:solidFill>
+                  <a:srgbClr val="000000"/>
+                </a:solidFill>
+                <a:latin typeface="Segoe UI Semibold"/>
+                <a:cs typeface="Segoe UI"/>
+              </a:rPr>
+              <a:t>GPT-4-Turbo with</a:t>
+            </a:r>
+            <a:r>
+              <a:rPr kumimoji="0" lang="en-US" sz="2000" b="0" i="0" u="none" strike="noStrike" kern="1200" cap="none" spc="0" normalizeH="0" baseline="0" noProof="0">
+                <a:ln>
+                  <a:noFill/>
+                </a:ln>
+                <a:solidFill>
+                  <a:srgbClr val="000000"/>
+                </a:solidFill>
+                <a:effectLst/>
+                <a:uLnTx/>
+                <a:uFillTx/>
+                <a:latin typeface="Segoe UI Semibold"/>
+                <a:ea typeface="+mn-ea"/>
+                <a:cs typeface="Segoe UI"/>
+              </a:rPr>
+              <a:t> Vision</a:t>
+            </a:r>
+          </a:p>
+        </p:txBody>
+      </p:sp>
+      <p:sp>
+        <p:nvSpPr>
+          <p:cNvPr id="1029" name="Text Placeholder 4">
+            <a:extLst>
+              <a:ext uri="{FF2B5EF4-FFF2-40B4-BE49-F238E27FC236}">
+                <a16:creationId xmlns:a16="http://schemas.microsoft.com/office/drawing/2014/main" id="{DC58E4B1-DA17-4582-91B0-F5C43357EA3A}"/>
+              </a:ext>
+            </a:extLst>
+          </p:cNvPr>
+          <p:cNvSpPr txBox="1">
+            <a:spLocks/>
+          </p:cNvSpPr>
+          <p:nvPr/>
+        </p:nvSpPr>
+        <p:spPr>
+          <a:xfrm>
+            <a:off x="2677716" y="5898675"/>
+            <a:ext cx="2639174" cy="246221"/>
+          </a:xfrm>
+          <a:prstGeom prst="rect">
+            <a:avLst/>
+          </a:prstGeom>
+          <a:noFill/>
+        </p:spPr>
+        <p:txBody>
+          <a:bodyPr vert="horz" wrap="square" lIns="0" tIns="0" rIns="0" bIns="0" rtlCol="0">
+            <a:spAutoFit/>
+          </a:bodyPr>
+          <a:lstStyle>
+            <a:lvl1pPr marL="0" marR="0" indent="0" algn="l" defTabSz="932742" rtl="0" eaLnBrk="1" fontAlgn="auto" latinLnBrk="0" hangingPunct="1">
+              <a:lnSpc>
+                <a:spcPct val="100000"/>
+              </a:lnSpc>
+              <a:spcBef>
+                <a:spcPts val="1800"/>
+              </a:spcBef>
+              <a:spcAft>
+                <a:spcPts val="0"/>
+              </a:spcAft>
+              <a:buClrTx/>
+              <a:buSzPct val="90000"/>
+              <a:buFont typeface="Wingdings" panose="05000000000000000000" pitchFamily="2" charset="2"/>
+              <a:buNone/>
+              <a:tabLst/>
+              <a:defRPr sz="2000" kern="1200" spc="0" baseline="0">
+                <a:solidFill>
+                  <a:schemeClr val="tx1"/>
+                </a:solidFill>
+                <a:latin typeface="+mn-lt"/>
+                <a:ea typeface="+mn-ea"/>
+                <a:cs typeface="Segoe UI" panose="020B0502040204020203" pitchFamily="34" charset="0"/>
+              </a:defRPr>
+            </a:lvl1pPr>
+            <a:lvl2pPr marL="0" marR="0" indent="0" algn="l" defTabSz="932742" rtl="0" eaLnBrk="1" fontAlgn="auto" latinLnBrk="0" hangingPunct="1">
+              <a:lnSpc>
+                <a:spcPct val="100000"/>
+              </a:lnSpc>
+              <a:spcBef>
+                <a:spcPts val="0"/>
+              </a:spcBef>
+              <a:spcAft>
+                <a:spcPts val="600"/>
+              </a:spcAft>
+              <a:buClrTx/>
+              <a:buSzPct val="90000"/>
+              <a:buFont typeface="Wingdings" panose="05000000000000000000" pitchFamily="2" charset="2"/>
+              <a:buNone/>
+              <a:tabLst/>
+              <a:defRPr sz="1800" kern="1200" spc="0" baseline="0">
+                <a:gradFill>
+                  <a:gsLst>
+                    <a:gs pos="1250">
+                      <a:schemeClr val="tx1"/>
+                    </a:gs>
+                    <a:gs pos="100000">
+                      <a:schemeClr val="tx1"/>
+                    </a:gs>
+                  </a:gsLst>
+                  <a:lin ang="5400000" scaled="0"/>
+                </a:gradFill>
+                <a:latin typeface="+mn-lt"/>
+                <a:ea typeface="+mn-ea"/>
+                <a:cs typeface="+mn-cs"/>
+              </a:defRPr>
+            </a:lvl2pPr>
+            <a:lvl3pPr marL="0" marR="0" indent="0" algn="l" defTabSz="932742" rtl="0" eaLnBrk="1" fontAlgn="auto" latinLnBrk="0" hangingPunct="1">
+              <a:lnSpc>
+                <a:spcPct val="100000"/>
+              </a:lnSpc>
+              <a:spcBef>
+                <a:spcPts val="0"/>
+              </a:spcBef>
+              <a:spcAft>
+                <a:spcPts val="600"/>
+              </a:spcAft>
+              <a:buClrTx/>
+              <a:buSzPct val="90000"/>
+              <a:buFont typeface="Wingdings" panose="05000000000000000000" pitchFamily="2" charset="2"/>
+              <a:buNone/>
+              <a:tabLst/>
+              <a:defRPr sz="1600" kern="1200" spc="0" baseline="0">
+                <a:gradFill>
+                  <a:gsLst>
+                    <a:gs pos="1250">
+                      <a:schemeClr val="tx1"/>
+                    </a:gs>
+                    <a:gs pos="100000">
+                      <a:schemeClr val="tx1"/>
+                    </a:gs>
+                  </a:gsLst>
+                  <a:lin ang="5400000" scaled="0"/>
+                </a:gradFill>
+                <a:latin typeface="+mn-lt"/>
+                <a:ea typeface="+mn-ea"/>
+                <a:cs typeface="+mn-cs"/>
+              </a:defRPr>
+            </a:lvl3pPr>
+            <a:lvl4pPr marL="0" marR="0" indent="0" algn="l" defTabSz="932742" rtl="0" eaLnBrk="1" fontAlgn="auto" latinLnBrk="0" hangingPunct="1">
+              <a:lnSpc>
+                <a:spcPct val="100000"/>
+              </a:lnSpc>
+              <a:spcBef>
+                <a:spcPts val="600"/>
+              </a:spcBef>
+              <a:spcAft>
+                <a:spcPts val="600"/>
+              </a:spcAft>
+              <a:buClrTx/>
+              <a:buSzPct val="90000"/>
+              <a:buFont typeface="Wingdings" panose="05000000000000000000" pitchFamily="2" charset="2"/>
+              <a:buNone/>
+              <a:tabLst/>
+              <a:defRPr sz="1400" kern="0" cap="all" spc="100" baseline="0">
+                <a:solidFill>
+                  <a:schemeClr val="accent1">
+                    <a:lumMod val="60000"/>
+                    <a:lumOff val="40000"/>
+                  </a:schemeClr>
+                </a:solidFill>
+                <a:latin typeface="+mn-lt"/>
+                <a:ea typeface="+mn-ea"/>
+                <a:cs typeface="+mn-cs"/>
+              </a:defRPr>
+            </a:lvl4pPr>
+            <a:lvl5pPr marL="0" marR="0" indent="0" algn="l" defTabSz="932742" rtl="0" eaLnBrk="1" fontAlgn="auto" latinLnBrk="0" hangingPunct="1">
+              <a:lnSpc>
+                <a:spcPct val="100000"/>
+              </a:lnSpc>
+              <a:spcBef>
+                <a:spcPts val="0"/>
+              </a:spcBef>
+              <a:spcAft>
+                <a:spcPts val="600"/>
+              </a:spcAft>
+              <a:buClrTx/>
+              <a:buSzPct val="90000"/>
+              <a:buFont typeface="Wingdings" panose="05000000000000000000" pitchFamily="2" charset="2"/>
+              <a:buNone/>
+              <a:tabLst/>
+              <a:defRPr sz="1400" kern="1200" spc="0" baseline="0">
+                <a:gradFill>
+                  <a:gsLst>
+                    <a:gs pos="1250">
+                      <a:schemeClr val="tx1"/>
+                    </a:gs>
+                    <a:gs pos="100000">
+                      <a:schemeClr val="tx1"/>
+                    </a:gs>
+                  </a:gsLst>
+                  <a:lin ang="5400000" scaled="0"/>
+                </a:gradFill>
+                <a:latin typeface="+mn-lt"/>
+                <a:ea typeface="+mn-ea"/>
+                <a:cs typeface="+mn-cs"/>
+              </a:defRPr>
+            </a:lvl5pPr>
+            <a:lvl6pPr marL="2565040" indent="-233186" algn="l" defTabSz="932742" rtl="0" eaLnBrk="1" latinLnBrk="0" hangingPunct="1">
+              <a:spcBef>
+                <a:spcPct val="20000"/>
+              </a:spcBef>
+              <a:buFont typeface="Arial" pitchFamily="34" charset="0"/>
+              <a:buChar char="•"/>
+              <a:defRPr sz="2000" kern="1200">
+                <a:solidFill>
+                  <a:schemeClr val="tx1"/>
+                </a:solidFill>
+                <a:latin typeface="+mn-lt"/>
+                <a:ea typeface="+mn-ea"/>
+                <a:cs typeface="+mn-cs"/>
+              </a:defRPr>
+            </a:lvl6pPr>
+            <a:lvl7pPr marL="3031412" indent="-233186" algn="l" defTabSz="932742" rtl="0" eaLnBrk="1" latinLnBrk="0" hangingPunct="1">
+              <a:spcBef>
+                <a:spcPct val="20000"/>
+              </a:spcBef>
+              <a:buFont typeface="Arial" pitchFamily="34" charset="0"/>
+              <a:buChar char="•"/>
+              <a:defRPr sz="2000" kern="1200">
+                <a:solidFill>
+                  <a:schemeClr val="tx1"/>
+                </a:solidFill>
+                <a:latin typeface="+mn-lt"/>
+                <a:ea typeface="+mn-ea"/>
+                <a:cs typeface="+mn-cs"/>
+              </a:defRPr>
+            </a:lvl7pPr>
+            <a:lvl8pPr marL="3497783" indent="-233186" algn="l" defTabSz="932742" rtl="0" eaLnBrk="1" latinLnBrk="0" hangingPunct="1">
+              <a:spcBef>
+                <a:spcPct val="20000"/>
+              </a:spcBef>
+              <a:buFont typeface="Arial" pitchFamily="34" charset="0"/>
+              <a:buChar char="•"/>
+              <a:defRPr sz="2000" kern="1200">
+                <a:solidFill>
+                  <a:schemeClr val="tx1"/>
+                </a:solidFill>
+                <a:latin typeface="+mn-lt"/>
+                <a:ea typeface="+mn-ea"/>
+                <a:cs typeface="+mn-cs"/>
+              </a:defRPr>
+            </a:lvl8pPr>
+            <a:lvl9pPr marL="3964155" indent="-233186" algn="l" defTabSz="932742" rtl="0" eaLnBrk="1" latinLnBrk="0" hangingPunct="1">
+              <a:spcBef>
+                <a:spcPct val="20000"/>
+              </a:spcBef>
+              <a:buFont typeface="Arial" pitchFamily="34" charset="0"/>
+              <a:buChar char="•"/>
+              <a:defRPr sz="2000" kern="1200">
+                <a:solidFill>
+                  <a:schemeClr val="tx1"/>
+                </a:solidFill>
+                <a:latin typeface="+mn-lt"/>
+                <a:ea typeface="+mn-ea"/>
+                <a:cs typeface="+mn-cs"/>
+              </a:defRPr>
+            </a:lvl9pPr>
+          </a:lstStyle>
+          <a:p>
+            <a:pPr marL="0" marR="0" lvl="0" indent="0" algn="ctr" defTabSz="932742" rtl="0" eaLnBrk="1" fontAlgn="auto" latinLnBrk="0" hangingPunct="1">
+              <a:lnSpc>
+                <a:spcPct val="100000"/>
+              </a:lnSpc>
+              <a:spcBef>
+                <a:spcPts val="1800"/>
+              </a:spcBef>
+              <a:spcAft>
+                <a:spcPts val="0"/>
+              </a:spcAft>
+              <a:buClrTx/>
+              <a:buSzPct val="90000"/>
+              <a:buFont typeface="Wingdings" panose="05000000000000000000" pitchFamily="2" charset="2"/>
+              <a:buNone/>
+              <a:tabLst/>
+              <a:defRPr/>
+            </a:pPr>
+            <a:r>
+              <a:rPr kumimoji="0" lang="en-US" sz="1600" b="0" i="0" u="none" strike="noStrike" kern="1200" cap="none" spc="0" normalizeH="0" baseline="0" noProof="0">
+                <a:ln>
+                  <a:noFill/>
+                </a:ln>
+                <a:solidFill>
+                  <a:srgbClr val="000000"/>
+                </a:solidFill>
+                <a:effectLst/>
+                <a:uLnTx/>
+                <a:uFillTx/>
+                <a:latin typeface="Roboto Mono" panose="020B0604020202020204" pitchFamily="49" charset="0"/>
+                <a:ea typeface="+mn-ea"/>
+                <a:cs typeface="Segoe UI" panose="020B0502040204020203" pitchFamily="34" charset="0"/>
+              </a:rPr>
+              <a:t>Multi-Modal</a:t>
+            </a:r>
+            <a:endParaRPr kumimoji="0" lang="en-US" sz="1600" b="0" i="0" u="none" strike="noStrike" kern="1200" cap="none" spc="0" normalizeH="0" baseline="0" noProof="0">
+              <a:ln>
+                <a:noFill/>
+              </a:ln>
+              <a:solidFill>
+                <a:srgbClr val="000000"/>
+              </a:solidFill>
+              <a:effectLst/>
+              <a:uLnTx/>
+              <a:uFillTx/>
+              <a:latin typeface="Segoe UI"/>
+              <a:ea typeface="+mn-ea"/>
+              <a:cs typeface="Segoe UI" panose="020B0502040204020203" pitchFamily="34" charset="0"/>
+            </a:endParaRPr>
+          </a:p>
+        </p:txBody>
+      </p:sp>
+      <p:sp>
+        <p:nvSpPr>
+          <p:cNvPr id="63" name="Rectangle: Rounded Corners 62">
+            <a:extLst>
+              <a:ext uri="{FF2B5EF4-FFF2-40B4-BE49-F238E27FC236}">
+                <a16:creationId xmlns:a16="http://schemas.microsoft.com/office/drawing/2014/main" id="{348E16A2-76AF-689D-187F-E16A90A41973}"/>
+              </a:ext>
+              <a:ext uri="{C183D7F6-B498-43B3-948B-1728B52AA6E4}">
+                <adec:decorative xmlns:adec="http://schemas.microsoft.com/office/drawing/2017/decorative" val="0"/>
+              </a:ext>
+            </a:extLst>
+          </p:cNvPr>
+          <p:cNvSpPr/>
+          <p:nvPr/>
+        </p:nvSpPr>
+        <p:spPr bwMode="auto">
+          <a:xfrm>
+            <a:off x="7272386" y="5007605"/>
+            <a:ext cx="1880319" cy="748015"/>
+          </a:xfrm>
+          <a:prstGeom prst="roundRect">
+            <a:avLst>
+              <a:gd name="adj" fmla="val 7485"/>
+            </a:avLst>
+          </a:prstGeom>
+          <a:solidFill>
+            <a:schemeClr val="accent1">
+              <a:lumMod val="20000"/>
+              <a:lumOff val="80000"/>
+            </a:schemeClr>
+          </a:solidFill>
+          <a:ln>
+            <a:noFill/>
+            <a:headEnd type="none" w="med" len="med"/>
+            <a:tailEnd type="none" w="med" len="med"/>
+          </a:ln>
+          <a:effectLst/>
+        </p:spPr>
+        <p:style>
+          <a:lnRef idx="1">
+            <a:schemeClr val="accent2"/>
+          </a:lnRef>
+          <a:fillRef idx="3">
+            <a:schemeClr val="accent2"/>
+          </a:fillRef>
+          <a:effectRef idx="2">
+            <a:schemeClr val="accent2"/>
+          </a:effectRef>
+          <a:fontRef idx="minor">
+            <a:schemeClr val="lt1"/>
+          </a:fontRef>
+        </p:style>
+        <p:txBody>
+          <a:bodyPr rot="0" spcFirstLastPara="0" vertOverflow="overflow" horzOverflow="overflow" vert="horz" wrap="square" lIns="91440" tIns="91440" rIns="91440" bIns="91440" numCol="1" spcCol="0" rtlCol="0" fromWordArt="0" anchor="ctr" anchorCtr="0" forceAA="0" compatLnSpc="1">
+            <a:prstTxWarp prst="textNoShape">
+              <a:avLst/>
+            </a:prstTxWarp>
+            <a:noAutofit/>
+          </a:bodyPr>
+          <a:lstStyle/>
+          <a:p>
+            <a:pPr marL="0" marR="0" lvl="0" indent="0" algn="ctr" defTabSz="932472" rtl="0" eaLnBrk="1" fontAlgn="base" latinLnBrk="0" hangingPunct="1">
+              <a:lnSpc>
+                <a:spcPct val="100000"/>
+              </a:lnSpc>
+              <a:spcBef>
+                <a:spcPct val="0"/>
+              </a:spcBef>
+              <a:spcAft>
+                <a:spcPts val="600"/>
+              </a:spcAft>
+              <a:buClrTx/>
+              <a:buSzTx/>
+              <a:buFontTx/>
+              <a:buNone/>
+              <a:tabLst/>
+              <a:defRPr/>
+            </a:pPr>
+            <a:r>
+              <a:rPr kumimoji="0" lang="en-US" sz="2000" b="0" i="0" u="none" strike="noStrike" kern="1200" cap="none" spc="0" normalizeH="0" baseline="0" noProof="0">
+                <a:ln>
+                  <a:noFill/>
+                </a:ln>
+                <a:solidFill>
+                  <a:srgbClr val="000000"/>
+                </a:solidFill>
+                <a:effectLst/>
+                <a:uLnTx/>
+                <a:uFillTx/>
+                <a:latin typeface="Segoe UI Semibold"/>
+                <a:ea typeface="+mn-ea"/>
+                <a:cs typeface="Segoe UI" pitchFamily="34" charset="0"/>
+              </a:rPr>
+              <a:t>DALL·E 3</a:t>
+            </a:r>
+          </a:p>
+        </p:txBody>
+      </p:sp>
+      <p:sp>
+        <p:nvSpPr>
+          <p:cNvPr id="1030" name="Text Placeholder 4">
+            <a:extLst>
+              <a:ext uri="{FF2B5EF4-FFF2-40B4-BE49-F238E27FC236}">
+                <a16:creationId xmlns:a16="http://schemas.microsoft.com/office/drawing/2014/main" id="{C9E49184-F038-6BAD-4041-4D7EB73D593E}"/>
+              </a:ext>
+            </a:extLst>
+          </p:cNvPr>
+          <p:cNvSpPr txBox="1">
+            <a:spLocks/>
+          </p:cNvSpPr>
+          <p:nvPr/>
+        </p:nvSpPr>
+        <p:spPr>
+          <a:xfrm>
+            <a:off x="6892958" y="5864663"/>
+            <a:ext cx="2639174" cy="276999"/>
+          </a:xfrm>
+          <a:prstGeom prst="rect">
+            <a:avLst/>
+          </a:prstGeom>
+          <a:noFill/>
+        </p:spPr>
+        <p:txBody>
+          <a:bodyPr vert="horz" wrap="square" lIns="0" tIns="0" rIns="0" bIns="0" rtlCol="0">
+            <a:spAutoFit/>
+          </a:bodyPr>
+          <a:lstStyle>
+            <a:lvl1pPr marL="0" marR="0" indent="0" algn="l" defTabSz="932742" rtl="0" eaLnBrk="1" fontAlgn="auto" latinLnBrk="0" hangingPunct="1">
+              <a:lnSpc>
+                <a:spcPct val="100000"/>
+              </a:lnSpc>
+              <a:spcBef>
+                <a:spcPts val="1800"/>
+              </a:spcBef>
+              <a:spcAft>
+                <a:spcPts val="0"/>
+              </a:spcAft>
+              <a:buClrTx/>
+              <a:buSzPct val="90000"/>
+              <a:buFont typeface="Wingdings" panose="05000000000000000000" pitchFamily="2" charset="2"/>
+              <a:buNone/>
+              <a:tabLst/>
+              <a:defRPr sz="2000" kern="1200" spc="0" baseline="0">
+                <a:solidFill>
+                  <a:schemeClr val="tx1"/>
+                </a:solidFill>
+                <a:latin typeface="+mn-lt"/>
+                <a:ea typeface="+mn-ea"/>
+                <a:cs typeface="Segoe UI" panose="020B0502040204020203" pitchFamily="34" charset="0"/>
+              </a:defRPr>
+            </a:lvl1pPr>
+            <a:lvl2pPr marL="0" marR="0" indent="0" algn="l" defTabSz="932742" rtl="0" eaLnBrk="1" fontAlgn="auto" latinLnBrk="0" hangingPunct="1">
+              <a:lnSpc>
+                <a:spcPct val="100000"/>
+              </a:lnSpc>
+              <a:spcBef>
+                <a:spcPts val="0"/>
+              </a:spcBef>
+              <a:spcAft>
+                <a:spcPts val="600"/>
+              </a:spcAft>
+              <a:buClrTx/>
+              <a:buSzPct val="90000"/>
+              <a:buFont typeface="Wingdings" panose="05000000000000000000" pitchFamily="2" charset="2"/>
+              <a:buNone/>
+              <a:tabLst/>
+              <a:defRPr sz="1800" kern="1200" spc="0" baseline="0">
+                <a:gradFill>
+                  <a:gsLst>
+                    <a:gs pos="1250">
+                      <a:schemeClr val="tx1"/>
+                    </a:gs>
+                    <a:gs pos="100000">
+                      <a:schemeClr val="tx1"/>
+                    </a:gs>
+                  </a:gsLst>
+                  <a:lin ang="5400000" scaled="0"/>
+                </a:gradFill>
+                <a:latin typeface="+mn-lt"/>
+                <a:ea typeface="+mn-ea"/>
+                <a:cs typeface="+mn-cs"/>
+              </a:defRPr>
+            </a:lvl2pPr>
+            <a:lvl3pPr marL="0" marR="0" indent="0" algn="l" defTabSz="932742" rtl="0" eaLnBrk="1" fontAlgn="auto" latinLnBrk="0" hangingPunct="1">
+              <a:lnSpc>
+                <a:spcPct val="100000"/>
+              </a:lnSpc>
+              <a:spcBef>
+                <a:spcPts val="0"/>
+              </a:spcBef>
+              <a:spcAft>
+                <a:spcPts val="600"/>
+              </a:spcAft>
+              <a:buClrTx/>
+              <a:buSzPct val="90000"/>
+              <a:buFont typeface="Wingdings" panose="05000000000000000000" pitchFamily="2" charset="2"/>
+              <a:buNone/>
+              <a:tabLst/>
+              <a:defRPr sz="1600" kern="1200" spc="0" baseline="0">
+                <a:gradFill>
+                  <a:gsLst>
+                    <a:gs pos="1250">
+                      <a:schemeClr val="tx1"/>
+                    </a:gs>
+                    <a:gs pos="100000">
+                      <a:schemeClr val="tx1"/>
+                    </a:gs>
+                  </a:gsLst>
+                  <a:lin ang="5400000" scaled="0"/>
+                </a:gradFill>
+                <a:latin typeface="+mn-lt"/>
+                <a:ea typeface="+mn-ea"/>
+                <a:cs typeface="+mn-cs"/>
+              </a:defRPr>
+            </a:lvl3pPr>
+            <a:lvl4pPr marL="0" marR="0" indent="0" algn="l" defTabSz="932742" rtl="0" eaLnBrk="1" fontAlgn="auto" latinLnBrk="0" hangingPunct="1">
+              <a:lnSpc>
+                <a:spcPct val="100000"/>
+              </a:lnSpc>
+              <a:spcBef>
+                <a:spcPts val="600"/>
+              </a:spcBef>
+              <a:spcAft>
+                <a:spcPts val="600"/>
+              </a:spcAft>
+              <a:buClrTx/>
+              <a:buSzPct val="90000"/>
+              <a:buFont typeface="Wingdings" panose="05000000000000000000" pitchFamily="2" charset="2"/>
+              <a:buNone/>
+              <a:tabLst/>
+              <a:defRPr sz="1400" kern="0" cap="all" spc="100" baseline="0">
+                <a:solidFill>
+                  <a:schemeClr val="accent1">
+                    <a:lumMod val="60000"/>
+                    <a:lumOff val="40000"/>
+                  </a:schemeClr>
+                </a:solidFill>
+                <a:latin typeface="+mn-lt"/>
+                <a:ea typeface="+mn-ea"/>
+                <a:cs typeface="+mn-cs"/>
+              </a:defRPr>
+            </a:lvl4pPr>
+            <a:lvl5pPr marL="0" marR="0" indent="0" algn="l" defTabSz="932742" rtl="0" eaLnBrk="1" fontAlgn="auto" latinLnBrk="0" hangingPunct="1">
+              <a:lnSpc>
+                <a:spcPct val="100000"/>
+              </a:lnSpc>
+              <a:spcBef>
+                <a:spcPts val="0"/>
+              </a:spcBef>
+              <a:spcAft>
+                <a:spcPts val="600"/>
+              </a:spcAft>
+              <a:buClrTx/>
+              <a:buSzPct val="90000"/>
+              <a:buFont typeface="Wingdings" panose="05000000000000000000" pitchFamily="2" charset="2"/>
+              <a:buNone/>
+              <a:tabLst/>
+              <a:defRPr sz="1400" kern="1200" spc="0" baseline="0">
+                <a:gradFill>
+                  <a:gsLst>
+                    <a:gs pos="1250">
+                      <a:schemeClr val="tx1"/>
+                    </a:gs>
+                    <a:gs pos="100000">
+                      <a:schemeClr val="tx1"/>
+                    </a:gs>
+                  </a:gsLst>
+                  <a:lin ang="5400000" scaled="0"/>
+                </a:gradFill>
+                <a:latin typeface="+mn-lt"/>
+                <a:ea typeface="+mn-ea"/>
+                <a:cs typeface="+mn-cs"/>
+              </a:defRPr>
+            </a:lvl5pPr>
+            <a:lvl6pPr marL="2565040" indent="-233186" algn="l" defTabSz="932742" rtl="0" eaLnBrk="1" latinLnBrk="0" hangingPunct="1">
+              <a:spcBef>
+                <a:spcPct val="20000"/>
+              </a:spcBef>
+              <a:buFont typeface="Arial" pitchFamily="34" charset="0"/>
+              <a:buChar char="•"/>
+              <a:defRPr sz="2000" kern="1200">
+                <a:solidFill>
+                  <a:schemeClr val="tx1"/>
+                </a:solidFill>
+                <a:latin typeface="+mn-lt"/>
+                <a:ea typeface="+mn-ea"/>
+                <a:cs typeface="+mn-cs"/>
+              </a:defRPr>
+            </a:lvl6pPr>
+            <a:lvl7pPr marL="3031412" indent="-233186" algn="l" defTabSz="932742" rtl="0" eaLnBrk="1" latinLnBrk="0" hangingPunct="1">
+              <a:spcBef>
+                <a:spcPct val="20000"/>
+              </a:spcBef>
+              <a:buFont typeface="Arial" pitchFamily="34" charset="0"/>
+              <a:buChar char="•"/>
+              <a:defRPr sz="2000" kern="1200">
+                <a:solidFill>
+                  <a:schemeClr val="tx1"/>
+                </a:solidFill>
+                <a:latin typeface="+mn-lt"/>
+                <a:ea typeface="+mn-ea"/>
+                <a:cs typeface="+mn-cs"/>
+              </a:defRPr>
+            </a:lvl7pPr>
+            <a:lvl8pPr marL="3497783" indent="-233186" algn="l" defTabSz="932742" rtl="0" eaLnBrk="1" latinLnBrk="0" hangingPunct="1">
+              <a:spcBef>
+                <a:spcPct val="20000"/>
+              </a:spcBef>
+              <a:buFont typeface="Arial" pitchFamily="34" charset="0"/>
+              <a:buChar char="•"/>
+              <a:defRPr sz="2000" kern="1200">
+                <a:solidFill>
+                  <a:schemeClr val="tx1"/>
+                </a:solidFill>
+                <a:latin typeface="+mn-lt"/>
+                <a:ea typeface="+mn-ea"/>
+                <a:cs typeface="+mn-cs"/>
+              </a:defRPr>
+            </a:lvl8pPr>
+            <a:lvl9pPr marL="3964155" indent="-233186" algn="l" defTabSz="932742" rtl="0" eaLnBrk="1" latinLnBrk="0" hangingPunct="1">
+              <a:spcBef>
+                <a:spcPct val="20000"/>
+              </a:spcBef>
+              <a:buFont typeface="Arial" pitchFamily="34" charset="0"/>
+              <a:buChar char="•"/>
+              <a:defRPr sz="2000" kern="1200">
+                <a:solidFill>
+                  <a:schemeClr val="tx1"/>
+                </a:solidFill>
+                <a:latin typeface="+mn-lt"/>
+                <a:ea typeface="+mn-ea"/>
+                <a:cs typeface="+mn-cs"/>
+              </a:defRPr>
+            </a:lvl9pPr>
+          </a:lstStyle>
+          <a:p>
+            <a:pPr marL="0" marR="0" lvl="0" indent="0" algn="ctr" defTabSz="932742" rtl="0" eaLnBrk="1" fontAlgn="auto" latinLnBrk="0" hangingPunct="1">
+              <a:lnSpc>
+                <a:spcPct val="100000"/>
+              </a:lnSpc>
+              <a:spcBef>
+                <a:spcPts val="1800"/>
+              </a:spcBef>
+              <a:spcAft>
+                <a:spcPts val="0"/>
+              </a:spcAft>
+              <a:buClrTx/>
+              <a:buSzPct val="90000"/>
+              <a:buFont typeface="Wingdings" panose="05000000000000000000" pitchFamily="2" charset="2"/>
+              <a:buNone/>
+              <a:tabLst/>
+              <a:defRPr/>
+            </a:pPr>
+            <a:r>
+              <a:rPr kumimoji="0" lang="en-US" sz="1800" b="0" i="0" u="none" strike="noStrike" kern="1200" cap="none" spc="0" normalizeH="0" baseline="0" noProof="0">
+                <a:ln>
+                  <a:noFill/>
+                </a:ln>
+                <a:solidFill>
+                  <a:srgbClr val="000000"/>
+                </a:solidFill>
+                <a:effectLst/>
+                <a:uLnTx/>
+                <a:uFillTx/>
+                <a:latin typeface="Roboto Mono" panose="020B0604020202020204" pitchFamily="49" charset="0"/>
+                <a:ea typeface="+mn-ea"/>
+                <a:cs typeface="Segoe UI" panose="020B0502040204020203" pitchFamily="34" charset="0"/>
+              </a:rPr>
+              <a:t>Images</a:t>
+            </a:r>
+            <a:endParaRPr kumimoji="0" lang="en-US" sz="1800" b="0" i="0" u="none" strike="noStrike" kern="1200" cap="none" spc="0" normalizeH="0" baseline="0" noProof="0">
+              <a:ln>
+                <a:noFill/>
+              </a:ln>
+              <a:solidFill>
+                <a:srgbClr val="000000"/>
+              </a:solidFill>
+              <a:effectLst/>
+              <a:uLnTx/>
+              <a:uFillTx/>
+              <a:latin typeface="Segoe UI"/>
+              <a:ea typeface="+mn-ea"/>
+              <a:cs typeface="Segoe UI" panose="020B0502040204020203" pitchFamily="34" charset="0"/>
+            </a:endParaRPr>
+          </a:p>
+        </p:txBody>
+      </p:sp>
+      <p:sp>
+        <p:nvSpPr>
+          <p:cNvPr id="1024" name="Rectangle: Rounded Corners 1023">
+            <a:extLst>
+              <a:ext uri="{FF2B5EF4-FFF2-40B4-BE49-F238E27FC236}">
+                <a16:creationId xmlns:a16="http://schemas.microsoft.com/office/drawing/2014/main" id="{624E028B-DBA9-14EB-2C78-7833F879C545}"/>
+              </a:ext>
+              <a:ext uri="{C183D7F6-B498-43B3-948B-1728B52AA6E4}">
+                <adec:decorative xmlns:adec="http://schemas.microsoft.com/office/drawing/2017/decorative" val="0"/>
+              </a:ext>
+            </a:extLst>
+          </p:cNvPr>
+          <p:cNvSpPr/>
+          <p:nvPr/>
+        </p:nvSpPr>
+        <p:spPr bwMode="auto">
+          <a:xfrm>
+            <a:off x="9333771" y="5007605"/>
+            <a:ext cx="1880319" cy="748015"/>
+          </a:xfrm>
+          <a:prstGeom prst="roundRect">
+            <a:avLst>
+              <a:gd name="adj" fmla="val 7485"/>
+            </a:avLst>
+          </a:prstGeom>
+          <a:solidFill>
+            <a:schemeClr val="accent1">
+              <a:lumMod val="20000"/>
+              <a:lumOff val="80000"/>
+            </a:schemeClr>
+          </a:solidFill>
+          <a:ln>
+            <a:noFill/>
+            <a:headEnd type="none" w="med" len="med"/>
+            <a:tailEnd type="none" w="med" len="med"/>
+          </a:ln>
+          <a:effectLst/>
+        </p:spPr>
+        <p:style>
+          <a:lnRef idx="1">
+            <a:schemeClr val="accent2"/>
+          </a:lnRef>
+          <a:fillRef idx="3">
+            <a:schemeClr val="accent2"/>
+          </a:fillRef>
+          <a:effectRef idx="2">
+            <a:schemeClr val="accent2"/>
+          </a:effectRef>
+          <a:fontRef idx="minor">
+            <a:schemeClr val="lt1"/>
+          </a:fontRef>
+        </p:style>
+        <p:txBody>
+          <a:bodyPr rot="0" spcFirstLastPara="0" vertOverflow="overflow" horzOverflow="overflow" vert="horz" wrap="square" lIns="91440" tIns="91440" rIns="91440" bIns="91440" numCol="1" spcCol="0" rtlCol="0" fromWordArt="0" anchor="ctr" anchorCtr="0" forceAA="0" compatLnSpc="1">
+            <a:prstTxWarp prst="textNoShape">
+              <a:avLst/>
+            </a:prstTxWarp>
+            <a:noAutofit/>
+          </a:bodyPr>
+          <a:lstStyle/>
+          <a:p>
+            <a:pPr marL="0" marR="0" lvl="0" indent="0" algn="ctr" defTabSz="932472" rtl="0" eaLnBrk="1" fontAlgn="base" latinLnBrk="0" hangingPunct="1">
+              <a:lnSpc>
+                <a:spcPct val="100000"/>
+              </a:lnSpc>
+              <a:spcBef>
+                <a:spcPct val="0"/>
+              </a:spcBef>
+              <a:spcAft>
+                <a:spcPts val="600"/>
+              </a:spcAft>
+              <a:buClrTx/>
+              <a:buSzTx/>
+              <a:buFontTx/>
+              <a:buNone/>
+              <a:tabLst/>
+              <a:defRPr/>
+            </a:pPr>
+            <a:r>
+              <a:rPr kumimoji="0" lang="en-US" sz="2000" b="0" i="0" u="none" strike="noStrike" kern="1200" cap="none" spc="0" normalizeH="0" baseline="0" noProof="0">
+                <a:ln>
+                  <a:noFill/>
+                </a:ln>
+                <a:solidFill>
+                  <a:srgbClr val="000000"/>
+                </a:solidFill>
+                <a:effectLst/>
+                <a:uLnTx/>
+                <a:uFillTx/>
+                <a:latin typeface="Segoe UI Semibold"/>
+                <a:ea typeface="+mn-ea"/>
+                <a:cs typeface="Segoe UI" pitchFamily="34" charset="0"/>
+              </a:rPr>
+              <a:t>Whisper</a:t>
+            </a:r>
+          </a:p>
+        </p:txBody>
+      </p:sp>
+      <p:sp>
+        <p:nvSpPr>
+          <p:cNvPr id="1031" name="Text Placeholder 4">
+            <a:extLst>
+              <a:ext uri="{FF2B5EF4-FFF2-40B4-BE49-F238E27FC236}">
+                <a16:creationId xmlns:a16="http://schemas.microsoft.com/office/drawing/2014/main" id="{B433DB54-239C-9607-B03A-E1B1AD70FE39}"/>
+              </a:ext>
+            </a:extLst>
+          </p:cNvPr>
+          <p:cNvSpPr txBox="1">
+            <a:spLocks/>
+          </p:cNvSpPr>
+          <p:nvPr/>
+        </p:nvSpPr>
+        <p:spPr>
+          <a:xfrm>
+            <a:off x="8956071" y="5794621"/>
+            <a:ext cx="2639174" cy="430887"/>
+          </a:xfrm>
+          <a:prstGeom prst="rect">
+            <a:avLst/>
+          </a:prstGeom>
+          <a:noFill/>
+        </p:spPr>
+        <p:txBody>
+          <a:bodyPr vert="horz" wrap="square" lIns="0" tIns="0" rIns="0" bIns="0" rtlCol="0">
+            <a:spAutoFit/>
+          </a:bodyPr>
+          <a:lstStyle>
+            <a:lvl1pPr marL="0" marR="0" indent="0" algn="l" defTabSz="932742" rtl="0" eaLnBrk="1" fontAlgn="auto" latinLnBrk="0" hangingPunct="1">
+              <a:lnSpc>
+                <a:spcPct val="100000"/>
+              </a:lnSpc>
+              <a:spcBef>
+                <a:spcPts val="1800"/>
+              </a:spcBef>
+              <a:spcAft>
+                <a:spcPts val="0"/>
+              </a:spcAft>
+              <a:buClrTx/>
+              <a:buSzPct val="90000"/>
+              <a:buFont typeface="Wingdings" panose="05000000000000000000" pitchFamily="2" charset="2"/>
+              <a:buNone/>
+              <a:tabLst/>
+              <a:defRPr sz="2000" kern="1200" spc="0" baseline="0">
+                <a:solidFill>
+                  <a:schemeClr val="tx1"/>
+                </a:solidFill>
+                <a:latin typeface="+mn-lt"/>
+                <a:ea typeface="+mn-ea"/>
+                <a:cs typeface="Segoe UI" panose="020B0502040204020203" pitchFamily="34" charset="0"/>
+              </a:defRPr>
+            </a:lvl1pPr>
+            <a:lvl2pPr marL="0" marR="0" indent="0" algn="l" defTabSz="932742" rtl="0" eaLnBrk="1" fontAlgn="auto" latinLnBrk="0" hangingPunct="1">
+              <a:lnSpc>
+                <a:spcPct val="100000"/>
+              </a:lnSpc>
+              <a:spcBef>
+                <a:spcPts val="0"/>
+              </a:spcBef>
+              <a:spcAft>
+                <a:spcPts val="600"/>
+              </a:spcAft>
+              <a:buClrTx/>
+              <a:buSzPct val="90000"/>
+              <a:buFont typeface="Wingdings" panose="05000000000000000000" pitchFamily="2" charset="2"/>
+              <a:buNone/>
+              <a:tabLst/>
+              <a:defRPr sz="1800" kern="1200" spc="0" baseline="0">
+                <a:gradFill>
+                  <a:gsLst>
+                    <a:gs pos="1250">
+                      <a:schemeClr val="tx1"/>
+                    </a:gs>
+                    <a:gs pos="100000">
+                      <a:schemeClr val="tx1"/>
+                    </a:gs>
+                  </a:gsLst>
+                  <a:lin ang="5400000" scaled="0"/>
+                </a:gradFill>
+                <a:latin typeface="+mn-lt"/>
+                <a:ea typeface="+mn-ea"/>
+                <a:cs typeface="+mn-cs"/>
+              </a:defRPr>
+            </a:lvl2pPr>
+            <a:lvl3pPr marL="0" marR="0" indent="0" algn="l" defTabSz="932742" rtl="0" eaLnBrk="1" fontAlgn="auto" latinLnBrk="0" hangingPunct="1">
+              <a:lnSpc>
+                <a:spcPct val="100000"/>
+              </a:lnSpc>
+              <a:spcBef>
+                <a:spcPts val="0"/>
+              </a:spcBef>
+              <a:spcAft>
+                <a:spcPts val="600"/>
+              </a:spcAft>
+              <a:buClrTx/>
+              <a:buSzPct val="90000"/>
+              <a:buFont typeface="Wingdings" panose="05000000000000000000" pitchFamily="2" charset="2"/>
+              <a:buNone/>
+              <a:tabLst/>
+              <a:defRPr sz="1600" kern="1200" spc="0" baseline="0">
+                <a:gradFill>
+                  <a:gsLst>
+                    <a:gs pos="1250">
+                      <a:schemeClr val="tx1"/>
+                    </a:gs>
+                    <a:gs pos="100000">
+                      <a:schemeClr val="tx1"/>
+                    </a:gs>
+                  </a:gsLst>
+                  <a:lin ang="5400000" scaled="0"/>
+                </a:gradFill>
+                <a:latin typeface="+mn-lt"/>
+                <a:ea typeface="+mn-ea"/>
+                <a:cs typeface="+mn-cs"/>
+              </a:defRPr>
+            </a:lvl3pPr>
+            <a:lvl4pPr marL="0" marR="0" indent="0" algn="l" defTabSz="932742" rtl="0" eaLnBrk="1" fontAlgn="auto" latinLnBrk="0" hangingPunct="1">
+              <a:lnSpc>
+                <a:spcPct val="100000"/>
+              </a:lnSpc>
+              <a:spcBef>
+                <a:spcPts val="600"/>
+              </a:spcBef>
+              <a:spcAft>
+                <a:spcPts val="600"/>
+              </a:spcAft>
+              <a:buClrTx/>
+              <a:buSzPct val="90000"/>
+              <a:buFont typeface="Wingdings" panose="05000000000000000000" pitchFamily="2" charset="2"/>
+              <a:buNone/>
+              <a:tabLst/>
+              <a:defRPr sz="1400" kern="0" cap="all" spc="100" baseline="0">
+                <a:solidFill>
+                  <a:schemeClr val="accent1">
+                    <a:lumMod val="60000"/>
+                    <a:lumOff val="40000"/>
+                  </a:schemeClr>
+                </a:solidFill>
+                <a:latin typeface="+mn-lt"/>
+                <a:ea typeface="+mn-ea"/>
+                <a:cs typeface="+mn-cs"/>
+              </a:defRPr>
+            </a:lvl4pPr>
+            <a:lvl5pPr marL="0" marR="0" indent="0" algn="l" defTabSz="932742" rtl="0" eaLnBrk="1" fontAlgn="auto" latinLnBrk="0" hangingPunct="1">
+              <a:lnSpc>
+                <a:spcPct val="100000"/>
+              </a:lnSpc>
+              <a:spcBef>
+                <a:spcPts val="0"/>
+              </a:spcBef>
+              <a:spcAft>
+                <a:spcPts val="600"/>
+              </a:spcAft>
+              <a:buClrTx/>
+              <a:buSzPct val="90000"/>
+              <a:buFont typeface="Wingdings" panose="05000000000000000000" pitchFamily="2" charset="2"/>
+              <a:buNone/>
+              <a:tabLst/>
+              <a:defRPr sz="1400" kern="1200" spc="0" baseline="0">
+                <a:gradFill>
+                  <a:gsLst>
+                    <a:gs pos="1250">
+                      <a:schemeClr val="tx1"/>
+                    </a:gs>
+                    <a:gs pos="100000">
+                      <a:schemeClr val="tx1"/>
+                    </a:gs>
+                  </a:gsLst>
+                  <a:lin ang="5400000" scaled="0"/>
+                </a:gradFill>
+                <a:latin typeface="+mn-lt"/>
+                <a:ea typeface="+mn-ea"/>
+                <a:cs typeface="+mn-cs"/>
+              </a:defRPr>
+            </a:lvl5pPr>
+            <a:lvl6pPr marL="2565040" indent="-233186" algn="l" defTabSz="932742" rtl="0" eaLnBrk="1" latinLnBrk="0" hangingPunct="1">
+              <a:spcBef>
+                <a:spcPct val="20000"/>
+              </a:spcBef>
+              <a:buFont typeface="Arial" pitchFamily="34" charset="0"/>
+              <a:buChar char="•"/>
+              <a:defRPr sz="2000" kern="1200">
+                <a:solidFill>
+                  <a:schemeClr val="tx1"/>
+                </a:solidFill>
+                <a:latin typeface="+mn-lt"/>
+                <a:ea typeface="+mn-ea"/>
+                <a:cs typeface="+mn-cs"/>
+              </a:defRPr>
+            </a:lvl6pPr>
+            <a:lvl7pPr marL="3031412" indent="-233186" algn="l" defTabSz="932742" rtl="0" eaLnBrk="1" latinLnBrk="0" hangingPunct="1">
+              <a:spcBef>
+                <a:spcPct val="20000"/>
+              </a:spcBef>
+              <a:buFont typeface="Arial" pitchFamily="34" charset="0"/>
+              <a:buChar char="•"/>
+              <a:defRPr sz="2000" kern="1200">
+                <a:solidFill>
+                  <a:schemeClr val="tx1"/>
+                </a:solidFill>
+                <a:latin typeface="+mn-lt"/>
+                <a:ea typeface="+mn-ea"/>
+                <a:cs typeface="+mn-cs"/>
+              </a:defRPr>
+            </a:lvl7pPr>
+            <a:lvl8pPr marL="3497783" indent="-233186" algn="l" defTabSz="932742" rtl="0" eaLnBrk="1" latinLnBrk="0" hangingPunct="1">
+              <a:spcBef>
+                <a:spcPct val="20000"/>
+              </a:spcBef>
+              <a:buFont typeface="Arial" pitchFamily="34" charset="0"/>
+              <a:buChar char="•"/>
+              <a:defRPr sz="2000" kern="1200">
+                <a:solidFill>
+                  <a:schemeClr val="tx1"/>
+                </a:solidFill>
+                <a:latin typeface="+mn-lt"/>
+                <a:ea typeface="+mn-ea"/>
+                <a:cs typeface="+mn-cs"/>
+              </a:defRPr>
+            </a:lvl8pPr>
+            <a:lvl9pPr marL="3964155" indent="-233186" algn="l" defTabSz="932742" rtl="0" eaLnBrk="1" latinLnBrk="0" hangingPunct="1">
+              <a:spcBef>
+                <a:spcPct val="20000"/>
+              </a:spcBef>
+              <a:buFont typeface="Arial" pitchFamily="34" charset="0"/>
+              <a:buChar char="•"/>
+              <a:defRPr sz="2000" kern="1200">
+                <a:solidFill>
+                  <a:schemeClr val="tx1"/>
+                </a:solidFill>
+                <a:latin typeface="+mn-lt"/>
+                <a:ea typeface="+mn-ea"/>
+                <a:cs typeface="+mn-cs"/>
+              </a:defRPr>
+            </a:lvl9pPr>
+          </a:lstStyle>
+          <a:p>
+            <a:pPr marL="0" marR="0" lvl="0" indent="0" algn="ctr" defTabSz="932742" rtl="0" eaLnBrk="1" fontAlgn="auto" latinLnBrk="0" hangingPunct="1">
+              <a:lnSpc>
+                <a:spcPct val="100000"/>
+              </a:lnSpc>
+              <a:spcBef>
+                <a:spcPts val="1800"/>
+              </a:spcBef>
+              <a:spcAft>
+                <a:spcPts val="0"/>
+              </a:spcAft>
+              <a:buClrTx/>
+              <a:buSzPct val="90000"/>
+              <a:buFont typeface="Wingdings" panose="05000000000000000000" pitchFamily="2" charset="2"/>
+              <a:buNone/>
+              <a:tabLst/>
+              <a:defRPr/>
+            </a:pPr>
+            <a:r>
+              <a:rPr kumimoji="0" lang="en-US" sz="1400" b="0" i="0" u="none" strike="noStrike" kern="1200" cap="none" spc="0" normalizeH="0" baseline="0" noProof="0">
+                <a:ln>
+                  <a:noFill/>
+                </a:ln>
+                <a:solidFill>
+                  <a:srgbClr val="000000"/>
+                </a:solidFill>
+                <a:effectLst/>
+                <a:uLnTx/>
+                <a:uFillTx/>
+                <a:latin typeface="Roboto Mono" panose="020B0604020202020204" pitchFamily="49" charset="0"/>
+                <a:ea typeface="+mn-ea"/>
+                <a:cs typeface="Segoe UI" panose="020B0502040204020203" pitchFamily="34" charset="0"/>
+              </a:rPr>
+              <a:t>Transcription &amp; Translation</a:t>
+            </a:r>
+            <a:endParaRPr kumimoji="0" lang="en-US" sz="1400" b="0" i="0" u="none" strike="noStrike" kern="1200" cap="none" spc="0" normalizeH="0" baseline="0" noProof="0">
+              <a:ln>
+                <a:noFill/>
+              </a:ln>
+              <a:solidFill>
+                <a:srgbClr val="000000"/>
+              </a:solidFill>
+              <a:effectLst/>
+              <a:uLnTx/>
+              <a:uFillTx/>
+              <a:latin typeface="Segoe UI"/>
+              <a:ea typeface="+mn-ea"/>
+              <a:cs typeface="Segoe UI" panose="020B0502040204020203" pitchFamily="34" charset="0"/>
+            </a:endParaRPr>
+          </a:p>
+        </p:txBody>
+      </p:sp>
+      <p:sp>
+        <p:nvSpPr>
+          <p:cNvPr id="2" name="Rectangle: Rounded Corners 1">
+            <a:extLst>
+              <a:ext uri="{FF2B5EF4-FFF2-40B4-BE49-F238E27FC236}">
+                <a16:creationId xmlns:a16="http://schemas.microsoft.com/office/drawing/2014/main" id="{7B9D6AAC-2040-7FAE-6FCF-96FFA39B546C}"/>
+              </a:ext>
+              <a:ext uri="{C183D7F6-B498-43B3-948B-1728B52AA6E4}">
+                <adec:decorative xmlns:adec="http://schemas.microsoft.com/office/drawing/2017/decorative" val="0"/>
+              </a:ext>
+            </a:extLst>
+          </p:cNvPr>
+          <p:cNvSpPr/>
+          <p:nvPr/>
+        </p:nvSpPr>
+        <p:spPr bwMode="auto">
+          <a:xfrm>
+            <a:off x="5176677" y="5007605"/>
+            <a:ext cx="1880319" cy="748015"/>
+          </a:xfrm>
+          <a:prstGeom prst="roundRect">
+            <a:avLst>
+              <a:gd name="adj" fmla="val 7485"/>
+            </a:avLst>
+          </a:prstGeom>
+          <a:solidFill>
+            <a:schemeClr val="accent1">
+              <a:lumMod val="20000"/>
+              <a:lumOff val="80000"/>
+            </a:schemeClr>
+          </a:solidFill>
+          <a:ln>
+            <a:noFill/>
+            <a:headEnd type="none" w="med" len="med"/>
+            <a:tailEnd type="none" w="med" len="med"/>
+          </a:ln>
+          <a:effectLst/>
+        </p:spPr>
+        <p:style>
+          <a:lnRef idx="1">
+            <a:schemeClr val="accent2"/>
+          </a:lnRef>
+          <a:fillRef idx="3">
+            <a:schemeClr val="accent2"/>
+          </a:fillRef>
+          <a:effectRef idx="2">
+            <a:schemeClr val="accent2"/>
+          </a:effectRef>
+          <a:fontRef idx="minor">
+            <a:schemeClr val="lt1"/>
+          </a:fontRef>
+        </p:style>
+        <p:txBody>
+          <a:bodyPr rot="0" spcFirstLastPara="0" vertOverflow="overflow" horzOverflow="overflow" vert="horz" wrap="square" lIns="91440" tIns="91440" rIns="91440" bIns="91440" numCol="1" spcCol="0" rtlCol="0" fromWordArt="0" anchor="ctr" anchorCtr="0" forceAA="0" compatLnSpc="1">
+            <a:prstTxWarp prst="textNoShape">
+              <a:avLst/>
+            </a:prstTxWarp>
+            <a:noAutofit/>
+          </a:bodyPr>
+          <a:lstStyle/>
+          <a:p>
+            <a:pPr algn="ctr" defTabSz="932472" fontAlgn="base">
+              <a:spcBef>
+                <a:spcPct val="0"/>
+              </a:spcBef>
+              <a:spcAft>
+                <a:spcPts val="600"/>
+              </a:spcAft>
+              <a:defRPr/>
+            </a:pPr>
+            <a:r>
+              <a:rPr kumimoji="0" lang="en-US" sz="1600" b="0" i="0" u="none" strike="noStrike" kern="1200" cap="none" spc="0" normalizeH="0" baseline="0" noProof="0">
+                <a:ln>
+                  <a:noFill/>
+                </a:ln>
+                <a:solidFill>
+                  <a:srgbClr val="000000"/>
+                </a:solidFill>
+                <a:effectLst/>
+                <a:uLnTx/>
+                <a:uFillTx/>
+                <a:latin typeface="Segoe UI Semibold"/>
+                <a:ea typeface="+mn-ea"/>
+                <a:cs typeface="Segoe UI"/>
+              </a:rPr>
+              <a:t>Babbage</a:t>
+            </a:r>
+            <a:r>
+              <a:rPr lang="en-US" sz="1600">
+                <a:solidFill>
+                  <a:srgbClr val="000000"/>
+                </a:solidFill>
+                <a:latin typeface="Segoe UI Semibold"/>
+                <a:cs typeface="Segoe UI"/>
+              </a:rPr>
+              <a:t>, </a:t>
+            </a:r>
+            <a:r>
+              <a:rPr kumimoji="0" lang="en-US" sz="1600" b="0" i="0" u="none" strike="noStrike" kern="1200" cap="none" spc="0" normalizeH="0" baseline="0" noProof="0">
+                <a:ln>
+                  <a:noFill/>
+                </a:ln>
+                <a:solidFill>
+                  <a:srgbClr val="000000"/>
+                </a:solidFill>
+                <a:effectLst/>
+                <a:uLnTx/>
+                <a:uFillTx/>
+                <a:latin typeface="Segoe UI Semibold"/>
+                <a:ea typeface="+mn-ea"/>
+                <a:cs typeface="Segoe UI"/>
+              </a:rPr>
+              <a:t>Davinci</a:t>
+            </a:r>
+            <a:r>
+              <a:rPr lang="en-US" sz="1600">
+                <a:solidFill>
+                  <a:srgbClr val="000000"/>
+                </a:solidFill>
+                <a:latin typeface="Segoe UI Semibold"/>
+                <a:cs typeface="Segoe UI"/>
+              </a:rPr>
+              <a:t>, GPT-3.5-Turbo</a:t>
+            </a:r>
+            <a:endParaRPr lang="en-US" sz="1600" b="0" i="0" u="none" strike="noStrike" kern="1200" cap="none" spc="0" normalizeH="0" baseline="0" noProof="0">
+              <a:ln>
+                <a:noFill/>
+              </a:ln>
+              <a:solidFill>
+                <a:srgbClr val="000000"/>
+              </a:solidFill>
+              <a:effectLst/>
+              <a:uLnTx/>
+              <a:uFillTx/>
+              <a:latin typeface="Segoe UI Semibold"/>
+              <a:cs typeface="Segoe UI"/>
+            </a:endParaRPr>
+          </a:p>
+        </p:txBody>
+      </p:sp>
+      <p:sp>
+        <p:nvSpPr>
+          <p:cNvPr id="3" name="Text Placeholder 4">
+            <a:extLst>
+              <a:ext uri="{FF2B5EF4-FFF2-40B4-BE49-F238E27FC236}">
+                <a16:creationId xmlns:a16="http://schemas.microsoft.com/office/drawing/2014/main" id="{E6E71D15-5836-8E7D-7C64-65B1D9639B08}"/>
+              </a:ext>
+            </a:extLst>
+          </p:cNvPr>
+          <p:cNvSpPr txBox="1">
+            <a:spLocks/>
+          </p:cNvSpPr>
+          <p:nvPr/>
+        </p:nvSpPr>
+        <p:spPr>
+          <a:xfrm>
+            <a:off x="4761333" y="5874796"/>
+            <a:ext cx="2639174" cy="276999"/>
+          </a:xfrm>
+          <a:prstGeom prst="rect">
+            <a:avLst/>
+          </a:prstGeom>
+          <a:noFill/>
+        </p:spPr>
+        <p:txBody>
+          <a:bodyPr vert="horz" wrap="square" lIns="0" tIns="0" rIns="0" bIns="0" rtlCol="0">
+            <a:spAutoFit/>
+          </a:bodyPr>
+          <a:lstStyle>
+            <a:lvl1pPr marL="0" marR="0" indent="0" algn="l" defTabSz="932742" rtl="0" eaLnBrk="1" fontAlgn="auto" latinLnBrk="0" hangingPunct="1">
+              <a:lnSpc>
+                <a:spcPct val="100000"/>
+              </a:lnSpc>
+              <a:spcBef>
+                <a:spcPts val="1800"/>
+              </a:spcBef>
+              <a:spcAft>
+                <a:spcPts val="0"/>
+              </a:spcAft>
+              <a:buClrTx/>
+              <a:buSzPct val="90000"/>
+              <a:buFont typeface="Wingdings" panose="05000000000000000000" pitchFamily="2" charset="2"/>
+              <a:buNone/>
+              <a:tabLst/>
+              <a:defRPr sz="2000" kern="1200" spc="0" baseline="0">
+                <a:solidFill>
+                  <a:schemeClr val="tx1"/>
+                </a:solidFill>
+                <a:latin typeface="+mn-lt"/>
+                <a:ea typeface="+mn-ea"/>
+                <a:cs typeface="Segoe UI" panose="020B0502040204020203" pitchFamily="34" charset="0"/>
+              </a:defRPr>
+            </a:lvl1pPr>
+            <a:lvl2pPr marL="0" marR="0" indent="0" algn="l" defTabSz="932742" rtl="0" eaLnBrk="1" fontAlgn="auto" latinLnBrk="0" hangingPunct="1">
+              <a:lnSpc>
+                <a:spcPct val="100000"/>
+              </a:lnSpc>
+              <a:spcBef>
+                <a:spcPts val="0"/>
+              </a:spcBef>
+              <a:spcAft>
+                <a:spcPts val="600"/>
+              </a:spcAft>
+              <a:buClrTx/>
+              <a:buSzPct val="90000"/>
+              <a:buFont typeface="Wingdings" panose="05000000000000000000" pitchFamily="2" charset="2"/>
+              <a:buNone/>
+              <a:tabLst/>
+              <a:defRPr sz="1800" kern="1200" spc="0" baseline="0">
+                <a:gradFill>
+                  <a:gsLst>
+                    <a:gs pos="1250">
+                      <a:schemeClr val="tx1"/>
+                    </a:gs>
+                    <a:gs pos="100000">
+                      <a:schemeClr val="tx1"/>
+                    </a:gs>
+                  </a:gsLst>
+                  <a:lin ang="5400000" scaled="0"/>
+                </a:gradFill>
+                <a:latin typeface="+mn-lt"/>
+                <a:ea typeface="+mn-ea"/>
+                <a:cs typeface="+mn-cs"/>
+              </a:defRPr>
+            </a:lvl2pPr>
+            <a:lvl3pPr marL="0" marR="0" indent="0" algn="l" defTabSz="932742" rtl="0" eaLnBrk="1" fontAlgn="auto" latinLnBrk="0" hangingPunct="1">
+              <a:lnSpc>
+                <a:spcPct val="100000"/>
+              </a:lnSpc>
+              <a:spcBef>
+                <a:spcPts val="0"/>
+              </a:spcBef>
+              <a:spcAft>
+                <a:spcPts val="600"/>
+              </a:spcAft>
+              <a:buClrTx/>
+              <a:buSzPct val="90000"/>
+              <a:buFont typeface="Wingdings" panose="05000000000000000000" pitchFamily="2" charset="2"/>
+              <a:buNone/>
+              <a:tabLst/>
+              <a:defRPr sz="1600" kern="1200" spc="0" baseline="0">
+                <a:gradFill>
+                  <a:gsLst>
+                    <a:gs pos="1250">
+                      <a:schemeClr val="tx1"/>
+                    </a:gs>
+                    <a:gs pos="100000">
+                      <a:schemeClr val="tx1"/>
+                    </a:gs>
+                  </a:gsLst>
+                  <a:lin ang="5400000" scaled="0"/>
+                </a:gradFill>
+                <a:latin typeface="+mn-lt"/>
+                <a:ea typeface="+mn-ea"/>
+                <a:cs typeface="+mn-cs"/>
+              </a:defRPr>
+            </a:lvl3pPr>
+            <a:lvl4pPr marL="0" marR="0" indent="0" algn="l" defTabSz="932742" rtl="0" eaLnBrk="1" fontAlgn="auto" latinLnBrk="0" hangingPunct="1">
+              <a:lnSpc>
+                <a:spcPct val="100000"/>
+              </a:lnSpc>
+              <a:spcBef>
+                <a:spcPts val="600"/>
+              </a:spcBef>
+              <a:spcAft>
+                <a:spcPts val="600"/>
+              </a:spcAft>
+              <a:buClrTx/>
+              <a:buSzPct val="90000"/>
+              <a:buFont typeface="Wingdings" panose="05000000000000000000" pitchFamily="2" charset="2"/>
+              <a:buNone/>
+              <a:tabLst/>
+              <a:defRPr sz="1400" kern="0" cap="all" spc="100" baseline="0">
+                <a:solidFill>
+                  <a:schemeClr val="accent1">
+                    <a:lumMod val="60000"/>
+                    <a:lumOff val="40000"/>
+                  </a:schemeClr>
+                </a:solidFill>
+                <a:latin typeface="+mn-lt"/>
+                <a:ea typeface="+mn-ea"/>
+                <a:cs typeface="+mn-cs"/>
+              </a:defRPr>
+            </a:lvl4pPr>
+            <a:lvl5pPr marL="0" marR="0" indent="0" algn="l" defTabSz="932742" rtl="0" eaLnBrk="1" fontAlgn="auto" latinLnBrk="0" hangingPunct="1">
+              <a:lnSpc>
+                <a:spcPct val="100000"/>
+              </a:lnSpc>
+              <a:spcBef>
+                <a:spcPts val="0"/>
+              </a:spcBef>
+              <a:spcAft>
+                <a:spcPts val="600"/>
+              </a:spcAft>
+              <a:buClrTx/>
+              <a:buSzPct val="90000"/>
+              <a:buFont typeface="Wingdings" panose="05000000000000000000" pitchFamily="2" charset="2"/>
+              <a:buNone/>
+              <a:tabLst/>
+              <a:defRPr sz="1400" kern="1200" spc="0" baseline="0">
+                <a:gradFill>
+                  <a:gsLst>
+                    <a:gs pos="1250">
+                      <a:schemeClr val="tx1"/>
+                    </a:gs>
+                    <a:gs pos="100000">
+                      <a:schemeClr val="tx1"/>
+                    </a:gs>
+                  </a:gsLst>
+                  <a:lin ang="5400000" scaled="0"/>
+                </a:gradFill>
+                <a:latin typeface="+mn-lt"/>
+                <a:ea typeface="+mn-ea"/>
+                <a:cs typeface="+mn-cs"/>
+              </a:defRPr>
+            </a:lvl5pPr>
+            <a:lvl6pPr marL="2565040" indent="-233186" algn="l" defTabSz="932742" rtl="0" eaLnBrk="1" latinLnBrk="0" hangingPunct="1">
+              <a:spcBef>
+                <a:spcPct val="20000"/>
+              </a:spcBef>
+              <a:buFont typeface="Arial" pitchFamily="34" charset="0"/>
+              <a:buChar char="•"/>
+              <a:defRPr sz="2000" kern="1200">
+                <a:solidFill>
+                  <a:schemeClr val="tx1"/>
+                </a:solidFill>
+                <a:latin typeface="+mn-lt"/>
+                <a:ea typeface="+mn-ea"/>
+                <a:cs typeface="+mn-cs"/>
+              </a:defRPr>
+            </a:lvl6pPr>
+            <a:lvl7pPr marL="3031412" indent="-233186" algn="l" defTabSz="932742" rtl="0" eaLnBrk="1" latinLnBrk="0" hangingPunct="1">
+              <a:spcBef>
+                <a:spcPct val="20000"/>
+              </a:spcBef>
+              <a:buFont typeface="Arial" pitchFamily="34" charset="0"/>
+              <a:buChar char="•"/>
+              <a:defRPr sz="2000" kern="1200">
+                <a:solidFill>
+                  <a:schemeClr val="tx1"/>
+                </a:solidFill>
+                <a:latin typeface="+mn-lt"/>
+                <a:ea typeface="+mn-ea"/>
+                <a:cs typeface="+mn-cs"/>
+              </a:defRPr>
+            </a:lvl7pPr>
+            <a:lvl8pPr marL="3497783" indent="-233186" algn="l" defTabSz="932742" rtl="0" eaLnBrk="1" latinLnBrk="0" hangingPunct="1">
+              <a:spcBef>
+                <a:spcPct val="20000"/>
+              </a:spcBef>
+              <a:buFont typeface="Arial" pitchFamily="34" charset="0"/>
+              <a:buChar char="•"/>
+              <a:defRPr sz="2000" kern="1200">
+                <a:solidFill>
+                  <a:schemeClr val="tx1"/>
+                </a:solidFill>
+                <a:latin typeface="+mn-lt"/>
+                <a:ea typeface="+mn-ea"/>
+                <a:cs typeface="+mn-cs"/>
+              </a:defRPr>
+            </a:lvl8pPr>
+            <a:lvl9pPr marL="3964155" indent="-233186" algn="l" defTabSz="932742" rtl="0" eaLnBrk="1" latinLnBrk="0" hangingPunct="1">
+              <a:spcBef>
+                <a:spcPct val="20000"/>
+              </a:spcBef>
+              <a:buFont typeface="Arial" pitchFamily="34" charset="0"/>
+              <a:buChar char="•"/>
+              <a:defRPr sz="2000" kern="1200">
+                <a:solidFill>
+                  <a:schemeClr val="tx1"/>
+                </a:solidFill>
+                <a:latin typeface="+mn-lt"/>
+                <a:ea typeface="+mn-ea"/>
+                <a:cs typeface="+mn-cs"/>
+              </a:defRPr>
+            </a:lvl9pPr>
+          </a:lstStyle>
+          <a:p>
+            <a:pPr marL="0" marR="0" lvl="0" indent="0" algn="ctr" defTabSz="932742" rtl="0" eaLnBrk="1" fontAlgn="auto" latinLnBrk="0" hangingPunct="1">
+              <a:lnSpc>
+                <a:spcPct val="100000"/>
+              </a:lnSpc>
+              <a:spcBef>
+                <a:spcPts val="1800"/>
+              </a:spcBef>
+              <a:spcAft>
+                <a:spcPts val="0"/>
+              </a:spcAft>
+              <a:buClrTx/>
+              <a:buSzPct val="90000"/>
+              <a:buFont typeface="Wingdings" panose="05000000000000000000" pitchFamily="2" charset="2"/>
+              <a:buNone/>
+              <a:tabLst/>
+              <a:defRPr/>
+            </a:pPr>
+            <a:r>
+              <a:rPr kumimoji="0" lang="en-US" sz="1800" b="0" i="0" u="none" strike="noStrike" kern="1200" cap="none" spc="0" normalizeH="0" baseline="0" noProof="0">
+                <a:ln>
+                  <a:noFill/>
+                </a:ln>
+                <a:solidFill>
+                  <a:srgbClr val="000000"/>
+                </a:solidFill>
+                <a:effectLst/>
+                <a:uLnTx/>
+                <a:uFillTx/>
+                <a:latin typeface="Roboto Mono" panose="020B0604020202020204" pitchFamily="49" charset="0"/>
+                <a:ea typeface="+mn-ea"/>
+                <a:cs typeface="Segoe UI" panose="020B0502040204020203" pitchFamily="34" charset="0"/>
+              </a:rPr>
+              <a:t>Fine Tuning</a:t>
+            </a:r>
+            <a:endParaRPr kumimoji="0" lang="en-US" sz="1800" b="0" i="0" u="none" strike="noStrike" kern="1200" cap="none" spc="0" normalizeH="0" baseline="0" noProof="0">
+              <a:ln>
+                <a:noFill/>
+              </a:ln>
+              <a:solidFill>
+                <a:srgbClr val="000000"/>
+              </a:solidFill>
+              <a:effectLst/>
+              <a:uLnTx/>
+              <a:uFillTx/>
+              <a:latin typeface="Segoe UI"/>
+              <a:ea typeface="+mn-ea"/>
+              <a:cs typeface="Segoe UI" panose="020B0502040204020203" pitchFamily="34" charset="0"/>
+            </a:endParaRPr>
+          </a:p>
+        </p:txBody>
+      </p:sp>
+      <p:sp>
+        <p:nvSpPr>
+          <p:cNvPr id="4" name="Rectangle: Rounded Corners 3">
+            <a:extLst>
+              <a:ext uri="{FF2B5EF4-FFF2-40B4-BE49-F238E27FC236}">
+                <a16:creationId xmlns:a16="http://schemas.microsoft.com/office/drawing/2014/main" id="{725DCAB9-37A4-5997-2DDB-0958612972A5}"/>
+              </a:ext>
+              <a:ext uri="{C183D7F6-B498-43B3-948B-1728B52AA6E4}">
+                <adec:decorative xmlns:adec="http://schemas.microsoft.com/office/drawing/2017/decorative" val="0"/>
+              </a:ext>
+            </a:extLst>
+          </p:cNvPr>
+          <p:cNvSpPr/>
+          <p:nvPr/>
+        </p:nvSpPr>
+        <p:spPr bwMode="auto">
+          <a:xfrm>
+            <a:off x="4397861" y="6427655"/>
+            <a:ext cx="3269436" cy="279900"/>
+          </a:xfrm>
+          <a:prstGeom prst="roundRect">
+            <a:avLst/>
+          </a:prstGeom>
+          <a:solidFill>
+            <a:srgbClr val="D59DFF"/>
+          </a:solidFill>
+          <a:ln>
+            <a:noFill/>
+            <a:headEnd type="none" w="med" len="med"/>
+            <a:tailEnd type="none" w="med" len="med"/>
+          </a:ln>
+          <a:effectLst/>
+        </p:spPr>
+        <p:style>
+          <a:lnRef idx="1">
+            <a:schemeClr val="accent2"/>
+          </a:lnRef>
+          <a:fillRef idx="3">
+            <a:schemeClr val="accent2"/>
+          </a:fillRef>
+          <a:effectRef idx="2">
+            <a:schemeClr val="accent2"/>
+          </a:effectRef>
+          <a:fontRef idx="minor">
+            <a:schemeClr val="lt1"/>
+          </a:fontRef>
+        </p:style>
+        <p:txBody>
+          <a:bodyPr rot="0" spcFirstLastPara="0" vertOverflow="overflow" horzOverflow="overflow" vert="horz" wrap="square" lIns="91440" tIns="91440" rIns="91440" bIns="91440" numCol="1" spcCol="0" rtlCol="0" fromWordArt="0" anchor="ctr" anchorCtr="0" forceAA="0" compatLnSpc="1">
+            <a:prstTxWarp prst="textNoShape">
+              <a:avLst/>
+            </a:prstTxWarp>
+            <a:noAutofit/>
+          </a:bodyPr>
+          <a:lstStyle/>
+          <a:p>
+            <a:pPr marL="0" marR="0" lvl="0" indent="0" algn="ctr" defTabSz="932472" rtl="0" eaLnBrk="1" fontAlgn="base" latinLnBrk="0" hangingPunct="1">
+              <a:lnSpc>
+                <a:spcPct val="100000"/>
+              </a:lnSpc>
+              <a:spcBef>
+                <a:spcPct val="0"/>
+              </a:spcBef>
+              <a:spcAft>
+                <a:spcPts val="600"/>
+              </a:spcAft>
+              <a:buClrTx/>
+              <a:buSzTx/>
+              <a:buFontTx/>
+              <a:buNone/>
+              <a:tabLst/>
+              <a:defRPr/>
+            </a:pPr>
+            <a:r>
+              <a:rPr kumimoji="0" lang="en-US" sz="2000" b="1" i="0" u="none" strike="noStrike" kern="1200" cap="none" spc="0" normalizeH="0" baseline="0" noProof="0">
+                <a:ln>
+                  <a:noFill/>
+                </a:ln>
+                <a:solidFill>
+                  <a:srgbClr val="000000"/>
+                </a:solidFill>
+                <a:effectLst/>
+                <a:uLnTx/>
+                <a:uFillTx/>
+                <a:latin typeface="Segoe UI Semibold"/>
+                <a:ea typeface="+mn-ea"/>
+                <a:cs typeface="Segoe UI" pitchFamily="34" charset="0"/>
+              </a:rPr>
+              <a:t>Azure AI Studio</a:t>
+            </a:r>
+          </a:p>
+        </p:txBody>
+      </p:sp>
+    </p:spTree>
+    <p:extLst>
+      <p:ext uri="{BB962C8B-B14F-4D97-AF65-F5344CB8AC3E}">
+        <p14:creationId xmlns:p14="http://schemas.microsoft.com/office/powerpoint/2010/main" val="3187294301"/>
+      </p:ext>
+    </p:extLst>
+  </p:cSld>
+  <p:clrMapOvr>
+    <a:masterClrMapping/>
+  </p:clrMapOvr>
+</p:sld>
+</file>
+
+<file path=ppt/slides/slide18.xml><?xml version="1.0" encoding="utf-8"?>
 <p:sld xmlns:a="http://schemas.openxmlformats.org/drawingml/2006/main" xmlns:r="http://schemas.openxmlformats.org/officeDocument/2006/relationships" xmlns:p="http://schemas.openxmlformats.org/presentationml/2006/main">
   <p:cSld>
     <p:spTree>
@@ -5068,7 +8695,7 @@
 </p:sld>
 </file>
 
-<file path=ppt/slides/slide17.xml><?xml version="1.0" encoding="utf-8"?>
+<file path=ppt/slides/slide19.xml><?xml version="1.0" encoding="utf-8"?>
 <p:sld xmlns:a="http://schemas.openxmlformats.org/drawingml/2006/main" xmlns:r="http://schemas.openxmlformats.org/officeDocument/2006/relationships" xmlns:p="http://schemas.openxmlformats.org/presentationml/2006/main">
   <p:cSld>
     <p:spTree>
@@ -5142,159 +8769,6 @@
     <p:extLst>
       <p:ext uri="{BB962C8B-B14F-4D97-AF65-F5344CB8AC3E}">
         <p14:creationId xmlns:p14="http://schemas.microsoft.com/office/powerpoint/2010/main" val="500571551"/>
-      </p:ext>
-    </p:extLst>
-  </p:cSld>
-  <p:clrMapOvr>
-    <a:masterClrMapping/>
-  </p:clrMapOvr>
-</p:sld>
-</file>
-
-<file path=ppt/slides/slide18.xml><?xml version="1.0" encoding="utf-8"?>
-<p:sld xmlns:a="http://schemas.openxmlformats.org/drawingml/2006/main" xmlns:r="http://schemas.openxmlformats.org/officeDocument/2006/relationships" xmlns:p="http://schemas.openxmlformats.org/presentationml/2006/main">
-  <p:cSld>
-    <p:spTree>
-      <p:nvGrpSpPr>
-        <p:cNvPr id="1" name=""/>
-        <p:cNvGrpSpPr/>
-        <p:nvPr/>
-      </p:nvGrpSpPr>
-      <p:grpSpPr>
-        <a:xfrm>
-          <a:off x="0" y="0"/>
-          <a:ext cx="0" cy="0"/>
-          <a:chOff x="0" y="0"/>
-          <a:chExt cx="0" cy="0"/>
-        </a:xfrm>
-      </p:grpSpPr>
-      <p:sp>
-        <p:nvSpPr>
-          <p:cNvPr id="2" name="Title 1">
-            <a:extLst>
-              <a:ext uri="{FF2B5EF4-FFF2-40B4-BE49-F238E27FC236}">
-                <a16:creationId xmlns:a16="http://schemas.microsoft.com/office/drawing/2014/main" id="{F56E0B1B-86EC-E0BD-94BF-17014D1DA71B}"/>
-              </a:ext>
-            </a:extLst>
-          </p:cNvPr>
-          <p:cNvSpPr>
-            <a:spLocks noGrp="1"/>
-          </p:cNvSpPr>
-          <p:nvPr>
-            <p:ph type="title"/>
-          </p:nvPr>
-        </p:nvSpPr>
-        <p:spPr/>
-        <p:txBody>
-          <a:bodyPr/>
-          <a:lstStyle/>
-          <a:p>
-            <a:r>
-              <a:rPr lang="en-US" dirty="0"/>
-              <a:t>Links</a:t>
-            </a:r>
-          </a:p>
-        </p:txBody>
-      </p:sp>
-      <p:sp>
-        <p:nvSpPr>
-          <p:cNvPr id="3" name="Content Placeholder 2">
-            <a:extLst>
-              <a:ext uri="{FF2B5EF4-FFF2-40B4-BE49-F238E27FC236}">
-                <a16:creationId xmlns:a16="http://schemas.microsoft.com/office/drawing/2014/main" id="{491CCD3F-7B70-204F-3A87-52AF040EE2BC}"/>
-              </a:ext>
-            </a:extLst>
-          </p:cNvPr>
-          <p:cNvSpPr>
-            <a:spLocks noGrp="1"/>
-          </p:cNvSpPr>
-          <p:nvPr>
-            <p:ph idx="1"/>
-          </p:nvPr>
-        </p:nvSpPr>
-        <p:spPr/>
-        <p:txBody>
-          <a:bodyPr>
-            <a:normAutofit lnSpcReduction="10000"/>
-          </a:bodyPr>
-          <a:lstStyle/>
-          <a:p>
-            <a:r>
-              <a:rPr lang="en-US" dirty="0">
-                <a:hlinkClick r:id="rId2"/>
-              </a:rPr>
-              <a:t>https://github.com/DavidGiard/Presentation-Slides/tree/main/ChatGPT</a:t>
-            </a:r>
-          </a:p>
-          <a:p>
-            <a:r>
-              <a:rPr lang="en-US" dirty="0">
-                <a:hlinkClick r:id="rId2"/>
-              </a:rPr>
-              <a:t>https://gridfiti.com/best-chatgpt-prompts/</a:t>
-            </a:r>
-            <a:r>
-              <a:rPr lang="en-US" dirty="0"/>
-              <a:t> </a:t>
-            </a:r>
-          </a:p>
-          <a:p>
-            <a:r>
-              <a:rPr lang="en-US" dirty="0">
-                <a:hlinkClick r:id="rId3"/>
-              </a:rPr>
-              <a:t>https://www.linkedin.com/feed/update/urn:li:activity:7066386899451428864/</a:t>
-            </a:r>
-            <a:r>
-              <a:rPr lang="en-US" dirty="0"/>
-              <a:t> </a:t>
-            </a:r>
-          </a:p>
-          <a:p>
-            <a:r>
-              <a:rPr lang="en-US" dirty="0">
-                <a:hlinkClick r:id="rId4"/>
-              </a:rPr>
-              <a:t>https://www.linkedin.com/feed/update/urn:li:activity:7069281452240039936/?utm_source=share&amp;utm_medium=member_ios</a:t>
-            </a:r>
-            <a:r>
-              <a:rPr lang="en-US" dirty="0"/>
-              <a:t> </a:t>
-            </a:r>
-          </a:p>
-          <a:p>
-            <a:r>
-              <a:rPr lang="en-US" dirty="0">
-                <a:hlinkClick r:id="rId5"/>
-              </a:rPr>
-              <a:t>https://microsoft.sharepoint.com/teams/CS_CE/SitePages/CE-Beat-AIcareer.aspx</a:t>
-            </a:r>
-            <a:r>
-              <a:rPr lang="en-US" dirty="0"/>
-              <a:t> </a:t>
-            </a:r>
-          </a:p>
-          <a:p>
-            <a:r>
-              <a:rPr lang="en-US" dirty="0">
-                <a:hlinkClick r:id="rId6"/>
-              </a:rPr>
-              <a:t>https://aka.ms/careergpt</a:t>
-            </a:r>
-            <a:r>
-              <a:rPr lang="en-US" dirty="0"/>
-              <a:t> </a:t>
-            </a:r>
-          </a:p>
-          <a:p>
-            <a:endParaRPr lang="en-US" dirty="0"/>
-          </a:p>
-        </p:txBody>
-      </p:sp>
-    </p:spTree>
-    <p:extLst>
-      <p:ext uri="{BB962C8B-B14F-4D97-AF65-F5344CB8AC3E}">
-        <p14:creationId xmlns:p14="http://schemas.microsoft.com/office/powerpoint/2010/main" val="1445452558"/>
       </p:ext>
     </p:extLst>
   </p:cSld>
@@ -5447,6 +8921,159 @@
     <p:extLst>
       <p:ext uri="{BB962C8B-B14F-4D97-AF65-F5344CB8AC3E}">
         <p14:creationId xmlns:p14="http://schemas.microsoft.com/office/powerpoint/2010/main" val="2770202791"/>
+      </p:ext>
+    </p:extLst>
+  </p:cSld>
+  <p:clrMapOvr>
+    <a:masterClrMapping/>
+  </p:clrMapOvr>
+</p:sld>
+</file>
+
+<file path=ppt/slides/slide20.xml><?xml version="1.0" encoding="utf-8"?>
+<p:sld xmlns:a="http://schemas.openxmlformats.org/drawingml/2006/main" xmlns:r="http://schemas.openxmlformats.org/officeDocument/2006/relationships" xmlns:p="http://schemas.openxmlformats.org/presentationml/2006/main">
+  <p:cSld>
+    <p:spTree>
+      <p:nvGrpSpPr>
+        <p:cNvPr id="1" name=""/>
+        <p:cNvGrpSpPr/>
+        <p:nvPr/>
+      </p:nvGrpSpPr>
+      <p:grpSpPr>
+        <a:xfrm>
+          <a:off x="0" y="0"/>
+          <a:ext cx="0" cy="0"/>
+          <a:chOff x="0" y="0"/>
+          <a:chExt cx="0" cy="0"/>
+        </a:xfrm>
+      </p:grpSpPr>
+      <p:sp>
+        <p:nvSpPr>
+          <p:cNvPr id="2" name="Title 1">
+            <a:extLst>
+              <a:ext uri="{FF2B5EF4-FFF2-40B4-BE49-F238E27FC236}">
+                <a16:creationId xmlns:a16="http://schemas.microsoft.com/office/drawing/2014/main" id="{F56E0B1B-86EC-E0BD-94BF-17014D1DA71B}"/>
+              </a:ext>
+            </a:extLst>
+          </p:cNvPr>
+          <p:cNvSpPr>
+            <a:spLocks noGrp="1"/>
+          </p:cNvSpPr>
+          <p:nvPr>
+            <p:ph type="title"/>
+          </p:nvPr>
+        </p:nvSpPr>
+        <p:spPr/>
+        <p:txBody>
+          <a:bodyPr/>
+          <a:lstStyle/>
+          <a:p>
+            <a:r>
+              <a:rPr lang="en-US" dirty="0"/>
+              <a:t>Links</a:t>
+            </a:r>
+          </a:p>
+        </p:txBody>
+      </p:sp>
+      <p:sp>
+        <p:nvSpPr>
+          <p:cNvPr id="3" name="Content Placeholder 2">
+            <a:extLst>
+              <a:ext uri="{FF2B5EF4-FFF2-40B4-BE49-F238E27FC236}">
+                <a16:creationId xmlns:a16="http://schemas.microsoft.com/office/drawing/2014/main" id="{491CCD3F-7B70-204F-3A87-52AF040EE2BC}"/>
+              </a:ext>
+            </a:extLst>
+          </p:cNvPr>
+          <p:cNvSpPr>
+            <a:spLocks noGrp="1"/>
+          </p:cNvSpPr>
+          <p:nvPr>
+            <p:ph idx="1"/>
+          </p:nvPr>
+        </p:nvSpPr>
+        <p:spPr/>
+        <p:txBody>
+          <a:bodyPr>
+            <a:normAutofit lnSpcReduction="10000"/>
+          </a:bodyPr>
+          <a:lstStyle/>
+          <a:p>
+            <a:r>
+              <a:rPr lang="en-US" dirty="0">
+                <a:hlinkClick r:id="rId2"/>
+              </a:rPr>
+              <a:t>https://github.com/DavidGiard/Presentation-Slides/tree/main/ChatGPT</a:t>
+            </a:r>
+          </a:p>
+          <a:p>
+            <a:r>
+              <a:rPr lang="en-US" dirty="0">
+                <a:hlinkClick r:id="rId2"/>
+              </a:rPr>
+              <a:t>https://gridfiti.com/best-chatgpt-prompts/</a:t>
+            </a:r>
+            <a:r>
+              <a:rPr lang="en-US" dirty="0"/>
+              <a:t> </a:t>
+            </a:r>
+          </a:p>
+          <a:p>
+            <a:r>
+              <a:rPr lang="en-US" dirty="0">
+                <a:hlinkClick r:id="rId3"/>
+              </a:rPr>
+              <a:t>https://www.linkedin.com/feed/update/urn:li:activity:7066386899451428864/</a:t>
+            </a:r>
+            <a:r>
+              <a:rPr lang="en-US" dirty="0"/>
+              <a:t> </a:t>
+            </a:r>
+          </a:p>
+          <a:p>
+            <a:r>
+              <a:rPr lang="en-US" dirty="0">
+                <a:hlinkClick r:id="rId4"/>
+              </a:rPr>
+              <a:t>https://www.linkedin.com/feed/update/urn:li:activity:7069281452240039936/?utm_source=share&amp;utm_medium=member_ios</a:t>
+            </a:r>
+            <a:r>
+              <a:rPr lang="en-US" dirty="0"/>
+              <a:t> </a:t>
+            </a:r>
+          </a:p>
+          <a:p>
+            <a:r>
+              <a:rPr lang="en-US" dirty="0">
+                <a:hlinkClick r:id="rId5"/>
+              </a:rPr>
+              <a:t>https://microsoft.sharepoint.com/teams/CS_CE/SitePages/CE-Beat-AIcareer.aspx</a:t>
+            </a:r>
+            <a:r>
+              <a:rPr lang="en-US" dirty="0"/>
+              <a:t> </a:t>
+            </a:r>
+          </a:p>
+          <a:p>
+            <a:r>
+              <a:rPr lang="en-US" dirty="0">
+                <a:hlinkClick r:id="rId6"/>
+              </a:rPr>
+              <a:t>https://aka.ms/careergpt</a:t>
+            </a:r>
+            <a:r>
+              <a:rPr lang="en-US" dirty="0"/>
+              <a:t> </a:t>
+            </a:r>
+          </a:p>
+          <a:p>
+            <a:endParaRPr lang="en-US" dirty="0"/>
+          </a:p>
+        </p:txBody>
+      </p:sp>
+    </p:spTree>
+    <p:extLst>
+      <p:ext uri="{BB962C8B-B14F-4D97-AF65-F5344CB8AC3E}">
+        <p14:creationId xmlns:p14="http://schemas.microsoft.com/office/powerpoint/2010/main" val="1445452558"/>
       </p:ext>
     </p:extLst>
   </p:cSld>
@@ -5661,7 +9288,7 @@
           <p:cNvPr id="2" name="Title 1">
             <a:extLst>
               <a:ext uri="{FF2B5EF4-FFF2-40B4-BE49-F238E27FC236}">
-                <a16:creationId xmlns:a16="http://schemas.microsoft.com/office/drawing/2014/main" id="{C4C51A8D-EE81-725C-CBBF-1C5AE6F83A2D}"/>
+                <a16:creationId xmlns:a16="http://schemas.microsoft.com/office/drawing/2014/main" id="{28BCCDEA-E7E0-583A-38D6-25FD97E51C80}"/>
               </a:ext>
             </a:extLst>
           </p:cNvPr>
@@ -5674,14 +9301,12 @@
         </p:nvSpPr>
         <p:spPr/>
         <p:txBody>
-          <a:bodyPr>
-            <a:normAutofit/>
-          </a:bodyPr>
+          <a:bodyPr/>
           <a:lstStyle/>
           <a:p>
             <a:r>
               <a:rPr lang="en-US" dirty="0"/>
-              <a:t>Capabilities</a:t>
+              <a:t>Definitions</a:t>
             </a:r>
           </a:p>
         </p:txBody>
@@ -5691,7 +9316,7 @@
           <p:cNvPr id="3" name="Content Placeholder 2">
             <a:extLst>
               <a:ext uri="{FF2B5EF4-FFF2-40B4-BE49-F238E27FC236}">
-                <a16:creationId xmlns:a16="http://schemas.microsoft.com/office/drawing/2014/main" id="{8F029DB2-0CBF-5813-0FA2-E8BC657D233F}"/>
+                <a16:creationId xmlns:a16="http://schemas.microsoft.com/office/drawing/2014/main" id="{AAE3F59D-B5B7-58E0-51F4-37C5E51ED029}"/>
               </a:ext>
             </a:extLst>
           </p:cNvPr>
@@ -5707,31 +9332,29 @@
           <a:bodyPr/>
           <a:lstStyle/>
           <a:p>
-            <a:pPr lvl="0"/>
             <a:r>
               <a:rPr lang="en-US" dirty="0"/>
-              <a:t>Understands Natural Language</a:t>
-            </a:r>
-          </a:p>
-          <a:p>
-            <a:pPr lvl="0"/>
+              <a:t>Generative AI</a:t>
+            </a:r>
+          </a:p>
+          <a:p>
+            <a:pPr lvl="1"/>
             <a:r>
               <a:rPr lang="en-US" dirty="0"/>
-              <a:t>Remembers what user said earlier in the conversation</a:t>
-            </a:r>
-          </a:p>
-          <a:p>
-            <a:pPr lvl="0"/>
+              <a:t>A subset of Artificial Intelligence (AI) that creates new content based on what it has learned from existing content. Can include text, image, or audio</a:t>
+            </a:r>
+          </a:p>
+          <a:p>
             <a:r>
               <a:rPr lang="en-US" dirty="0"/>
-              <a:t>Allows user to provide follow-up corrections</a:t>
-            </a:r>
-          </a:p>
-          <a:p>
-            <a:pPr lvl="0"/>
+              <a:t>Large Language Models (LLMs)</a:t>
+            </a:r>
+          </a:p>
+          <a:p>
+            <a:pPr lvl="1"/>
             <a:r>
               <a:rPr lang="en-US" dirty="0"/>
-              <a:t>Trained to decline inappropriate requests</a:t>
+              <a:t>Foundational Machine Learning models that use deep learning algorithms to process and understand natural language</a:t>
             </a:r>
           </a:p>
         </p:txBody>
@@ -5739,7 +9362,7 @@
     </p:spTree>
     <p:extLst>
       <p:ext uri="{BB962C8B-B14F-4D97-AF65-F5344CB8AC3E}">
-        <p14:creationId xmlns:p14="http://schemas.microsoft.com/office/powerpoint/2010/main" val="3234489296"/>
+        <p14:creationId xmlns:p14="http://schemas.microsoft.com/office/powerpoint/2010/main" val="2802502855"/>
       </p:ext>
     </p:extLst>
   </p:cSld>
@@ -5771,7 +9394,7 @@
           <p:cNvPr id="2" name="Title 1">
             <a:extLst>
               <a:ext uri="{FF2B5EF4-FFF2-40B4-BE49-F238E27FC236}">
-                <a16:creationId xmlns:a16="http://schemas.microsoft.com/office/drawing/2014/main" id="{60260AAF-8FEB-DB0A-0A20-782EEB168156}"/>
+                <a16:creationId xmlns:a16="http://schemas.microsoft.com/office/drawing/2014/main" id="{C4C51A8D-EE81-725C-CBBF-1C5AE6F83A2D}"/>
               </a:ext>
             </a:extLst>
           </p:cNvPr>
@@ -5784,56 +9407,64 @@
         </p:nvSpPr>
         <p:spPr/>
         <p:txBody>
+          <a:bodyPr>
+            <a:normAutofit/>
+          </a:bodyPr>
+          <a:lstStyle/>
+          <a:p>
+            <a:r>
+              <a:rPr lang="en-US" dirty="0"/>
+              <a:t>Capabilities</a:t>
+            </a:r>
+          </a:p>
+        </p:txBody>
+      </p:sp>
+      <p:sp>
+        <p:nvSpPr>
+          <p:cNvPr id="3" name="Content Placeholder 2">
+            <a:extLst>
+              <a:ext uri="{FF2B5EF4-FFF2-40B4-BE49-F238E27FC236}">
+                <a16:creationId xmlns:a16="http://schemas.microsoft.com/office/drawing/2014/main" id="{8F029DB2-0CBF-5813-0FA2-E8BC657D233F}"/>
+              </a:ext>
+            </a:extLst>
+          </p:cNvPr>
+          <p:cNvSpPr>
+            <a:spLocks noGrp="1"/>
+          </p:cNvSpPr>
+          <p:nvPr>
+            <p:ph idx="1"/>
+          </p:nvPr>
+        </p:nvSpPr>
+        <p:spPr/>
+        <p:txBody>
           <a:bodyPr/>
           <a:lstStyle/>
           <a:p>
             <a:pPr lvl="0"/>
             <a:r>
               <a:rPr lang="en-US" dirty="0"/>
-              <a:t>Limitations</a:t>
-            </a:r>
-          </a:p>
-        </p:txBody>
-      </p:sp>
-      <p:sp>
-        <p:nvSpPr>
-          <p:cNvPr id="3" name="Content Placeholder 2">
-            <a:extLst>
-              <a:ext uri="{FF2B5EF4-FFF2-40B4-BE49-F238E27FC236}">
-                <a16:creationId xmlns:a16="http://schemas.microsoft.com/office/drawing/2014/main" id="{66260003-4029-9D84-3740-E99FC1FA186A}"/>
-              </a:ext>
-            </a:extLst>
-          </p:cNvPr>
-          <p:cNvSpPr>
-            <a:spLocks noGrp="1"/>
-          </p:cNvSpPr>
-          <p:nvPr>
-            <p:ph idx="1"/>
-          </p:nvPr>
-        </p:nvSpPr>
-        <p:spPr/>
-        <p:txBody>
-          <a:bodyPr/>
-          <a:lstStyle/>
+              <a:t>Understands Natural Language</a:t>
+            </a:r>
+          </a:p>
           <a:p>
             <a:pPr lvl="0"/>
             <a:r>
               <a:rPr lang="en-US" dirty="0"/>
-              <a:t>May occasionally generate incorrect information</a:t>
+              <a:t>Remembers what user said earlier in the conversation</a:t>
             </a:r>
           </a:p>
           <a:p>
             <a:pPr lvl="0"/>
             <a:r>
               <a:rPr lang="en-US" dirty="0"/>
-              <a:t>May occasionally produce harmful instructions or biased content</a:t>
+              <a:t>Allows user to provide follow-up corrections</a:t>
             </a:r>
           </a:p>
           <a:p>
             <a:pPr lvl="0"/>
             <a:r>
               <a:rPr lang="en-US" dirty="0"/>
-              <a:t>Limited knowledge of world and events after 2021</a:t>
+              <a:t>Trained to decline inappropriate requests</a:t>
             </a:r>
           </a:p>
         </p:txBody>
@@ -5841,7 +9472,7 @@
     </p:spTree>
     <p:extLst>
       <p:ext uri="{BB962C8B-B14F-4D97-AF65-F5344CB8AC3E}">
-        <p14:creationId xmlns:p14="http://schemas.microsoft.com/office/powerpoint/2010/main" val="3724291402"/>
+        <p14:creationId xmlns:p14="http://schemas.microsoft.com/office/powerpoint/2010/main" val="3234489296"/>
       </p:ext>
     </p:extLst>
   </p:cSld>
@@ -5873,7 +9504,7 @@
           <p:cNvPr id="2" name="Title 1">
             <a:extLst>
               <a:ext uri="{FF2B5EF4-FFF2-40B4-BE49-F238E27FC236}">
-                <a16:creationId xmlns:a16="http://schemas.microsoft.com/office/drawing/2014/main" id="{33A37DB2-84AD-0183-7E41-ED0030950139}"/>
+                <a16:creationId xmlns:a16="http://schemas.microsoft.com/office/drawing/2014/main" id="{60260AAF-8FEB-DB0A-0A20-782EEB168156}"/>
               </a:ext>
             </a:extLst>
           </p:cNvPr>
@@ -5889,9 +9520,10 @@
           <a:bodyPr/>
           <a:lstStyle/>
           <a:p>
+            <a:pPr lvl="0"/>
             <a:r>
               <a:rPr lang="en-US" dirty="0"/>
-              <a:t>Sign Up, Start Using It</a:t>
+              <a:t>Limitations</a:t>
             </a:r>
           </a:p>
         </p:txBody>
@@ -5901,7 +9533,7 @@
           <p:cNvPr id="3" name="Content Placeholder 2">
             <a:extLst>
               <a:ext uri="{FF2B5EF4-FFF2-40B4-BE49-F238E27FC236}">
-                <a16:creationId xmlns:a16="http://schemas.microsoft.com/office/drawing/2014/main" id="{71C0B8A3-D892-3397-9C12-45B0C2739D29}"/>
+                <a16:creationId xmlns:a16="http://schemas.microsoft.com/office/drawing/2014/main" id="{66260003-4029-9D84-3740-E99FC1FA186A}"/>
               </a:ext>
             </a:extLst>
           </p:cNvPr>
@@ -5917,26 +9549,32 @@
           <a:bodyPr/>
           <a:lstStyle/>
           <a:p>
-            <a:r>
-              <a:rPr lang="en-US" dirty="0">
-                <a:hlinkClick r:id="rId2"/>
-              </a:rPr>
-              <a:t>https://chat.openai.com</a:t>
-            </a:r>
+            <a:pPr lvl="0"/>
             <a:r>
               <a:rPr lang="en-US" dirty="0"/>
-              <a:t> </a:t>
-            </a:r>
-          </a:p>
-          <a:p>
-            <a:endParaRPr lang="en-US" dirty="0"/>
+              <a:t>May occasionally generate incorrect information</a:t>
+            </a:r>
+          </a:p>
+          <a:p>
+            <a:pPr lvl="0"/>
+            <a:r>
+              <a:rPr lang="en-US" dirty="0"/>
+              <a:t>May occasionally produce harmful instructions or biased content</a:t>
+            </a:r>
+          </a:p>
+          <a:p>
+            <a:pPr lvl="0"/>
+            <a:r>
+              <a:rPr lang="en-US" dirty="0"/>
+              <a:t>Limited knowledge of world and events after 2021</a:t>
+            </a:r>
           </a:p>
         </p:txBody>
       </p:sp>
     </p:spTree>
     <p:extLst>
       <p:ext uri="{BB962C8B-B14F-4D97-AF65-F5344CB8AC3E}">
-        <p14:creationId xmlns:p14="http://schemas.microsoft.com/office/powerpoint/2010/main" val="974377817"/>
+        <p14:creationId xmlns:p14="http://schemas.microsoft.com/office/powerpoint/2010/main" val="3724291402"/>
       </p:ext>
     </p:extLst>
   </p:cSld>
@@ -5968,7 +9606,7 @@
           <p:cNvPr id="2" name="Title 1">
             <a:extLst>
               <a:ext uri="{FF2B5EF4-FFF2-40B4-BE49-F238E27FC236}">
-                <a16:creationId xmlns:a16="http://schemas.microsoft.com/office/drawing/2014/main" id="{D7DD4D18-8B95-D0B8-A51F-1146CE7784FC}"/>
+                <a16:creationId xmlns:a16="http://schemas.microsoft.com/office/drawing/2014/main" id="{33A37DB2-84AD-0183-7E41-ED0030950139}"/>
               </a:ext>
             </a:extLst>
           </p:cNvPr>
@@ -5986,7 +9624,7 @@
           <a:p>
             <a:r>
               <a:rPr lang="en-US" dirty="0"/>
-              <a:t>Ways to Make ChatGPT Work for You: IT</a:t>
+              <a:t>Sign Up, Start Using It</a:t>
             </a:r>
           </a:p>
         </p:txBody>
@@ -5996,7 +9634,7 @@
           <p:cNvPr id="3" name="Content Placeholder 2">
             <a:extLst>
               <a:ext uri="{FF2B5EF4-FFF2-40B4-BE49-F238E27FC236}">
-                <a16:creationId xmlns:a16="http://schemas.microsoft.com/office/drawing/2014/main" id="{0692AB1D-BDB7-97DD-D982-A381520494BB}"/>
+                <a16:creationId xmlns:a16="http://schemas.microsoft.com/office/drawing/2014/main" id="{71C0B8A3-D892-3397-9C12-45B0C2739D29}"/>
               </a:ext>
             </a:extLst>
           </p:cNvPr>
@@ -6013,24 +9651,15 @@
           <a:lstStyle/>
           <a:p>
             <a:r>
+              <a:rPr lang="en-US" dirty="0">
+                <a:hlinkClick r:id="rId2"/>
+              </a:rPr>
+              <a:t>https://chat.openai.com</a:t>
+            </a:r>
+            <a:r>
               <a:rPr lang="en-US" dirty="0"/>
-              <a:t>Explain code</a:t>
-            </a:r>
-          </a:p>
-          <a:p>
-            <a:r>
-              <a:rPr lang="en-US" dirty="0"/>
-              <a:t>Generating code</a:t>
-            </a:r>
-          </a:p>
-          <a:p>
-            <a:r>
-              <a:rPr lang="en-US" dirty="0"/>
-              <a:t>Write automated test</a:t>
-            </a:r>
-          </a:p>
-          <a:p>
-            <a:endParaRPr lang="en-US" dirty="0"/>
+              <a:t> </a:t>
+            </a:r>
           </a:p>
           <a:p>
             <a:endParaRPr lang="en-US" dirty="0"/>
@@ -6040,7 +9669,7 @@
     </p:spTree>
     <p:extLst>
       <p:ext uri="{BB962C8B-B14F-4D97-AF65-F5344CB8AC3E}">
-        <p14:creationId xmlns:p14="http://schemas.microsoft.com/office/powerpoint/2010/main" val="856197814"/>
+        <p14:creationId xmlns:p14="http://schemas.microsoft.com/office/powerpoint/2010/main" val="974377817"/>
       </p:ext>
     </p:extLst>
   </p:cSld>
@@ -6090,7 +9719,7 @@
           <a:p>
             <a:r>
               <a:rPr lang="en-US" dirty="0"/>
-              <a:t>Ways to Make ChatGPT Work for You: Career</a:t>
+              <a:t>Ways to Make ChatGPT Work for You: IT</a:t>
             </a:r>
           </a:p>
         </p:txBody>
@@ -6118,13 +9747,19 @@
           <a:p>
             <a:r>
               <a:rPr lang="en-US" dirty="0"/>
-              <a:t>Writing summaries, title, articles, and emails</a:t>
+              <a:t>Explain code</a:t>
             </a:r>
           </a:p>
           <a:p>
             <a:r>
               <a:rPr lang="en-US" dirty="0"/>
-              <a:t>Writing job descriptions or professional bios</a:t>
+              <a:t>Generating code</a:t>
+            </a:r>
+          </a:p>
+          <a:p>
+            <a:r>
+              <a:rPr lang="en-US" dirty="0"/>
+              <a:t>Write automated test</a:t>
             </a:r>
           </a:p>
           <a:p>
@@ -6138,7 +9773,7 @@
     </p:spTree>
     <p:extLst>
       <p:ext uri="{BB962C8B-B14F-4D97-AF65-F5344CB8AC3E}">
-        <p14:creationId xmlns:p14="http://schemas.microsoft.com/office/powerpoint/2010/main" val="1280771220"/>
+        <p14:creationId xmlns:p14="http://schemas.microsoft.com/office/powerpoint/2010/main" val="856197814"/>
       </p:ext>
     </p:extLst>
   </p:cSld>
@@ -6188,7 +9823,7 @@
           <a:p>
             <a:r>
               <a:rPr lang="en-US" dirty="0"/>
-              <a:t>Ways to Make ChatGPT Work for You: Education</a:t>
+              <a:t>Ways to Make ChatGPT Work for You: Career</a:t>
             </a:r>
           </a:p>
         </p:txBody>
@@ -6222,7 +9857,7 @@
           <a:p>
             <a:r>
               <a:rPr lang="en-US" dirty="0"/>
-              <a:t>Explain complex topics</a:t>
+              <a:t>Writing job descriptions or professional bios</a:t>
             </a:r>
           </a:p>
           <a:p>
@@ -6236,7 +9871,7 @@
     </p:spTree>
     <p:extLst>
       <p:ext uri="{BB962C8B-B14F-4D97-AF65-F5344CB8AC3E}">
-        <p14:creationId xmlns:p14="http://schemas.microsoft.com/office/powerpoint/2010/main" val="3473882397"/>
+        <p14:creationId xmlns:p14="http://schemas.microsoft.com/office/powerpoint/2010/main" val="1280771220"/>
       </p:ext>
     </p:extLst>
   </p:cSld>
